--- a/Mockup.pptx
+++ b/Mockup.pptx
@@ -10,6 +10,11 @@
     <p:sldId id="258" r:id="rId4"/>
     <p:sldId id="259" r:id="rId5"/>
     <p:sldId id="260" r:id="rId6"/>
+    <p:sldId id="262" r:id="rId7"/>
+    <p:sldId id="261" r:id="rId8"/>
+    <p:sldId id="264" r:id="rId9"/>
+    <p:sldId id="263" r:id="rId10"/>
+    <p:sldId id="265" r:id="rId11"/>
   </p:sldIdLst>
   <p:sldSz cx="12192000" cy="6858000"/>
   <p:notesSz cx="6858000" cy="9144000"/>
@@ -108,6 +113,11 @@
       </a:defRPr>
     </a:lvl9pPr>
   </p:defaultTextStyle>
+  <p:extLst>
+    <p:ext uri="{EFAFB233-063F-42B5-8137-9DF3F51BA10A}">
+      <p15:sldGuideLst xmlns:p15="http://schemas.microsoft.com/office/powerpoint/2012/main"/>
+    </p:ext>
+  </p:extLst>
 </p:presentation>
 </file>
 
@@ -242,7 +252,7 @@
           <a:p>
             <a:fld id="{6BA8027A-E1C1-4602-AAEA-8B47FF264AA6}" type="datetimeFigureOut">
               <a:rPr lang="en-US" smtClean="0"/>
-              <a:t>6/29/2016</a:t>
+              <a:t>6/30/2016</a:t>
             </a:fld>
             <a:endParaRPr lang="en-US"/>
           </a:p>
@@ -419,7 +429,7 @@
           <a:p>
             <a:fld id="{6BA8027A-E1C1-4602-AAEA-8B47FF264AA6}" type="datetimeFigureOut">
               <a:rPr lang="en-US" smtClean="0"/>
-              <a:t>6/29/2016</a:t>
+              <a:t>6/30/2016</a:t>
             </a:fld>
             <a:endParaRPr lang="en-US"/>
           </a:p>
@@ -599,7 +609,7 @@
           <a:p>
             <a:fld id="{6BA8027A-E1C1-4602-AAEA-8B47FF264AA6}" type="datetimeFigureOut">
               <a:rPr lang="en-US" smtClean="0"/>
-              <a:t>6/29/2016</a:t>
+              <a:t>6/30/2016</a:t>
             </a:fld>
             <a:endParaRPr lang="en-US"/>
           </a:p>
@@ -769,7 +779,7 @@
           <a:p>
             <a:fld id="{6BA8027A-E1C1-4602-AAEA-8B47FF264AA6}" type="datetimeFigureOut">
               <a:rPr lang="en-US" smtClean="0"/>
-              <a:t>6/29/2016</a:t>
+              <a:t>6/30/2016</a:t>
             </a:fld>
             <a:endParaRPr lang="en-US"/>
           </a:p>
@@ -1015,7 +1025,7 @@
           <a:p>
             <a:fld id="{6BA8027A-E1C1-4602-AAEA-8B47FF264AA6}" type="datetimeFigureOut">
               <a:rPr lang="en-US" smtClean="0"/>
-              <a:t>6/29/2016</a:t>
+              <a:t>6/30/2016</a:t>
             </a:fld>
             <a:endParaRPr lang="en-US"/>
           </a:p>
@@ -1247,7 +1257,7 @@
           <a:p>
             <a:fld id="{6BA8027A-E1C1-4602-AAEA-8B47FF264AA6}" type="datetimeFigureOut">
               <a:rPr lang="en-US" smtClean="0"/>
-              <a:t>6/29/2016</a:t>
+              <a:t>6/30/2016</a:t>
             </a:fld>
             <a:endParaRPr lang="en-US"/>
           </a:p>
@@ -1614,7 +1624,7 @@
           <a:p>
             <a:fld id="{6BA8027A-E1C1-4602-AAEA-8B47FF264AA6}" type="datetimeFigureOut">
               <a:rPr lang="en-US" smtClean="0"/>
-              <a:t>6/29/2016</a:t>
+              <a:t>6/30/2016</a:t>
             </a:fld>
             <a:endParaRPr lang="en-US"/>
           </a:p>
@@ -1732,7 +1742,7 @@
           <a:p>
             <a:fld id="{6BA8027A-E1C1-4602-AAEA-8B47FF264AA6}" type="datetimeFigureOut">
               <a:rPr lang="en-US" smtClean="0"/>
-              <a:t>6/29/2016</a:t>
+              <a:t>6/30/2016</a:t>
             </a:fld>
             <a:endParaRPr lang="en-US"/>
           </a:p>
@@ -1827,7 +1837,7 @@
           <a:p>
             <a:fld id="{6BA8027A-E1C1-4602-AAEA-8B47FF264AA6}" type="datetimeFigureOut">
               <a:rPr lang="en-US" smtClean="0"/>
-              <a:t>6/29/2016</a:t>
+              <a:t>6/30/2016</a:t>
             </a:fld>
             <a:endParaRPr lang="en-US"/>
           </a:p>
@@ -2104,7 +2114,7 @@
           <a:p>
             <a:fld id="{6BA8027A-E1C1-4602-AAEA-8B47FF264AA6}" type="datetimeFigureOut">
               <a:rPr lang="en-US" smtClean="0"/>
-              <a:t>6/29/2016</a:t>
+              <a:t>6/30/2016</a:t>
             </a:fld>
             <a:endParaRPr lang="en-US"/>
           </a:p>
@@ -2357,7 +2367,7 @@
           <a:p>
             <a:fld id="{6BA8027A-E1C1-4602-AAEA-8B47FF264AA6}" type="datetimeFigureOut">
               <a:rPr lang="en-US" smtClean="0"/>
-              <a:t>6/29/2016</a:t>
+              <a:t>6/30/2016</a:t>
             </a:fld>
             <a:endParaRPr lang="en-US"/>
           </a:p>
@@ -2570,7 +2580,7 @@
           <a:p>
             <a:fld id="{6BA8027A-E1C1-4602-AAEA-8B47FF264AA6}" type="datetimeFigureOut">
               <a:rPr lang="en-US" smtClean="0"/>
-              <a:t>6/29/2016</a:t>
+              <a:t>6/30/2016</a:t>
             </a:fld>
             <a:endParaRPr lang="en-US"/>
           </a:p>
@@ -3329,6 +3339,74 @@
 </p:sld>
 </file>
 
+<file path=ppt/slides/slide10.xml><?xml version="1.0" encoding="utf-8"?>
+<p:sld xmlns:a="http://schemas.openxmlformats.org/drawingml/2006/main" xmlns:r="http://schemas.openxmlformats.org/officeDocument/2006/relationships" xmlns:p="http://schemas.openxmlformats.org/presentationml/2006/main">
+  <p:cSld>
+    <p:spTree>
+      <p:nvGrpSpPr>
+        <p:cNvPr id="1" name=""/>
+        <p:cNvGrpSpPr/>
+        <p:nvPr/>
+      </p:nvGrpSpPr>
+      <p:grpSpPr>
+        <a:xfrm>
+          <a:off x="0" y="0"/>
+          <a:ext cx="0" cy="0"/>
+          <a:chOff x="0" y="0"/>
+          <a:chExt cx="0" cy="0"/>
+        </a:xfrm>
+      </p:grpSpPr>
+      <p:sp>
+        <p:nvSpPr>
+          <p:cNvPr id="2" name="Title 1"/>
+          <p:cNvSpPr>
+            <a:spLocks noGrp="1"/>
+          </p:cNvSpPr>
+          <p:nvPr>
+            <p:ph type="title"/>
+          </p:nvPr>
+        </p:nvSpPr>
+        <p:spPr/>
+        <p:txBody>
+          <a:bodyPr/>
+          <a:lstStyle/>
+          <a:p>
+            <a:endParaRPr lang="en-US"/>
+          </a:p>
+        </p:txBody>
+      </p:sp>
+      <p:sp>
+        <p:nvSpPr>
+          <p:cNvPr id="3" name="Content Placeholder 2"/>
+          <p:cNvSpPr>
+            <a:spLocks noGrp="1"/>
+          </p:cNvSpPr>
+          <p:nvPr>
+            <p:ph idx="1"/>
+          </p:nvPr>
+        </p:nvSpPr>
+        <p:spPr/>
+        <p:txBody>
+          <a:bodyPr/>
+          <a:lstStyle/>
+          <a:p>
+            <a:endParaRPr lang="en-US"/>
+          </a:p>
+        </p:txBody>
+      </p:sp>
+    </p:spTree>
+    <p:extLst>
+      <p:ext uri="{BB962C8B-B14F-4D97-AF65-F5344CB8AC3E}">
+        <p14:creationId xmlns:p14="http://schemas.microsoft.com/office/powerpoint/2010/main" val="287828479"/>
+      </p:ext>
+    </p:extLst>
+  </p:cSld>
+  <p:clrMapOvr>
+    <a:masterClrMapping/>
+  </p:clrMapOvr>
+</p:sld>
+</file>
+
 <file path=ppt/slides/slide2.xml><?xml version="1.0" encoding="utf-8"?>
 <p:sld xmlns:a="http://schemas.openxmlformats.org/drawingml/2006/main" xmlns:r="http://schemas.openxmlformats.org/officeDocument/2006/relationships" xmlns:p="http://schemas.openxmlformats.org/presentationml/2006/main">
   <p:cSld>
@@ -10411,7 +10489,7 @@
       </p:grpSpPr>
       <p:sp>
         <p:nvSpPr>
-          <p:cNvPr id="4" name="Rectangle 3"/>
+          <p:cNvPr id="50" name="Rectangle 49"/>
           <p:cNvSpPr/>
           <p:nvPr/>
         </p:nvSpPr>
@@ -10445,27 +10523,27 @@
           <a:lstStyle/>
           <a:p>
             <a:pPr algn="ctr"/>
-            <a:endParaRPr lang="en-US"/>
+            <a:endParaRPr lang="en-US" dirty="0"/>
           </a:p>
         </p:txBody>
       </p:sp>
       <p:graphicFrame>
         <p:nvGraphicFramePr>
-          <p:cNvPr id="5" name="Table 4"/>
+          <p:cNvPr id="51" name="Table 50"/>
           <p:cNvGraphicFramePr>
             <a:graphicFrameLocks noGrp="1"/>
           </p:cNvGraphicFramePr>
           <p:nvPr>
             <p:extLst>
               <p:ext uri="{D42A27DB-BD31-4B8C-83A1-F6EECF244321}">
-                <p14:modId xmlns:p14="http://schemas.microsoft.com/office/powerpoint/2010/main" val="373500120"/>
+                <p14:modId xmlns:p14="http://schemas.microsoft.com/office/powerpoint/2010/main" val="3694938075"/>
               </p:ext>
             </p:extLst>
           </p:nvPr>
         </p:nvGraphicFramePr>
         <p:xfrm>
           <a:off x="329514" y="296562"/>
-          <a:ext cx="8128002" cy="370840"/>
+          <a:ext cx="8128002" cy="418592"/>
         </p:xfrm>
         <a:graphic>
           <a:graphicData uri="http://schemas.openxmlformats.org/drawingml/2006/table">
@@ -10481,7 +10559,7 @@
                 <a:gridCol w="1354667"/>
                 <a:gridCol w="1354667"/>
               </a:tblGrid>
-              <a:tr h="370840">
+              <a:tr h="418592">
                 <a:tc>
                   <a:txBody>
                     <a:bodyPr/>
@@ -10526,10 +10604,18 @@
                     <a:lstStyle/>
                     <a:p>
                       <a:r>
-                        <a:rPr lang="en-US" dirty="0" smtClean="0"/>
+                        <a:rPr lang="en-US" dirty="0" smtClean="0">
+                          <a:solidFill>
+                            <a:schemeClr val="bg1"/>
+                          </a:solidFill>
+                        </a:rPr>
                         <a:t>Workout</a:t>
                       </a:r>
-                      <a:endParaRPr lang="en-US" dirty="0"/>
+                      <a:endParaRPr lang="en-US" dirty="0">
+                        <a:solidFill>
+                          <a:schemeClr val="bg1"/>
+                        </a:solidFill>
+                      </a:endParaRPr>
                     </a:p>
                   </a:txBody>
                   <a:tcPr/>
@@ -10634,7 +10720,7 @@
       </p:graphicFrame>
       <p:pic>
         <p:nvPicPr>
-          <p:cNvPr id="7" name="Picture 6"/>
+          <p:cNvPr id="52" name="Picture 51"/>
           <p:cNvPicPr>
             <a:picLocks noChangeAspect="1"/>
           </p:cNvPicPr>
@@ -10664,7 +10750,7 @@
       </p:pic>
       <p:sp>
         <p:nvSpPr>
-          <p:cNvPr id="8" name="Rounded Rectangle 7"/>
+          <p:cNvPr id="53" name="Rounded Rectangle 52"/>
           <p:cNvSpPr/>
           <p:nvPr/>
         </p:nvSpPr>
@@ -10703,6 +10789,534 @@
               <a:t>Kachok</a:t>
             </a:r>
             <a:endParaRPr lang="en-US" dirty="0"/>
+          </a:p>
+        </p:txBody>
+      </p:sp>
+      <p:sp>
+        <p:nvSpPr>
+          <p:cNvPr id="54" name="Rectangle 53"/>
+          <p:cNvSpPr/>
+          <p:nvPr/>
+        </p:nvSpPr>
+        <p:spPr>
+          <a:xfrm>
+            <a:off x="329514" y="756344"/>
+            <a:ext cx="2018270" cy="5150186"/>
+          </a:xfrm>
+          <a:prstGeom prst="rect">
+            <a:avLst/>
+          </a:prstGeom>
+        </p:spPr>
+        <p:style>
+          <a:lnRef idx="2">
+            <a:schemeClr val="accent1">
+              <a:shade val="50000"/>
+            </a:schemeClr>
+          </a:lnRef>
+          <a:fillRef idx="1">
+            <a:schemeClr val="accent1"/>
+          </a:fillRef>
+          <a:effectRef idx="0">
+            <a:schemeClr val="accent1"/>
+          </a:effectRef>
+          <a:fontRef idx="minor">
+            <a:schemeClr val="lt1"/>
+          </a:fontRef>
+        </p:style>
+        <p:txBody>
+          <a:bodyPr rtlCol="0" anchor="ctr"/>
+          <a:lstStyle/>
+          <a:p>
+            <a:pPr algn="ctr"/>
+            <a:endParaRPr lang="en-US" dirty="0"/>
+          </a:p>
+        </p:txBody>
+      </p:sp>
+      <p:sp>
+        <p:nvSpPr>
+          <p:cNvPr id="56" name="Rectangle 55"/>
+          <p:cNvSpPr/>
+          <p:nvPr/>
+        </p:nvSpPr>
+        <p:spPr>
+          <a:xfrm>
+            <a:off x="423415" y="1230900"/>
+            <a:ext cx="1466336" cy="1331068"/>
+          </a:xfrm>
+          <a:prstGeom prst="rect">
+            <a:avLst/>
+          </a:prstGeom>
+        </p:spPr>
+        <p:style>
+          <a:lnRef idx="2">
+            <a:schemeClr val="accent1">
+              <a:shade val="50000"/>
+            </a:schemeClr>
+          </a:lnRef>
+          <a:fillRef idx="1">
+            <a:schemeClr val="accent1"/>
+          </a:fillRef>
+          <a:effectRef idx="0">
+            <a:schemeClr val="accent1"/>
+          </a:effectRef>
+          <a:fontRef idx="minor">
+            <a:schemeClr val="lt1"/>
+          </a:fontRef>
+        </p:style>
+        <p:txBody>
+          <a:bodyPr rtlCol="0" anchor="ctr"/>
+          <a:lstStyle/>
+          <a:p>
+            <a:r>
+              <a:rPr lang="en-US" dirty="0" smtClean="0"/>
+              <a:t>#of Days</a:t>
+            </a:r>
+            <a:endParaRPr lang="en-US" dirty="0" smtClean="0"/>
+          </a:p>
+          <a:p>
+            <a:endParaRPr lang="en-US" sz="1000" dirty="0" smtClean="0"/>
+          </a:p>
+          <a:p>
+            <a:pPr marL="342900" indent="-342900">
+              <a:buFont typeface="Wingdings" panose="05000000000000000000" pitchFamily="2" charset="2"/>
+              <a:buChar char="q"/>
+            </a:pPr>
+            <a:r>
+              <a:rPr lang="en-US" sz="1000" dirty="0" smtClean="0"/>
+              <a:t>3 days</a:t>
+            </a:r>
+            <a:endParaRPr lang="en-US" sz="1000" dirty="0" smtClean="0"/>
+          </a:p>
+          <a:p>
+            <a:pPr marL="342900" indent="-342900">
+              <a:buFont typeface="Wingdings" panose="05000000000000000000" pitchFamily="2" charset="2"/>
+              <a:buChar char="q"/>
+            </a:pPr>
+            <a:r>
+              <a:rPr lang="en-US" sz="1000" dirty="0" smtClean="0"/>
+              <a:t>4 days</a:t>
+            </a:r>
+          </a:p>
+          <a:p>
+            <a:pPr marL="342900" indent="-342900">
+              <a:buFont typeface="Wingdings" panose="05000000000000000000" pitchFamily="2" charset="2"/>
+              <a:buChar char="q"/>
+            </a:pPr>
+            <a:r>
+              <a:rPr lang="en-US" sz="1000" dirty="0" smtClean="0"/>
+              <a:t>5 days</a:t>
+            </a:r>
+          </a:p>
+          <a:p>
+            <a:pPr marL="342900" indent="-342900">
+              <a:buFont typeface="Wingdings" panose="05000000000000000000" pitchFamily="2" charset="2"/>
+              <a:buChar char="q"/>
+            </a:pPr>
+            <a:r>
+              <a:rPr lang="en-US" sz="1000" dirty="0" smtClean="0"/>
+              <a:t>6 days</a:t>
+            </a:r>
+          </a:p>
+          <a:p>
+            <a:pPr marL="342900" indent="-342900">
+              <a:buFont typeface="Wingdings" panose="05000000000000000000" pitchFamily="2" charset="2"/>
+              <a:buChar char="q"/>
+            </a:pPr>
+            <a:r>
+              <a:rPr lang="en-US" sz="1000" dirty="0" smtClean="0"/>
+              <a:t>7 days</a:t>
+            </a:r>
+            <a:endParaRPr lang="en-US" sz="1000" dirty="0"/>
+          </a:p>
+        </p:txBody>
+      </p:sp>
+      <p:sp>
+        <p:nvSpPr>
+          <p:cNvPr id="58" name="Rectangle 57"/>
+          <p:cNvSpPr/>
+          <p:nvPr/>
+        </p:nvSpPr>
+        <p:spPr>
+          <a:xfrm>
+            <a:off x="2413688" y="823784"/>
+            <a:ext cx="782594" cy="267516"/>
+          </a:xfrm>
+          <a:prstGeom prst="rect">
+            <a:avLst/>
+          </a:prstGeom>
+        </p:spPr>
+        <p:style>
+          <a:lnRef idx="2">
+            <a:schemeClr val="accent1">
+              <a:shade val="50000"/>
+            </a:schemeClr>
+          </a:lnRef>
+          <a:fillRef idx="1">
+            <a:schemeClr val="accent1"/>
+          </a:fillRef>
+          <a:effectRef idx="0">
+            <a:schemeClr val="accent1"/>
+          </a:effectRef>
+          <a:fontRef idx="minor">
+            <a:schemeClr val="lt1"/>
+          </a:fontRef>
+        </p:style>
+        <p:txBody>
+          <a:bodyPr rtlCol="0" anchor="ctr"/>
+          <a:lstStyle/>
+          <a:p>
+            <a:pPr algn="ctr"/>
+            <a:r>
+              <a:rPr lang="en-US" sz="1100" dirty="0" smtClean="0"/>
+              <a:t>Plans</a:t>
+            </a:r>
+            <a:endParaRPr lang="en-US" sz="1100" dirty="0"/>
+          </a:p>
+        </p:txBody>
+      </p:sp>
+      <p:sp>
+        <p:nvSpPr>
+          <p:cNvPr id="59" name="Rectangle 58"/>
+          <p:cNvSpPr/>
+          <p:nvPr/>
+        </p:nvSpPr>
+        <p:spPr>
+          <a:xfrm>
+            <a:off x="3273854" y="823784"/>
+            <a:ext cx="919205" cy="267516"/>
+          </a:xfrm>
+          <a:prstGeom prst="rect">
+            <a:avLst/>
+          </a:prstGeom>
+        </p:spPr>
+        <p:style>
+          <a:lnRef idx="2">
+            <a:schemeClr val="accent1">
+              <a:shade val="50000"/>
+            </a:schemeClr>
+          </a:lnRef>
+          <a:fillRef idx="1">
+            <a:schemeClr val="accent1"/>
+          </a:fillRef>
+          <a:effectRef idx="0">
+            <a:schemeClr val="accent1"/>
+          </a:effectRef>
+          <a:fontRef idx="minor">
+            <a:schemeClr val="lt1"/>
+          </a:fontRef>
+        </p:style>
+        <p:txBody>
+          <a:bodyPr rtlCol="0" anchor="ctr"/>
+          <a:lstStyle/>
+          <a:p>
+            <a:pPr algn="ctr"/>
+            <a:r>
+              <a:rPr lang="en-US" sz="1100" dirty="0" smtClean="0"/>
+              <a:t>4 Days</a:t>
+            </a:r>
+            <a:endParaRPr lang="en-US" sz="1100" dirty="0"/>
+          </a:p>
+        </p:txBody>
+      </p:sp>
+      <p:sp>
+        <p:nvSpPr>
+          <p:cNvPr id="60" name="Rectangle 59"/>
+          <p:cNvSpPr/>
+          <p:nvPr/>
+        </p:nvSpPr>
+        <p:spPr>
+          <a:xfrm>
+            <a:off x="3273854" y="823784"/>
+            <a:ext cx="248507" cy="267516"/>
+          </a:xfrm>
+          <a:prstGeom prst="rect">
+            <a:avLst/>
+          </a:prstGeom>
+        </p:spPr>
+        <p:style>
+          <a:lnRef idx="2">
+            <a:schemeClr val="accent1">
+              <a:shade val="50000"/>
+            </a:schemeClr>
+          </a:lnRef>
+          <a:fillRef idx="1">
+            <a:schemeClr val="accent1"/>
+          </a:fillRef>
+          <a:effectRef idx="0">
+            <a:schemeClr val="accent1"/>
+          </a:effectRef>
+          <a:fontRef idx="minor">
+            <a:schemeClr val="lt1"/>
+          </a:fontRef>
+        </p:style>
+        <p:txBody>
+          <a:bodyPr rtlCol="0" anchor="ctr"/>
+          <a:lstStyle/>
+          <a:p>
+            <a:pPr algn="ctr"/>
+            <a:r>
+              <a:rPr lang="en-US" dirty="0" smtClean="0"/>
+              <a:t>X</a:t>
+            </a:r>
+            <a:endParaRPr lang="en-US" dirty="0"/>
+          </a:p>
+        </p:txBody>
+      </p:sp>
+      <p:sp>
+        <p:nvSpPr>
+          <p:cNvPr id="63" name="Rounded Rectangle 62"/>
+          <p:cNvSpPr/>
+          <p:nvPr/>
+        </p:nvSpPr>
+        <p:spPr>
+          <a:xfrm>
+            <a:off x="2512541" y="1400432"/>
+            <a:ext cx="3253945" cy="593125"/>
+          </a:xfrm>
+          <a:prstGeom prst="roundRect">
+            <a:avLst/>
+          </a:prstGeom>
+        </p:spPr>
+        <p:style>
+          <a:lnRef idx="2">
+            <a:schemeClr val="accent1">
+              <a:shade val="50000"/>
+            </a:schemeClr>
+          </a:lnRef>
+          <a:fillRef idx="1">
+            <a:schemeClr val="accent1"/>
+          </a:fillRef>
+          <a:effectRef idx="0">
+            <a:schemeClr val="accent1"/>
+          </a:effectRef>
+          <a:fontRef idx="minor">
+            <a:schemeClr val="lt1"/>
+          </a:fontRef>
+        </p:style>
+        <p:txBody>
+          <a:bodyPr rtlCol="0" anchor="t"/>
+          <a:lstStyle/>
+          <a:p>
+            <a:r>
+              <a:rPr lang="en-US" dirty="0" smtClean="0"/>
+              <a:t> </a:t>
+            </a:r>
+            <a:r>
+              <a:rPr lang="en-US" dirty="0" smtClean="0"/>
+              <a:t>Complete Makeover</a:t>
+            </a:r>
+            <a:endParaRPr lang="en-US" dirty="0" smtClean="0"/>
+          </a:p>
+          <a:p>
+            <a:r>
+              <a:rPr lang="en-US" sz="1000" dirty="0" smtClean="0"/>
+              <a:t>  4 days</a:t>
+            </a:r>
+            <a:endParaRPr lang="en-US" sz="1000" dirty="0" smtClean="0"/>
+          </a:p>
+          <a:p>
+            <a:endParaRPr lang="en-US" sz="1000" dirty="0"/>
+          </a:p>
+        </p:txBody>
+      </p:sp>
+      <p:sp>
+        <p:nvSpPr>
+          <p:cNvPr id="68" name="Rounded Rectangle 67"/>
+          <p:cNvSpPr/>
+          <p:nvPr/>
+        </p:nvSpPr>
+        <p:spPr>
+          <a:xfrm>
+            <a:off x="2500183" y="2132061"/>
+            <a:ext cx="3266302" cy="593125"/>
+          </a:xfrm>
+          <a:prstGeom prst="roundRect">
+            <a:avLst/>
+          </a:prstGeom>
+        </p:spPr>
+        <p:style>
+          <a:lnRef idx="2">
+            <a:schemeClr val="accent1">
+              <a:shade val="50000"/>
+            </a:schemeClr>
+          </a:lnRef>
+          <a:fillRef idx="1">
+            <a:schemeClr val="accent1"/>
+          </a:fillRef>
+          <a:effectRef idx="0">
+            <a:schemeClr val="accent1"/>
+          </a:effectRef>
+          <a:fontRef idx="minor">
+            <a:schemeClr val="lt1"/>
+          </a:fontRef>
+        </p:style>
+        <p:txBody>
+          <a:bodyPr rtlCol="0" anchor="t"/>
+          <a:lstStyle/>
+          <a:p>
+            <a:r>
+              <a:rPr lang="en-US" dirty="0" smtClean="0"/>
+              <a:t> </a:t>
+            </a:r>
+            <a:r>
+              <a:rPr lang="en-US" dirty="0" err="1" smtClean="0"/>
+              <a:t>Pushap</a:t>
+            </a:r>
+            <a:endParaRPr lang="en-US" dirty="0" smtClean="0"/>
+          </a:p>
+          <a:p>
+            <a:r>
+              <a:rPr lang="en-US" sz="1000" dirty="0"/>
+              <a:t> </a:t>
+            </a:r>
+            <a:r>
+              <a:rPr lang="en-US" sz="1000" dirty="0" smtClean="0"/>
+              <a:t> 4 days</a:t>
+            </a:r>
+            <a:endParaRPr lang="en-US" sz="1000" dirty="0" smtClean="0"/>
+          </a:p>
+          <a:p>
+            <a:endParaRPr lang="en-US" sz="1000" dirty="0"/>
+          </a:p>
+        </p:txBody>
+      </p:sp>
+      <p:sp>
+        <p:nvSpPr>
+          <p:cNvPr id="71" name="Rounded Rectangle 70"/>
+          <p:cNvSpPr/>
+          <p:nvPr/>
+        </p:nvSpPr>
+        <p:spPr>
+          <a:xfrm>
+            <a:off x="2500183" y="2916120"/>
+            <a:ext cx="1540475" cy="593125"/>
+          </a:xfrm>
+          <a:prstGeom prst="roundRect">
+            <a:avLst/>
+          </a:prstGeom>
+        </p:spPr>
+        <p:style>
+          <a:lnRef idx="2">
+            <a:schemeClr val="accent1">
+              <a:shade val="50000"/>
+            </a:schemeClr>
+          </a:lnRef>
+          <a:fillRef idx="1">
+            <a:schemeClr val="accent1"/>
+          </a:fillRef>
+          <a:effectRef idx="0">
+            <a:schemeClr val="accent1"/>
+          </a:effectRef>
+          <a:fontRef idx="minor">
+            <a:schemeClr val="lt1"/>
+          </a:fontRef>
+        </p:style>
+        <p:txBody>
+          <a:bodyPr rtlCol="0" anchor="t"/>
+          <a:lstStyle/>
+          <a:p>
+            <a:r>
+              <a:rPr lang="en-US" dirty="0" smtClean="0"/>
+              <a:t> </a:t>
+            </a:r>
+            <a:r>
+              <a:rPr lang="en-US" dirty="0" err="1" smtClean="0"/>
+              <a:t>Pushap</a:t>
+            </a:r>
+            <a:endParaRPr lang="en-US" dirty="0" smtClean="0"/>
+          </a:p>
+          <a:p>
+            <a:r>
+              <a:rPr lang="en-US" sz="1000" dirty="0" smtClean="0"/>
+              <a:t> 4 days</a:t>
+            </a:r>
+            <a:endParaRPr lang="en-US" sz="1000" dirty="0" smtClean="0"/>
+          </a:p>
+          <a:p>
+            <a:endParaRPr lang="en-US" sz="1000" dirty="0"/>
+          </a:p>
+        </p:txBody>
+      </p:sp>
+      <p:sp>
+        <p:nvSpPr>
+          <p:cNvPr id="74" name="Rectangle 73"/>
+          <p:cNvSpPr/>
+          <p:nvPr/>
+        </p:nvSpPr>
+        <p:spPr>
+          <a:xfrm>
+            <a:off x="423415" y="912353"/>
+            <a:ext cx="1141774" cy="211455"/>
+          </a:xfrm>
+          <a:prstGeom prst="rect">
+            <a:avLst/>
+          </a:prstGeom>
+        </p:spPr>
+        <p:style>
+          <a:lnRef idx="2">
+            <a:schemeClr val="accent1">
+              <a:shade val="50000"/>
+            </a:schemeClr>
+          </a:lnRef>
+          <a:fillRef idx="1">
+            <a:schemeClr val="accent1"/>
+          </a:fillRef>
+          <a:effectRef idx="0">
+            <a:schemeClr val="accent1"/>
+          </a:effectRef>
+          <a:fontRef idx="minor">
+            <a:schemeClr val="lt1"/>
+          </a:fontRef>
+        </p:style>
+        <p:txBody>
+          <a:bodyPr rtlCol="0" anchor="ctr"/>
+          <a:lstStyle/>
+          <a:p>
+            <a:r>
+              <a:rPr lang="en-US" sz="1000" dirty="0" smtClean="0"/>
+              <a:t>Filter</a:t>
+            </a:r>
+            <a:endParaRPr lang="en-US" sz="1000" dirty="0"/>
+          </a:p>
+        </p:txBody>
+      </p:sp>
+      <p:sp>
+        <p:nvSpPr>
+          <p:cNvPr id="75" name="Rectangle 74"/>
+          <p:cNvSpPr/>
+          <p:nvPr/>
+        </p:nvSpPr>
+        <p:spPr>
+          <a:xfrm>
+            <a:off x="1631093" y="923229"/>
+            <a:ext cx="258658" cy="200579"/>
+          </a:xfrm>
+          <a:prstGeom prst="rect">
+            <a:avLst/>
+          </a:prstGeom>
+        </p:spPr>
+        <p:style>
+          <a:lnRef idx="2">
+            <a:schemeClr val="accent1">
+              <a:shade val="50000"/>
+            </a:schemeClr>
+          </a:lnRef>
+          <a:fillRef idx="1">
+            <a:schemeClr val="accent1"/>
+          </a:fillRef>
+          <a:effectRef idx="0">
+            <a:schemeClr val="accent1"/>
+          </a:effectRef>
+          <a:fontRef idx="minor">
+            <a:schemeClr val="lt1"/>
+          </a:fontRef>
+        </p:style>
+        <p:txBody>
+          <a:bodyPr rtlCol="0" anchor="ctr"/>
+          <a:lstStyle/>
+          <a:p>
+            <a:pPr algn="ctr"/>
+            <a:endParaRPr lang="en-US"/>
           </a:p>
         </p:txBody>
       </p:sp>
@@ -10723,6 +11337,5545 @@
       </p:par>
     </p:tnLst>
   </p:timing>
+</p:sld>
+</file>
+
+<file path=ppt/slides/slide6.xml><?xml version="1.0" encoding="utf-8"?>
+<p:sld xmlns:a="http://schemas.openxmlformats.org/drawingml/2006/main" xmlns:r="http://schemas.openxmlformats.org/officeDocument/2006/relationships" xmlns:p="http://schemas.openxmlformats.org/presentationml/2006/main">
+  <p:cSld>
+    <p:spTree>
+      <p:nvGrpSpPr>
+        <p:cNvPr id="1" name=""/>
+        <p:cNvGrpSpPr/>
+        <p:nvPr/>
+      </p:nvGrpSpPr>
+      <p:grpSpPr>
+        <a:xfrm>
+          <a:off x="0" y="0"/>
+          <a:ext cx="0" cy="0"/>
+          <a:chOff x="0" y="0"/>
+          <a:chExt cx="0" cy="0"/>
+        </a:xfrm>
+      </p:grpSpPr>
+      <p:sp>
+        <p:nvSpPr>
+          <p:cNvPr id="4" name="Rectangle 3"/>
+          <p:cNvSpPr/>
+          <p:nvPr/>
+        </p:nvSpPr>
+        <p:spPr>
+          <a:xfrm>
+            <a:off x="329514" y="296562"/>
+            <a:ext cx="8128002" cy="5717060"/>
+          </a:xfrm>
+          <a:prstGeom prst="rect">
+            <a:avLst/>
+          </a:prstGeom>
+        </p:spPr>
+        <p:style>
+          <a:lnRef idx="2">
+            <a:schemeClr val="accent1">
+              <a:shade val="50000"/>
+            </a:schemeClr>
+          </a:lnRef>
+          <a:fillRef idx="1">
+            <a:schemeClr val="accent1"/>
+          </a:fillRef>
+          <a:effectRef idx="0">
+            <a:schemeClr val="accent1"/>
+          </a:effectRef>
+          <a:fontRef idx="minor">
+            <a:schemeClr val="lt1"/>
+          </a:fontRef>
+        </p:style>
+        <p:txBody>
+          <a:bodyPr rtlCol="0" anchor="ctr"/>
+          <a:lstStyle/>
+          <a:p>
+            <a:pPr algn="ctr"/>
+            <a:endParaRPr lang="en-US" dirty="0"/>
+          </a:p>
+        </p:txBody>
+      </p:sp>
+      <p:graphicFrame>
+        <p:nvGraphicFramePr>
+          <p:cNvPr id="5" name="Table 4"/>
+          <p:cNvGraphicFramePr>
+            <a:graphicFrameLocks noGrp="1"/>
+          </p:cNvGraphicFramePr>
+          <p:nvPr>
+            <p:extLst>
+              <p:ext uri="{D42A27DB-BD31-4B8C-83A1-F6EECF244321}">
+                <p14:modId xmlns:p14="http://schemas.microsoft.com/office/powerpoint/2010/main" val="1843559457"/>
+              </p:ext>
+            </p:extLst>
+          </p:nvPr>
+        </p:nvGraphicFramePr>
+        <p:xfrm>
+          <a:off x="329514" y="296562"/>
+          <a:ext cx="8128002" cy="418592"/>
+        </p:xfrm>
+        <a:graphic>
+          <a:graphicData uri="http://schemas.openxmlformats.org/drawingml/2006/table">
+            <a:tbl>
+              <a:tblPr firstRow="1" bandRow="1">
+                <a:tableStyleId>{5C22544A-7EE6-4342-B048-85BDC9FD1C3A}</a:tableStyleId>
+              </a:tblPr>
+              <a:tblGrid>
+                <a:gridCol w="1354667"/>
+                <a:gridCol w="1354667"/>
+                <a:gridCol w="1354667"/>
+                <a:gridCol w="1354667"/>
+                <a:gridCol w="1354667"/>
+                <a:gridCol w="1354667"/>
+              </a:tblGrid>
+              <a:tr h="418592">
+                <a:tc>
+                  <a:txBody>
+                    <a:bodyPr/>
+                    <a:lstStyle/>
+                    <a:p>
+                      <a:endParaRPr lang="en-US" dirty="0"/>
+                    </a:p>
+                  </a:txBody>
+                  <a:tcPr/>
+                </a:tc>
+                <a:tc>
+                  <a:txBody>
+                    <a:bodyPr/>
+                    <a:lstStyle/>
+                    <a:p>
+                      <a:r>
+                        <a:rPr lang="en-US" dirty="0" smtClean="0">
+                          <a:solidFill>
+                            <a:schemeClr val="accent5">
+                              <a:lumMod val="20000"/>
+                              <a:lumOff val="80000"/>
+                            </a:schemeClr>
+                          </a:solidFill>
+                        </a:rPr>
+                        <a:t>Exercises</a:t>
+                      </a:r>
+                      <a:endParaRPr lang="en-US" dirty="0">
+                        <a:solidFill>
+                          <a:schemeClr val="accent5">
+                            <a:lumMod val="20000"/>
+                            <a:lumOff val="80000"/>
+                          </a:schemeClr>
+                        </a:solidFill>
+                      </a:endParaRPr>
+                    </a:p>
+                  </a:txBody>
+                  <a:tcPr/>
+                </a:tc>
+                <a:tc>
+                  <a:txBody>
+                    <a:bodyPr/>
+                    <a:lstStyle/>
+                    <a:p>
+                      <a:r>
+                        <a:rPr lang="en-US" dirty="0" smtClean="0">
+                          <a:solidFill>
+                            <a:schemeClr val="bg1"/>
+                          </a:solidFill>
+                        </a:rPr>
+                        <a:t>Workout</a:t>
+                      </a:r>
+                      <a:endParaRPr lang="en-US" dirty="0">
+                        <a:solidFill>
+                          <a:schemeClr val="bg1"/>
+                        </a:solidFill>
+                      </a:endParaRPr>
+                    </a:p>
+                  </a:txBody>
+                  <a:tcPr/>
+                </a:tc>
+                <a:tc>
+                  <a:txBody>
+                    <a:bodyPr/>
+                    <a:lstStyle/>
+                    <a:p>
+                      <a:pPr marL="0" marR="0" indent="0" algn="l" defTabSz="914400" rtl="0" eaLnBrk="1" fontAlgn="auto" latinLnBrk="0" hangingPunct="1">
+                        <a:lnSpc>
+                          <a:spcPct val="100000"/>
+                        </a:lnSpc>
+                        <a:spcBef>
+                          <a:spcPts val="0"/>
+                        </a:spcBef>
+                        <a:spcAft>
+                          <a:spcPts val="0"/>
+                        </a:spcAft>
+                        <a:buClrTx/>
+                        <a:buSzTx/>
+                        <a:buFontTx/>
+                        <a:buNone/>
+                        <a:tabLst/>
+                        <a:defRPr/>
+                      </a:pPr>
+                      <a:r>
+                        <a:rPr lang="en-US" dirty="0" smtClean="0">
+                          <a:solidFill>
+                            <a:schemeClr val="accent5">
+                              <a:lumMod val="20000"/>
+                              <a:lumOff val="80000"/>
+                            </a:schemeClr>
+                          </a:solidFill>
+                        </a:rPr>
+                        <a:t>Progress</a:t>
+                      </a:r>
+                    </a:p>
+                  </a:txBody>
+                  <a:tcPr/>
+                </a:tc>
+                <a:tc>
+                  <a:txBody>
+                    <a:bodyPr/>
+                    <a:lstStyle/>
+                    <a:p>
+                      <a:r>
+                        <a:rPr lang="en-US" dirty="0" smtClean="0">
+                          <a:solidFill>
+                            <a:schemeClr val="accent5">
+                              <a:lumMod val="20000"/>
+                              <a:lumOff val="80000"/>
+                            </a:schemeClr>
+                          </a:solidFill>
+                        </a:rPr>
+                        <a:t>Resources</a:t>
+                      </a:r>
+                      <a:endParaRPr lang="en-US" dirty="0">
+                        <a:solidFill>
+                          <a:schemeClr val="accent5">
+                            <a:lumMod val="20000"/>
+                            <a:lumOff val="80000"/>
+                          </a:schemeClr>
+                        </a:solidFill>
+                      </a:endParaRPr>
+                    </a:p>
+                  </a:txBody>
+                  <a:tcPr/>
+                </a:tc>
+                <a:tc>
+                  <a:txBody>
+                    <a:bodyPr/>
+                    <a:lstStyle/>
+                    <a:p>
+                      <a:r>
+                        <a:rPr lang="en-US" dirty="0" smtClean="0">
+                          <a:solidFill>
+                            <a:schemeClr val="accent5">
+                              <a:lumMod val="20000"/>
+                              <a:lumOff val="80000"/>
+                            </a:schemeClr>
+                          </a:solidFill>
+                        </a:rPr>
+                        <a:t>About</a:t>
+                      </a:r>
+                      <a:endParaRPr lang="en-US" dirty="0">
+                        <a:solidFill>
+                          <a:schemeClr val="accent5">
+                            <a:lumMod val="20000"/>
+                            <a:lumOff val="80000"/>
+                          </a:schemeClr>
+                        </a:solidFill>
+                      </a:endParaRPr>
+                    </a:p>
+                  </a:txBody>
+                  <a:tcPr/>
+                </a:tc>
+              </a:tr>
+            </a:tbl>
+          </a:graphicData>
+        </a:graphic>
+      </p:graphicFrame>
+      <p:pic>
+        <p:nvPicPr>
+          <p:cNvPr id="6" name="Picture 5"/>
+          <p:cNvPicPr>
+            <a:picLocks noChangeAspect="1"/>
+          </p:cNvPicPr>
+          <p:nvPr/>
+        </p:nvPicPr>
+        <p:blipFill>
+          <a:blip r:embed="rId2" cstate="print">
+            <a:extLst>
+              <a:ext uri="{28A0092B-C50C-407E-A947-70E740481C1C}">
+                <a14:useLocalDpi xmlns:a14="http://schemas.microsoft.com/office/drawing/2010/main" val="0"/>
+              </a:ext>
+            </a:extLst>
+          </a:blip>
+          <a:stretch>
+            <a:fillRect/>
+          </a:stretch>
+        </p:blipFill>
+        <p:spPr>
+          <a:xfrm>
+            <a:off x="389238" y="317225"/>
+            <a:ext cx="369869" cy="377266"/>
+          </a:xfrm>
+          <a:prstGeom prst="rect">
+            <a:avLst/>
+          </a:prstGeom>
+        </p:spPr>
+      </p:pic>
+      <p:sp>
+        <p:nvSpPr>
+          <p:cNvPr id="7" name="Rounded Rectangle 6"/>
+          <p:cNvSpPr/>
+          <p:nvPr/>
+        </p:nvSpPr>
+        <p:spPr>
+          <a:xfrm>
+            <a:off x="759107" y="404210"/>
+            <a:ext cx="873210" cy="214184"/>
+          </a:xfrm>
+          <a:prstGeom prst="roundRect">
+            <a:avLst/>
+          </a:prstGeom>
+        </p:spPr>
+        <p:style>
+          <a:lnRef idx="2">
+            <a:schemeClr val="accent1">
+              <a:shade val="50000"/>
+            </a:schemeClr>
+          </a:lnRef>
+          <a:fillRef idx="1">
+            <a:schemeClr val="accent1"/>
+          </a:fillRef>
+          <a:effectRef idx="0">
+            <a:schemeClr val="accent1"/>
+          </a:effectRef>
+          <a:fontRef idx="minor">
+            <a:schemeClr val="lt1"/>
+          </a:fontRef>
+        </p:style>
+        <p:txBody>
+          <a:bodyPr rtlCol="0" anchor="ctr"/>
+          <a:lstStyle/>
+          <a:p>
+            <a:pPr algn="ctr"/>
+            <a:r>
+              <a:rPr lang="en-US" dirty="0" err="1" smtClean="0"/>
+              <a:t>Kachok</a:t>
+            </a:r>
+            <a:endParaRPr lang="en-US" dirty="0"/>
+          </a:p>
+        </p:txBody>
+      </p:sp>
+      <p:sp>
+        <p:nvSpPr>
+          <p:cNvPr id="8" name="Rectangle 7"/>
+          <p:cNvSpPr/>
+          <p:nvPr/>
+        </p:nvSpPr>
+        <p:spPr>
+          <a:xfrm>
+            <a:off x="329514" y="756344"/>
+            <a:ext cx="2018270" cy="5150186"/>
+          </a:xfrm>
+          <a:prstGeom prst="rect">
+            <a:avLst/>
+          </a:prstGeom>
+        </p:spPr>
+        <p:style>
+          <a:lnRef idx="2">
+            <a:schemeClr val="accent1">
+              <a:shade val="50000"/>
+            </a:schemeClr>
+          </a:lnRef>
+          <a:fillRef idx="1">
+            <a:schemeClr val="accent1"/>
+          </a:fillRef>
+          <a:effectRef idx="0">
+            <a:schemeClr val="accent1"/>
+          </a:effectRef>
+          <a:fontRef idx="minor">
+            <a:schemeClr val="lt1"/>
+          </a:fontRef>
+        </p:style>
+        <p:txBody>
+          <a:bodyPr rtlCol="0" anchor="ctr"/>
+          <a:lstStyle/>
+          <a:p>
+            <a:pPr algn="ctr"/>
+            <a:endParaRPr lang="en-US" dirty="0"/>
+          </a:p>
+        </p:txBody>
+      </p:sp>
+      <p:sp>
+        <p:nvSpPr>
+          <p:cNvPr id="9" name="Rectangle 8"/>
+          <p:cNvSpPr/>
+          <p:nvPr/>
+        </p:nvSpPr>
+        <p:spPr>
+          <a:xfrm>
+            <a:off x="423415" y="1230900"/>
+            <a:ext cx="1466336" cy="1331068"/>
+          </a:xfrm>
+          <a:prstGeom prst="rect">
+            <a:avLst/>
+          </a:prstGeom>
+        </p:spPr>
+        <p:style>
+          <a:lnRef idx="2">
+            <a:schemeClr val="accent1">
+              <a:shade val="50000"/>
+            </a:schemeClr>
+          </a:lnRef>
+          <a:fillRef idx="1">
+            <a:schemeClr val="accent1"/>
+          </a:fillRef>
+          <a:effectRef idx="0">
+            <a:schemeClr val="accent1"/>
+          </a:effectRef>
+          <a:fontRef idx="minor">
+            <a:schemeClr val="lt1"/>
+          </a:fontRef>
+        </p:style>
+        <p:txBody>
+          <a:bodyPr rtlCol="0" anchor="ctr"/>
+          <a:lstStyle/>
+          <a:p>
+            <a:r>
+              <a:rPr lang="en-US" dirty="0" smtClean="0"/>
+              <a:t>#of Days</a:t>
+            </a:r>
+            <a:endParaRPr lang="en-US" dirty="0" smtClean="0"/>
+          </a:p>
+          <a:p>
+            <a:endParaRPr lang="en-US" sz="1000" dirty="0" smtClean="0"/>
+          </a:p>
+          <a:p>
+            <a:pPr marL="342900" indent="-342900">
+              <a:buFont typeface="Wingdings" panose="05000000000000000000" pitchFamily="2" charset="2"/>
+              <a:buChar char="q"/>
+            </a:pPr>
+            <a:r>
+              <a:rPr lang="en-US" sz="1000" dirty="0" smtClean="0"/>
+              <a:t>3 days</a:t>
+            </a:r>
+            <a:endParaRPr lang="en-US" sz="1000" dirty="0" smtClean="0"/>
+          </a:p>
+          <a:p>
+            <a:pPr marL="342900" indent="-342900">
+              <a:buFont typeface="Wingdings" panose="05000000000000000000" pitchFamily="2" charset="2"/>
+              <a:buChar char="q"/>
+            </a:pPr>
+            <a:r>
+              <a:rPr lang="en-US" sz="1000" dirty="0" smtClean="0"/>
+              <a:t>4 days</a:t>
+            </a:r>
+          </a:p>
+          <a:p>
+            <a:pPr marL="342900" indent="-342900">
+              <a:buFont typeface="Wingdings" panose="05000000000000000000" pitchFamily="2" charset="2"/>
+              <a:buChar char="q"/>
+            </a:pPr>
+            <a:r>
+              <a:rPr lang="en-US" sz="1000" dirty="0" smtClean="0"/>
+              <a:t>5 days</a:t>
+            </a:r>
+          </a:p>
+          <a:p>
+            <a:pPr marL="342900" indent="-342900">
+              <a:buFont typeface="Wingdings" panose="05000000000000000000" pitchFamily="2" charset="2"/>
+              <a:buChar char="q"/>
+            </a:pPr>
+            <a:r>
+              <a:rPr lang="en-US" sz="1000" dirty="0" smtClean="0"/>
+              <a:t>6 days</a:t>
+            </a:r>
+          </a:p>
+          <a:p>
+            <a:pPr marL="342900" indent="-342900">
+              <a:buFont typeface="Wingdings" panose="05000000000000000000" pitchFamily="2" charset="2"/>
+              <a:buChar char="q"/>
+            </a:pPr>
+            <a:r>
+              <a:rPr lang="en-US" sz="1000" dirty="0" smtClean="0"/>
+              <a:t>7 days</a:t>
+            </a:r>
+            <a:endParaRPr lang="en-US" sz="1000" dirty="0"/>
+          </a:p>
+        </p:txBody>
+      </p:sp>
+      <p:sp>
+        <p:nvSpPr>
+          <p:cNvPr id="10" name="Rectangle 9"/>
+          <p:cNvSpPr/>
+          <p:nvPr/>
+        </p:nvSpPr>
+        <p:spPr>
+          <a:xfrm>
+            <a:off x="2413688" y="823784"/>
+            <a:ext cx="782594" cy="267516"/>
+          </a:xfrm>
+          <a:prstGeom prst="rect">
+            <a:avLst/>
+          </a:prstGeom>
+        </p:spPr>
+        <p:style>
+          <a:lnRef idx="2">
+            <a:schemeClr val="accent1">
+              <a:shade val="50000"/>
+            </a:schemeClr>
+          </a:lnRef>
+          <a:fillRef idx="1">
+            <a:schemeClr val="accent1"/>
+          </a:fillRef>
+          <a:effectRef idx="0">
+            <a:schemeClr val="accent1"/>
+          </a:effectRef>
+          <a:fontRef idx="minor">
+            <a:schemeClr val="lt1"/>
+          </a:fontRef>
+        </p:style>
+        <p:txBody>
+          <a:bodyPr rtlCol="0" anchor="ctr"/>
+          <a:lstStyle/>
+          <a:p>
+            <a:pPr algn="ctr"/>
+            <a:r>
+              <a:rPr lang="en-US" sz="1100" dirty="0" smtClean="0"/>
+              <a:t>Plans</a:t>
+            </a:r>
+            <a:endParaRPr lang="en-US" sz="1100" dirty="0"/>
+          </a:p>
+        </p:txBody>
+      </p:sp>
+      <p:sp>
+        <p:nvSpPr>
+          <p:cNvPr id="11" name="Rectangle 10"/>
+          <p:cNvSpPr/>
+          <p:nvPr/>
+        </p:nvSpPr>
+        <p:spPr>
+          <a:xfrm>
+            <a:off x="3273854" y="823784"/>
+            <a:ext cx="919205" cy="267516"/>
+          </a:xfrm>
+          <a:prstGeom prst="rect">
+            <a:avLst/>
+          </a:prstGeom>
+        </p:spPr>
+        <p:style>
+          <a:lnRef idx="2">
+            <a:schemeClr val="accent1">
+              <a:shade val="50000"/>
+            </a:schemeClr>
+          </a:lnRef>
+          <a:fillRef idx="1">
+            <a:schemeClr val="accent1"/>
+          </a:fillRef>
+          <a:effectRef idx="0">
+            <a:schemeClr val="accent1"/>
+          </a:effectRef>
+          <a:fontRef idx="minor">
+            <a:schemeClr val="lt1"/>
+          </a:fontRef>
+        </p:style>
+        <p:txBody>
+          <a:bodyPr rtlCol="0" anchor="ctr"/>
+          <a:lstStyle/>
+          <a:p>
+            <a:pPr algn="ctr"/>
+            <a:r>
+              <a:rPr lang="en-US" sz="1100" dirty="0" smtClean="0"/>
+              <a:t>4 Days</a:t>
+            </a:r>
+            <a:endParaRPr lang="en-US" sz="1100" dirty="0"/>
+          </a:p>
+        </p:txBody>
+      </p:sp>
+      <p:sp>
+        <p:nvSpPr>
+          <p:cNvPr id="12" name="Rectangle 11"/>
+          <p:cNvSpPr/>
+          <p:nvPr/>
+        </p:nvSpPr>
+        <p:spPr>
+          <a:xfrm>
+            <a:off x="3273854" y="823784"/>
+            <a:ext cx="248507" cy="267516"/>
+          </a:xfrm>
+          <a:prstGeom prst="rect">
+            <a:avLst/>
+          </a:prstGeom>
+        </p:spPr>
+        <p:style>
+          <a:lnRef idx="2">
+            <a:schemeClr val="accent1">
+              <a:shade val="50000"/>
+            </a:schemeClr>
+          </a:lnRef>
+          <a:fillRef idx="1">
+            <a:schemeClr val="accent1"/>
+          </a:fillRef>
+          <a:effectRef idx="0">
+            <a:schemeClr val="accent1"/>
+          </a:effectRef>
+          <a:fontRef idx="minor">
+            <a:schemeClr val="lt1"/>
+          </a:fontRef>
+        </p:style>
+        <p:txBody>
+          <a:bodyPr rtlCol="0" anchor="ctr"/>
+          <a:lstStyle/>
+          <a:p>
+            <a:pPr algn="ctr"/>
+            <a:r>
+              <a:rPr lang="en-US" dirty="0" smtClean="0"/>
+              <a:t>X</a:t>
+            </a:r>
+            <a:endParaRPr lang="en-US" dirty="0"/>
+          </a:p>
+        </p:txBody>
+      </p:sp>
+      <p:sp>
+        <p:nvSpPr>
+          <p:cNvPr id="16" name="Rectangle 15"/>
+          <p:cNvSpPr/>
+          <p:nvPr/>
+        </p:nvSpPr>
+        <p:spPr>
+          <a:xfrm>
+            <a:off x="423415" y="912353"/>
+            <a:ext cx="1141774" cy="211455"/>
+          </a:xfrm>
+          <a:prstGeom prst="rect">
+            <a:avLst/>
+          </a:prstGeom>
+        </p:spPr>
+        <p:style>
+          <a:lnRef idx="2">
+            <a:schemeClr val="accent1">
+              <a:shade val="50000"/>
+            </a:schemeClr>
+          </a:lnRef>
+          <a:fillRef idx="1">
+            <a:schemeClr val="accent1"/>
+          </a:fillRef>
+          <a:effectRef idx="0">
+            <a:schemeClr val="accent1"/>
+          </a:effectRef>
+          <a:fontRef idx="minor">
+            <a:schemeClr val="lt1"/>
+          </a:fontRef>
+        </p:style>
+        <p:txBody>
+          <a:bodyPr rtlCol="0" anchor="ctr"/>
+          <a:lstStyle/>
+          <a:p>
+            <a:r>
+              <a:rPr lang="en-US" sz="1000" dirty="0" smtClean="0"/>
+              <a:t>Filter</a:t>
+            </a:r>
+            <a:endParaRPr lang="en-US" sz="1000" dirty="0"/>
+          </a:p>
+        </p:txBody>
+      </p:sp>
+      <p:sp>
+        <p:nvSpPr>
+          <p:cNvPr id="17" name="Rectangle 16"/>
+          <p:cNvSpPr/>
+          <p:nvPr/>
+        </p:nvSpPr>
+        <p:spPr>
+          <a:xfrm>
+            <a:off x="1631093" y="923229"/>
+            <a:ext cx="258658" cy="200579"/>
+          </a:xfrm>
+          <a:prstGeom prst="rect">
+            <a:avLst/>
+          </a:prstGeom>
+        </p:spPr>
+        <p:style>
+          <a:lnRef idx="2">
+            <a:schemeClr val="accent1">
+              <a:shade val="50000"/>
+            </a:schemeClr>
+          </a:lnRef>
+          <a:fillRef idx="1">
+            <a:schemeClr val="accent1"/>
+          </a:fillRef>
+          <a:effectRef idx="0">
+            <a:schemeClr val="accent1"/>
+          </a:effectRef>
+          <a:fontRef idx="minor">
+            <a:schemeClr val="lt1"/>
+          </a:fontRef>
+        </p:style>
+        <p:txBody>
+          <a:bodyPr rtlCol="0" anchor="ctr"/>
+          <a:lstStyle/>
+          <a:p>
+            <a:pPr algn="ctr"/>
+            <a:endParaRPr lang="en-US"/>
+          </a:p>
+        </p:txBody>
+      </p:sp>
+      <p:sp>
+        <p:nvSpPr>
+          <p:cNvPr id="18" name="Rectangle 17"/>
+          <p:cNvSpPr/>
+          <p:nvPr/>
+        </p:nvSpPr>
+        <p:spPr>
+          <a:xfrm>
+            <a:off x="2850292" y="1524000"/>
+            <a:ext cx="5074508" cy="4003589"/>
+          </a:xfrm>
+          <a:prstGeom prst="rect">
+            <a:avLst/>
+          </a:prstGeom>
+        </p:spPr>
+        <p:style>
+          <a:lnRef idx="2">
+            <a:schemeClr val="accent1">
+              <a:shade val="50000"/>
+            </a:schemeClr>
+          </a:lnRef>
+          <a:fillRef idx="1">
+            <a:schemeClr val="accent1"/>
+          </a:fillRef>
+          <a:effectRef idx="0">
+            <a:schemeClr val="accent1"/>
+          </a:effectRef>
+          <a:fontRef idx="minor">
+            <a:schemeClr val="lt1"/>
+          </a:fontRef>
+        </p:style>
+        <p:txBody>
+          <a:bodyPr rtlCol="0" anchor="ctr"/>
+          <a:lstStyle/>
+          <a:p>
+            <a:pPr algn="ctr"/>
+            <a:endParaRPr lang="en-US" dirty="0"/>
+          </a:p>
+        </p:txBody>
+      </p:sp>
+      <p:sp>
+        <p:nvSpPr>
+          <p:cNvPr id="19" name="Rectangle 18"/>
+          <p:cNvSpPr/>
+          <p:nvPr/>
+        </p:nvSpPr>
+        <p:spPr>
+          <a:xfrm>
+            <a:off x="3031525" y="1738183"/>
+            <a:ext cx="2405448" cy="230660"/>
+          </a:xfrm>
+          <a:prstGeom prst="rect">
+            <a:avLst/>
+          </a:prstGeom>
+        </p:spPr>
+        <p:style>
+          <a:lnRef idx="2">
+            <a:schemeClr val="accent1">
+              <a:shade val="50000"/>
+            </a:schemeClr>
+          </a:lnRef>
+          <a:fillRef idx="1">
+            <a:schemeClr val="accent1"/>
+          </a:fillRef>
+          <a:effectRef idx="0">
+            <a:schemeClr val="accent1"/>
+          </a:effectRef>
+          <a:fontRef idx="minor">
+            <a:schemeClr val="lt1"/>
+          </a:fontRef>
+        </p:style>
+        <p:txBody>
+          <a:bodyPr rtlCol="0" anchor="ctr"/>
+          <a:lstStyle/>
+          <a:p>
+            <a:r>
+              <a:rPr lang="en-US" dirty="0" smtClean="0"/>
+              <a:t>Name</a:t>
+            </a:r>
+            <a:endParaRPr lang="en-US" dirty="0"/>
+          </a:p>
+        </p:txBody>
+      </p:sp>
+      <p:sp>
+        <p:nvSpPr>
+          <p:cNvPr id="20" name="Rectangle 19"/>
+          <p:cNvSpPr/>
+          <p:nvPr/>
+        </p:nvSpPr>
+        <p:spPr>
+          <a:xfrm>
+            <a:off x="3031525" y="2132061"/>
+            <a:ext cx="4464908" cy="601364"/>
+          </a:xfrm>
+          <a:prstGeom prst="rect">
+            <a:avLst/>
+          </a:prstGeom>
+        </p:spPr>
+        <p:style>
+          <a:lnRef idx="2">
+            <a:schemeClr val="accent1">
+              <a:shade val="50000"/>
+            </a:schemeClr>
+          </a:lnRef>
+          <a:fillRef idx="1">
+            <a:schemeClr val="accent1"/>
+          </a:fillRef>
+          <a:effectRef idx="0">
+            <a:schemeClr val="accent1"/>
+          </a:effectRef>
+          <a:fontRef idx="minor">
+            <a:schemeClr val="lt1"/>
+          </a:fontRef>
+        </p:style>
+        <p:txBody>
+          <a:bodyPr rtlCol="0" anchor="t"/>
+          <a:lstStyle/>
+          <a:p>
+            <a:r>
+              <a:rPr lang="en-US" dirty="0" smtClean="0"/>
+              <a:t>Description</a:t>
+            </a:r>
+            <a:endParaRPr lang="en-US" dirty="0"/>
+          </a:p>
+        </p:txBody>
+      </p:sp>
+      <p:sp>
+        <p:nvSpPr>
+          <p:cNvPr id="21" name="Rectangle 20"/>
+          <p:cNvSpPr/>
+          <p:nvPr/>
+        </p:nvSpPr>
+        <p:spPr>
+          <a:xfrm>
+            <a:off x="5688228" y="1738183"/>
+            <a:ext cx="1075037" cy="230660"/>
+          </a:xfrm>
+          <a:prstGeom prst="rect">
+            <a:avLst/>
+          </a:prstGeom>
+        </p:spPr>
+        <p:style>
+          <a:lnRef idx="2">
+            <a:schemeClr val="accent1">
+              <a:shade val="50000"/>
+            </a:schemeClr>
+          </a:lnRef>
+          <a:fillRef idx="1">
+            <a:schemeClr val="accent1"/>
+          </a:fillRef>
+          <a:effectRef idx="0">
+            <a:schemeClr val="accent1"/>
+          </a:effectRef>
+          <a:fontRef idx="minor">
+            <a:schemeClr val="lt1"/>
+          </a:fontRef>
+        </p:style>
+        <p:txBody>
+          <a:bodyPr rtlCol="0" anchor="ctr"/>
+          <a:lstStyle/>
+          <a:p>
+            <a:r>
+              <a:rPr lang="en-US" dirty="0" smtClean="0"/>
+              <a:t># of days</a:t>
+            </a:r>
+            <a:endParaRPr lang="en-US" dirty="0"/>
+          </a:p>
+        </p:txBody>
+      </p:sp>
+      <p:graphicFrame>
+        <p:nvGraphicFramePr>
+          <p:cNvPr id="22" name="Table 21"/>
+          <p:cNvGraphicFramePr>
+            <a:graphicFrameLocks noGrp="1"/>
+          </p:cNvGraphicFramePr>
+          <p:nvPr>
+            <p:extLst>
+              <p:ext uri="{D42A27DB-BD31-4B8C-83A1-F6EECF244321}">
+                <p14:modId xmlns:p14="http://schemas.microsoft.com/office/powerpoint/2010/main" val="2907776305"/>
+              </p:ext>
+            </p:extLst>
+          </p:nvPr>
+        </p:nvGraphicFramePr>
+        <p:xfrm>
+          <a:off x="3031526" y="2862153"/>
+          <a:ext cx="4761468" cy="370840"/>
+        </p:xfrm>
+        <a:graphic>
+          <a:graphicData uri="http://schemas.openxmlformats.org/drawingml/2006/table">
+            <a:tbl>
+              <a:tblPr firstRow="1" bandRow="1">
+                <a:tableStyleId>{5C22544A-7EE6-4342-B048-85BDC9FD1C3A}</a:tableStyleId>
+              </a:tblPr>
+              <a:tblGrid>
+                <a:gridCol w="1190367"/>
+                <a:gridCol w="1190367"/>
+                <a:gridCol w="1190367"/>
+                <a:gridCol w="1190367"/>
+              </a:tblGrid>
+              <a:tr h="370840">
+                <a:tc>
+                  <a:txBody>
+                    <a:bodyPr/>
+                    <a:lstStyle/>
+                    <a:p>
+                      <a:r>
+                        <a:rPr lang="en-US" dirty="0" smtClean="0"/>
+                        <a:t>Schedule</a:t>
+                      </a:r>
+                      <a:endParaRPr lang="en-US" dirty="0"/>
+                    </a:p>
+                  </a:txBody>
+                  <a:tcPr/>
+                </a:tc>
+                <a:tc>
+                  <a:txBody>
+                    <a:bodyPr/>
+                    <a:lstStyle/>
+                    <a:p>
+                      <a:r>
+                        <a:rPr lang="en-US" dirty="0" smtClean="0">
+                          <a:solidFill>
+                            <a:schemeClr val="accent5">
+                              <a:lumMod val="20000"/>
+                              <a:lumOff val="80000"/>
+                            </a:schemeClr>
+                          </a:solidFill>
+                        </a:rPr>
+                        <a:t>Workouts</a:t>
+                      </a:r>
+                      <a:endParaRPr lang="en-US" dirty="0">
+                        <a:solidFill>
+                          <a:schemeClr val="accent5">
+                            <a:lumMod val="20000"/>
+                            <a:lumOff val="80000"/>
+                          </a:schemeClr>
+                        </a:solidFill>
+                      </a:endParaRPr>
+                    </a:p>
+                  </a:txBody>
+                  <a:tcPr/>
+                </a:tc>
+                <a:tc>
+                  <a:txBody>
+                    <a:bodyPr/>
+                    <a:lstStyle/>
+                    <a:p>
+                      <a:r>
+                        <a:rPr lang="en-US" dirty="0" smtClean="0">
+                          <a:solidFill>
+                            <a:schemeClr val="accent5">
+                              <a:lumMod val="20000"/>
+                              <a:lumOff val="80000"/>
+                            </a:schemeClr>
+                          </a:solidFill>
+                        </a:rPr>
+                        <a:t>Tags</a:t>
+                      </a:r>
+                      <a:endParaRPr lang="en-US" dirty="0">
+                        <a:solidFill>
+                          <a:schemeClr val="accent5">
+                            <a:lumMod val="20000"/>
+                            <a:lumOff val="80000"/>
+                          </a:schemeClr>
+                        </a:solidFill>
+                      </a:endParaRPr>
+                    </a:p>
+                  </a:txBody>
+                  <a:tcPr/>
+                </a:tc>
+                <a:tc>
+                  <a:txBody>
+                    <a:bodyPr/>
+                    <a:lstStyle/>
+                    <a:p>
+                      <a:r>
+                        <a:rPr lang="en-US" dirty="0" smtClean="0">
+                          <a:solidFill>
+                            <a:schemeClr val="accent5">
+                              <a:lumMod val="20000"/>
+                              <a:lumOff val="80000"/>
+                            </a:schemeClr>
+                          </a:solidFill>
+                        </a:rPr>
+                        <a:t>Log</a:t>
+                      </a:r>
+                      <a:endParaRPr lang="en-US" dirty="0">
+                        <a:solidFill>
+                          <a:schemeClr val="accent5">
+                            <a:lumMod val="20000"/>
+                            <a:lumOff val="80000"/>
+                          </a:schemeClr>
+                        </a:solidFill>
+                      </a:endParaRPr>
+                    </a:p>
+                  </a:txBody>
+                  <a:tcPr/>
+                </a:tc>
+              </a:tr>
+            </a:tbl>
+          </a:graphicData>
+        </a:graphic>
+      </p:graphicFrame>
+      <p:sp>
+        <p:nvSpPr>
+          <p:cNvPr id="23" name="Rectangle 22"/>
+          <p:cNvSpPr/>
+          <p:nvPr/>
+        </p:nvSpPr>
+        <p:spPr>
+          <a:xfrm>
+            <a:off x="414638" y="2669060"/>
+            <a:ext cx="1466336" cy="783509"/>
+          </a:xfrm>
+          <a:prstGeom prst="rect">
+            <a:avLst/>
+          </a:prstGeom>
+        </p:spPr>
+        <p:style>
+          <a:lnRef idx="2">
+            <a:schemeClr val="accent1">
+              <a:shade val="50000"/>
+            </a:schemeClr>
+          </a:lnRef>
+          <a:fillRef idx="1">
+            <a:schemeClr val="accent1"/>
+          </a:fillRef>
+          <a:effectRef idx="0">
+            <a:schemeClr val="accent1"/>
+          </a:effectRef>
+          <a:fontRef idx="minor">
+            <a:schemeClr val="lt1"/>
+          </a:fontRef>
+        </p:style>
+        <p:txBody>
+          <a:bodyPr rtlCol="0" anchor="ctr"/>
+          <a:lstStyle/>
+          <a:p>
+            <a:r>
+              <a:rPr lang="en-US" dirty="0" smtClean="0"/>
+              <a:t>Tags</a:t>
+            </a:r>
+          </a:p>
+          <a:p>
+            <a:endParaRPr lang="en-US" sz="1000" dirty="0" smtClean="0"/>
+          </a:p>
+          <a:p>
+            <a:pPr marL="342900" indent="-342900">
+              <a:buFont typeface="Wingdings" panose="05000000000000000000" pitchFamily="2" charset="2"/>
+              <a:buChar char="q"/>
+            </a:pPr>
+            <a:r>
+              <a:rPr lang="en-US" sz="1000" dirty="0" smtClean="0"/>
+              <a:t>Steve</a:t>
+            </a:r>
+          </a:p>
+          <a:p>
+            <a:pPr marL="342900" indent="-342900">
+              <a:buFont typeface="Wingdings" panose="05000000000000000000" pitchFamily="2" charset="2"/>
+              <a:buChar char="q"/>
+            </a:pPr>
+            <a:r>
+              <a:rPr lang="en-US" sz="1000" dirty="0" smtClean="0"/>
+              <a:t>New</a:t>
+            </a:r>
+            <a:endParaRPr lang="en-US" sz="1000" dirty="0"/>
+          </a:p>
+        </p:txBody>
+      </p:sp>
+      <p:sp>
+        <p:nvSpPr>
+          <p:cNvPr id="24" name="Rounded Rectangle 23"/>
+          <p:cNvSpPr/>
+          <p:nvPr/>
+        </p:nvSpPr>
+        <p:spPr>
+          <a:xfrm>
+            <a:off x="3113902" y="3511196"/>
+            <a:ext cx="4679092" cy="387252"/>
+          </a:xfrm>
+          <a:prstGeom prst="roundRect">
+            <a:avLst/>
+          </a:prstGeom>
+        </p:spPr>
+        <p:style>
+          <a:lnRef idx="2">
+            <a:schemeClr val="accent1">
+              <a:shade val="50000"/>
+            </a:schemeClr>
+          </a:lnRef>
+          <a:fillRef idx="1">
+            <a:schemeClr val="accent1"/>
+          </a:fillRef>
+          <a:effectRef idx="0">
+            <a:schemeClr val="accent1"/>
+          </a:effectRef>
+          <a:fontRef idx="minor">
+            <a:schemeClr val="lt1"/>
+          </a:fontRef>
+        </p:style>
+        <p:txBody>
+          <a:bodyPr rtlCol="0" anchor="ctr"/>
+          <a:lstStyle/>
+          <a:p>
+            <a:r>
+              <a:rPr lang="en-US" sz="1000" dirty="0" smtClean="0"/>
+              <a:t>Day 1: </a:t>
+            </a:r>
+            <a:endParaRPr lang="en-US" sz="1000" dirty="0"/>
+          </a:p>
+        </p:txBody>
+      </p:sp>
+      <p:sp>
+        <p:nvSpPr>
+          <p:cNvPr id="25" name="Rectangle 24"/>
+          <p:cNvSpPr/>
+          <p:nvPr/>
+        </p:nvSpPr>
+        <p:spPr>
+          <a:xfrm>
+            <a:off x="3657600" y="3641124"/>
+            <a:ext cx="1054443" cy="156519"/>
+          </a:xfrm>
+          <a:prstGeom prst="rect">
+            <a:avLst/>
+          </a:prstGeom>
+        </p:spPr>
+        <p:style>
+          <a:lnRef idx="2">
+            <a:schemeClr val="accent1">
+              <a:shade val="50000"/>
+            </a:schemeClr>
+          </a:lnRef>
+          <a:fillRef idx="1">
+            <a:schemeClr val="accent1"/>
+          </a:fillRef>
+          <a:effectRef idx="0">
+            <a:schemeClr val="accent1"/>
+          </a:effectRef>
+          <a:fontRef idx="minor">
+            <a:schemeClr val="lt1"/>
+          </a:fontRef>
+        </p:style>
+        <p:txBody>
+          <a:bodyPr rtlCol="0" anchor="ctr"/>
+          <a:lstStyle/>
+          <a:p>
+            <a:pPr algn="ctr"/>
+            <a:endParaRPr lang="en-US"/>
+          </a:p>
+        </p:txBody>
+      </p:sp>
+      <p:sp>
+        <p:nvSpPr>
+          <p:cNvPr id="26" name="Rectangle 25"/>
+          <p:cNvSpPr/>
+          <p:nvPr/>
+        </p:nvSpPr>
+        <p:spPr>
+          <a:xfrm>
+            <a:off x="4481383" y="3641124"/>
+            <a:ext cx="230658" cy="148281"/>
+          </a:xfrm>
+          <a:prstGeom prst="rect">
+            <a:avLst/>
+          </a:prstGeom>
+        </p:spPr>
+        <p:style>
+          <a:lnRef idx="2">
+            <a:schemeClr val="accent1">
+              <a:shade val="50000"/>
+            </a:schemeClr>
+          </a:lnRef>
+          <a:fillRef idx="1">
+            <a:schemeClr val="accent1"/>
+          </a:fillRef>
+          <a:effectRef idx="0">
+            <a:schemeClr val="accent1"/>
+          </a:effectRef>
+          <a:fontRef idx="minor">
+            <a:schemeClr val="lt1"/>
+          </a:fontRef>
+        </p:style>
+        <p:txBody>
+          <a:bodyPr rtlCol="0" anchor="ctr"/>
+          <a:lstStyle/>
+          <a:p>
+            <a:pPr algn="ctr"/>
+            <a:endParaRPr lang="en-US"/>
+          </a:p>
+        </p:txBody>
+      </p:sp>
+      <p:sp>
+        <p:nvSpPr>
+          <p:cNvPr id="27" name="Rounded Rectangle 26"/>
+          <p:cNvSpPr/>
+          <p:nvPr/>
+        </p:nvSpPr>
+        <p:spPr>
+          <a:xfrm>
+            <a:off x="3118706" y="3993039"/>
+            <a:ext cx="4674288" cy="387252"/>
+          </a:xfrm>
+          <a:prstGeom prst="roundRect">
+            <a:avLst/>
+          </a:prstGeom>
+        </p:spPr>
+        <p:style>
+          <a:lnRef idx="2">
+            <a:schemeClr val="accent1">
+              <a:shade val="50000"/>
+            </a:schemeClr>
+          </a:lnRef>
+          <a:fillRef idx="1">
+            <a:schemeClr val="accent1"/>
+          </a:fillRef>
+          <a:effectRef idx="0">
+            <a:schemeClr val="accent1"/>
+          </a:effectRef>
+          <a:fontRef idx="minor">
+            <a:schemeClr val="lt1"/>
+          </a:fontRef>
+        </p:style>
+        <p:txBody>
+          <a:bodyPr rtlCol="0" anchor="ctr"/>
+          <a:lstStyle/>
+          <a:p>
+            <a:r>
+              <a:rPr lang="en-US" sz="1000" dirty="0" smtClean="0"/>
+              <a:t>Day 3: </a:t>
+            </a:r>
+            <a:endParaRPr lang="en-US" sz="1000" dirty="0"/>
+          </a:p>
+        </p:txBody>
+      </p:sp>
+      <p:sp>
+        <p:nvSpPr>
+          <p:cNvPr id="28" name="Rectangle 27"/>
+          <p:cNvSpPr/>
+          <p:nvPr/>
+        </p:nvSpPr>
+        <p:spPr>
+          <a:xfrm>
+            <a:off x="3662404" y="4124918"/>
+            <a:ext cx="1054443" cy="156519"/>
+          </a:xfrm>
+          <a:prstGeom prst="rect">
+            <a:avLst/>
+          </a:prstGeom>
+        </p:spPr>
+        <p:style>
+          <a:lnRef idx="2">
+            <a:schemeClr val="accent1">
+              <a:shade val="50000"/>
+            </a:schemeClr>
+          </a:lnRef>
+          <a:fillRef idx="1">
+            <a:schemeClr val="accent1"/>
+          </a:fillRef>
+          <a:effectRef idx="0">
+            <a:schemeClr val="accent1"/>
+          </a:effectRef>
+          <a:fontRef idx="minor">
+            <a:schemeClr val="lt1"/>
+          </a:fontRef>
+        </p:style>
+        <p:txBody>
+          <a:bodyPr rtlCol="0" anchor="ctr"/>
+          <a:lstStyle/>
+          <a:p>
+            <a:pPr algn="ctr"/>
+            <a:endParaRPr lang="en-US"/>
+          </a:p>
+        </p:txBody>
+      </p:sp>
+      <p:sp>
+        <p:nvSpPr>
+          <p:cNvPr id="29" name="Rectangle 28"/>
+          <p:cNvSpPr/>
+          <p:nvPr/>
+        </p:nvSpPr>
+        <p:spPr>
+          <a:xfrm>
+            <a:off x="4486187" y="4124918"/>
+            <a:ext cx="230658" cy="148281"/>
+          </a:xfrm>
+          <a:prstGeom prst="rect">
+            <a:avLst/>
+          </a:prstGeom>
+        </p:spPr>
+        <p:style>
+          <a:lnRef idx="2">
+            <a:schemeClr val="accent1">
+              <a:shade val="50000"/>
+            </a:schemeClr>
+          </a:lnRef>
+          <a:fillRef idx="1">
+            <a:schemeClr val="accent1"/>
+          </a:fillRef>
+          <a:effectRef idx="0">
+            <a:schemeClr val="accent1"/>
+          </a:effectRef>
+          <a:fontRef idx="minor">
+            <a:schemeClr val="lt1"/>
+          </a:fontRef>
+        </p:style>
+        <p:txBody>
+          <a:bodyPr rtlCol="0" anchor="ctr"/>
+          <a:lstStyle/>
+          <a:p>
+            <a:pPr algn="ctr"/>
+            <a:endParaRPr lang="en-US"/>
+          </a:p>
+        </p:txBody>
+      </p:sp>
+      <p:sp>
+        <p:nvSpPr>
+          <p:cNvPr id="30" name="Rounded Rectangle 29"/>
+          <p:cNvSpPr/>
+          <p:nvPr/>
+        </p:nvSpPr>
+        <p:spPr>
+          <a:xfrm>
+            <a:off x="3113902" y="4490959"/>
+            <a:ext cx="4679092" cy="387252"/>
+          </a:xfrm>
+          <a:prstGeom prst="roundRect">
+            <a:avLst/>
+          </a:prstGeom>
+        </p:spPr>
+        <p:style>
+          <a:lnRef idx="2">
+            <a:schemeClr val="accent1">
+              <a:shade val="50000"/>
+            </a:schemeClr>
+          </a:lnRef>
+          <a:fillRef idx="1">
+            <a:schemeClr val="accent1"/>
+          </a:fillRef>
+          <a:effectRef idx="0">
+            <a:schemeClr val="accent1"/>
+          </a:effectRef>
+          <a:fontRef idx="minor">
+            <a:schemeClr val="lt1"/>
+          </a:fontRef>
+        </p:style>
+        <p:txBody>
+          <a:bodyPr rtlCol="0" anchor="ctr"/>
+          <a:lstStyle/>
+          <a:p>
+            <a:r>
+              <a:rPr lang="en-US" sz="1000" dirty="0" smtClean="0"/>
+              <a:t>Day 5: </a:t>
+            </a:r>
+            <a:endParaRPr lang="en-US" sz="1000" dirty="0"/>
+          </a:p>
+        </p:txBody>
+      </p:sp>
+      <p:sp>
+        <p:nvSpPr>
+          <p:cNvPr id="31" name="Rectangle 30"/>
+          <p:cNvSpPr/>
+          <p:nvPr/>
+        </p:nvSpPr>
+        <p:spPr>
+          <a:xfrm>
+            <a:off x="3657598" y="4621280"/>
+            <a:ext cx="1054443" cy="156519"/>
+          </a:xfrm>
+          <a:prstGeom prst="rect">
+            <a:avLst/>
+          </a:prstGeom>
+        </p:spPr>
+        <p:style>
+          <a:lnRef idx="2">
+            <a:schemeClr val="accent1">
+              <a:shade val="50000"/>
+            </a:schemeClr>
+          </a:lnRef>
+          <a:fillRef idx="1">
+            <a:schemeClr val="accent1"/>
+          </a:fillRef>
+          <a:effectRef idx="0">
+            <a:schemeClr val="accent1"/>
+          </a:effectRef>
+          <a:fontRef idx="minor">
+            <a:schemeClr val="lt1"/>
+          </a:fontRef>
+        </p:style>
+        <p:txBody>
+          <a:bodyPr rtlCol="0" anchor="ctr"/>
+          <a:lstStyle/>
+          <a:p>
+            <a:pPr algn="ctr"/>
+            <a:endParaRPr lang="en-US"/>
+          </a:p>
+        </p:txBody>
+      </p:sp>
+      <p:sp>
+        <p:nvSpPr>
+          <p:cNvPr id="32" name="Rectangle 31"/>
+          <p:cNvSpPr/>
+          <p:nvPr/>
+        </p:nvSpPr>
+        <p:spPr>
+          <a:xfrm>
+            <a:off x="4481381" y="4621280"/>
+            <a:ext cx="230658" cy="148281"/>
+          </a:xfrm>
+          <a:prstGeom prst="rect">
+            <a:avLst/>
+          </a:prstGeom>
+        </p:spPr>
+        <p:style>
+          <a:lnRef idx="2">
+            <a:schemeClr val="accent1">
+              <a:shade val="50000"/>
+            </a:schemeClr>
+          </a:lnRef>
+          <a:fillRef idx="1">
+            <a:schemeClr val="accent1"/>
+          </a:fillRef>
+          <a:effectRef idx="0">
+            <a:schemeClr val="accent1"/>
+          </a:effectRef>
+          <a:fontRef idx="minor">
+            <a:schemeClr val="lt1"/>
+          </a:fontRef>
+        </p:style>
+        <p:txBody>
+          <a:bodyPr rtlCol="0" anchor="ctr"/>
+          <a:lstStyle/>
+          <a:p>
+            <a:pPr algn="ctr"/>
+            <a:endParaRPr lang="en-US"/>
+          </a:p>
+        </p:txBody>
+      </p:sp>
+      <p:sp>
+        <p:nvSpPr>
+          <p:cNvPr id="33" name="Rounded Rectangle 32"/>
+          <p:cNvSpPr/>
+          <p:nvPr/>
+        </p:nvSpPr>
+        <p:spPr>
+          <a:xfrm>
+            <a:off x="3113902" y="4959068"/>
+            <a:ext cx="4679092" cy="387252"/>
+          </a:xfrm>
+          <a:prstGeom prst="roundRect">
+            <a:avLst/>
+          </a:prstGeom>
+        </p:spPr>
+        <p:style>
+          <a:lnRef idx="2">
+            <a:schemeClr val="accent1">
+              <a:shade val="50000"/>
+            </a:schemeClr>
+          </a:lnRef>
+          <a:fillRef idx="1">
+            <a:schemeClr val="accent1"/>
+          </a:fillRef>
+          <a:effectRef idx="0">
+            <a:schemeClr val="accent1"/>
+          </a:effectRef>
+          <a:fontRef idx="minor">
+            <a:schemeClr val="lt1"/>
+          </a:fontRef>
+        </p:style>
+        <p:txBody>
+          <a:bodyPr rtlCol="0" anchor="ctr"/>
+          <a:lstStyle/>
+          <a:p>
+            <a:r>
+              <a:rPr lang="en-US" sz="1000" dirty="0" smtClean="0"/>
+              <a:t>Day 2: </a:t>
+            </a:r>
+            <a:endParaRPr lang="en-US" sz="1000" dirty="0"/>
+          </a:p>
+        </p:txBody>
+      </p:sp>
+      <p:sp>
+        <p:nvSpPr>
+          <p:cNvPr id="42" name="Rectangle 41"/>
+          <p:cNvSpPr/>
+          <p:nvPr/>
+        </p:nvSpPr>
+        <p:spPr>
+          <a:xfrm>
+            <a:off x="3665837" y="5090283"/>
+            <a:ext cx="1054443" cy="156519"/>
+          </a:xfrm>
+          <a:prstGeom prst="rect">
+            <a:avLst/>
+          </a:prstGeom>
+        </p:spPr>
+        <p:style>
+          <a:lnRef idx="2">
+            <a:schemeClr val="accent1">
+              <a:shade val="50000"/>
+            </a:schemeClr>
+          </a:lnRef>
+          <a:fillRef idx="1">
+            <a:schemeClr val="accent1"/>
+          </a:fillRef>
+          <a:effectRef idx="0">
+            <a:schemeClr val="accent1"/>
+          </a:effectRef>
+          <a:fontRef idx="minor">
+            <a:schemeClr val="lt1"/>
+          </a:fontRef>
+        </p:style>
+        <p:txBody>
+          <a:bodyPr rtlCol="0" anchor="ctr"/>
+          <a:lstStyle/>
+          <a:p>
+            <a:pPr algn="ctr"/>
+            <a:endParaRPr lang="en-US"/>
+          </a:p>
+        </p:txBody>
+      </p:sp>
+      <p:sp>
+        <p:nvSpPr>
+          <p:cNvPr id="43" name="Rectangle 42"/>
+          <p:cNvSpPr/>
+          <p:nvPr/>
+        </p:nvSpPr>
+        <p:spPr>
+          <a:xfrm>
+            <a:off x="4489620" y="5090283"/>
+            <a:ext cx="230658" cy="148281"/>
+          </a:xfrm>
+          <a:prstGeom prst="rect">
+            <a:avLst/>
+          </a:prstGeom>
+        </p:spPr>
+        <p:style>
+          <a:lnRef idx="2">
+            <a:schemeClr val="accent1">
+              <a:shade val="50000"/>
+            </a:schemeClr>
+          </a:lnRef>
+          <a:fillRef idx="1">
+            <a:schemeClr val="accent1"/>
+          </a:fillRef>
+          <a:effectRef idx="0">
+            <a:schemeClr val="accent1"/>
+          </a:effectRef>
+          <a:fontRef idx="minor">
+            <a:schemeClr val="lt1"/>
+          </a:fontRef>
+        </p:style>
+        <p:txBody>
+          <a:bodyPr rtlCol="0" anchor="ctr"/>
+          <a:lstStyle/>
+          <a:p>
+            <a:pPr algn="ctr"/>
+            <a:endParaRPr lang="en-US"/>
+          </a:p>
+        </p:txBody>
+      </p:sp>
+      <p:sp>
+        <p:nvSpPr>
+          <p:cNvPr id="44" name="TextBox 43"/>
+          <p:cNvSpPr txBox="1"/>
+          <p:nvPr/>
+        </p:nvSpPr>
+        <p:spPr>
+          <a:xfrm>
+            <a:off x="4820588" y="3575040"/>
+            <a:ext cx="1080745" cy="246221"/>
+          </a:xfrm>
+          <a:prstGeom prst="rect">
+            <a:avLst/>
+          </a:prstGeom>
+          <a:noFill/>
+        </p:spPr>
+        <p:txBody>
+          <a:bodyPr wrap="none" rtlCol="0">
+            <a:spAutoFit/>
+          </a:bodyPr>
+          <a:lstStyle/>
+          <a:p>
+            <a:r>
+              <a:rPr lang="en-US" sz="1000" dirty="0" smtClean="0">
+                <a:solidFill>
+                  <a:schemeClr val="bg1"/>
+                </a:solidFill>
+              </a:rPr>
+              <a:t># of Exercises: 11</a:t>
+            </a:r>
+            <a:endParaRPr lang="en-US" sz="1000" dirty="0">
+              <a:solidFill>
+                <a:schemeClr val="bg1"/>
+              </a:solidFill>
+            </a:endParaRPr>
+          </a:p>
+        </p:txBody>
+      </p:sp>
+      <p:sp>
+        <p:nvSpPr>
+          <p:cNvPr id="45" name="TextBox 44"/>
+          <p:cNvSpPr txBox="1"/>
+          <p:nvPr/>
+        </p:nvSpPr>
+        <p:spPr>
+          <a:xfrm>
+            <a:off x="4818717" y="4071578"/>
+            <a:ext cx="1080745" cy="246221"/>
+          </a:xfrm>
+          <a:prstGeom prst="rect">
+            <a:avLst/>
+          </a:prstGeom>
+          <a:noFill/>
+        </p:spPr>
+        <p:txBody>
+          <a:bodyPr wrap="none" rtlCol="0">
+            <a:spAutoFit/>
+          </a:bodyPr>
+          <a:lstStyle/>
+          <a:p>
+            <a:r>
+              <a:rPr lang="en-US" sz="1000" dirty="0" smtClean="0">
+                <a:solidFill>
+                  <a:schemeClr val="bg1"/>
+                </a:solidFill>
+              </a:rPr>
+              <a:t># of Exercises: 11</a:t>
+            </a:r>
+            <a:endParaRPr lang="en-US" sz="1000" dirty="0">
+              <a:solidFill>
+                <a:schemeClr val="bg1"/>
+              </a:solidFill>
+            </a:endParaRPr>
+          </a:p>
+        </p:txBody>
+      </p:sp>
+      <p:sp>
+        <p:nvSpPr>
+          <p:cNvPr id="46" name="TextBox 45"/>
+          <p:cNvSpPr txBox="1"/>
+          <p:nvPr/>
+        </p:nvSpPr>
+        <p:spPr>
+          <a:xfrm>
+            <a:off x="4818716" y="4561474"/>
+            <a:ext cx="1080745" cy="246221"/>
+          </a:xfrm>
+          <a:prstGeom prst="rect">
+            <a:avLst/>
+          </a:prstGeom>
+          <a:noFill/>
+        </p:spPr>
+        <p:txBody>
+          <a:bodyPr wrap="none" rtlCol="0">
+            <a:spAutoFit/>
+          </a:bodyPr>
+          <a:lstStyle/>
+          <a:p>
+            <a:r>
+              <a:rPr lang="en-US" sz="1000" dirty="0" smtClean="0">
+                <a:solidFill>
+                  <a:schemeClr val="bg1"/>
+                </a:solidFill>
+              </a:rPr>
+              <a:t># of Exercises: 11</a:t>
+            </a:r>
+            <a:endParaRPr lang="en-US" sz="1000" dirty="0">
+              <a:solidFill>
+                <a:schemeClr val="bg1"/>
+              </a:solidFill>
+            </a:endParaRPr>
+          </a:p>
+        </p:txBody>
+      </p:sp>
+      <p:sp>
+        <p:nvSpPr>
+          <p:cNvPr id="47" name="TextBox 46"/>
+          <p:cNvSpPr txBox="1"/>
+          <p:nvPr/>
+        </p:nvSpPr>
+        <p:spPr>
+          <a:xfrm>
+            <a:off x="4818715" y="5029583"/>
+            <a:ext cx="1080745" cy="246221"/>
+          </a:xfrm>
+          <a:prstGeom prst="rect">
+            <a:avLst/>
+          </a:prstGeom>
+          <a:noFill/>
+        </p:spPr>
+        <p:txBody>
+          <a:bodyPr wrap="none" rtlCol="0">
+            <a:spAutoFit/>
+          </a:bodyPr>
+          <a:lstStyle/>
+          <a:p>
+            <a:r>
+              <a:rPr lang="en-US" sz="1000" dirty="0" smtClean="0">
+                <a:solidFill>
+                  <a:schemeClr val="bg1"/>
+                </a:solidFill>
+              </a:rPr>
+              <a:t># of Exercises: 11</a:t>
+            </a:r>
+            <a:endParaRPr lang="en-US" sz="1000" dirty="0">
+              <a:solidFill>
+                <a:schemeClr val="bg1"/>
+              </a:solidFill>
+            </a:endParaRPr>
+          </a:p>
+        </p:txBody>
+      </p:sp>
+      <p:sp>
+        <p:nvSpPr>
+          <p:cNvPr id="48" name="Rounded Rectangle 47"/>
+          <p:cNvSpPr/>
+          <p:nvPr/>
+        </p:nvSpPr>
+        <p:spPr>
+          <a:xfrm>
+            <a:off x="6251442" y="3631809"/>
+            <a:ext cx="741406" cy="166910"/>
+          </a:xfrm>
+          <a:prstGeom prst="roundRect">
+            <a:avLst/>
+          </a:prstGeom>
+        </p:spPr>
+        <p:style>
+          <a:lnRef idx="2">
+            <a:schemeClr val="accent1">
+              <a:shade val="50000"/>
+            </a:schemeClr>
+          </a:lnRef>
+          <a:fillRef idx="1">
+            <a:schemeClr val="accent1"/>
+          </a:fillRef>
+          <a:effectRef idx="0">
+            <a:schemeClr val="accent1"/>
+          </a:effectRef>
+          <a:fontRef idx="minor">
+            <a:schemeClr val="lt1"/>
+          </a:fontRef>
+        </p:style>
+        <p:txBody>
+          <a:bodyPr rtlCol="0" anchor="ctr"/>
+          <a:lstStyle/>
+          <a:p>
+            <a:pPr algn="ctr"/>
+            <a:r>
+              <a:rPr lang="en-US" sz="1000" dirty="0" smtClean="0"/>
+              <a:t>Detail</a:t>
+            </a:r>
+            <a:endParaRPr lang="en-US" sz="1000" dirty="0"/>
+          </a:p>
+        </p:txBody>
+      </p:sp>
+      <p:sp>
+        <p:nvSpPr>
+          <p:cNvPr id="49" name="Rounded Rectangle 48"/>
+          <p:cNvSpPr/>
+          <p:nvPr/>
+        </p:nvSpPr>
+        <p:spPr>
+          <a:xfrm>
+            <a:off x="6249031" y="4071578"/>
+            <a:ext cx="741406" cy="166910"/>
+          </a:xfrm>
+          <a:prstGeom prst="roundRect">
+            <a:avLst/>
+          </a:prstGeom>
+        </p:spPr>
+        <p:style>
+          <a:lnRef idx="2">
+            <a:schemeClr val="accent1">
+              <a:shade val="50000"/>
+            </a:schemeClr>
+          </a:lnRef>
+          <a:fillRef idx="1">
+            <a:schemeClr val="accent1"/>
+          </a:fillRef>
+          <a:effectRef idx="0">
+            <a:schemeClr val="accent1"/>
+          </a:effectRef>
+          <a:fontRef idx="minor">
+            <a:schemeClr val="lt1"/>
+          </a:fontRef>
+        </p:style>
+        <p:txBody>
+          <a:bodyPr rtlCol="0" anchor="ctr"/>
+          <a:lstStyle/>
+          <a:p>
+            <a:pPr algn="ctr"/>
+            <a:r>
+              <a:rPr lang="en-US" sz="1000" dirty="0" smtClean="0"/>
+              <a:t>Detail</a:t>
+            </a:r>
+            <a:endParaRPr lang="en-US" sz="1000" dirty="0"/>
+          </a:p>
+        </p:txBody>
+      </p:sp>
+      <p:sp>
+        <p:nvSpPr>
+          <p:cNvPr id="50" name="Rounded Rectangle 49"/>
+          <p:cNvSpPr/>
+          <p:nvPr/>
+        </p:nvSpPr>
+        <p:spPr>
+          <a:xfrm>
+            <a:off x="6249031" y="4571146"/>
+            <a:ext cx="741406" cy="166910"/>
+          </a:xfrm>
+          <a:prstGeom prst="roundRect">
+            <a:avLst/>
+          </a:prstGeom>
+        </p:spPr>
+        <p:style>
+          <a:lnRef idx="2">
+            <a:schemeClr val="accent1">
+              <a:shade val="50000"/>
+            </a:schemeClr>
+          </a:lnRef>
+          <a:fillRef idx="1">
+            <a:schemeClr val="accent1"/>
+          </a:fillRef>
+          <a:effectRef idx="0">
+            <a:schemeClr val="accent1"/>
+          </a:effectRef>
+          <a:fontRef idx="minor">
+            <a:schemeClr val="lt1"/>
+          </a:fontRef>
+        </p:style>
+        <p:txBody>
+          <a:bodyPr rtlCol="0" anchor="ctr"/>
+          <a:lstStyle/>
+          <a:p>
+            <a:pPr algn="ctr"/>
+            <a:r>
+              <a:rPr lang="en-US" sz="1000" dirty="0" smtClean="0"/>
+              <a:t>Detail</a:t>
+            </a:r>
+            <a:endParaRPr lang="en-US" sz="1000" dirty="0"/>
+          </a:p>
+        </p:txBody>
+      </p:sp>
+      <p:sp>
+        <p:nvSpPr>
+          <p:cNvPr id="51" name="Rounded Rectangle 50"/>
+          <p:cNvSpPr/>
+          <p:nvPr/>
+        </p:nvSpPr>
+        <p:spPr>
+          <a:xfrm>
+            <a:off x="6252611" y="5069238"/>
+            <a:ext cx="741406" cy="166910"/>
+          </a:xfrm>
+          <a:prstGeom prst="roundRect">
+            <a:avLst/>
+          </a:prstGeom>
+        </p:spPr>
+        <p:style>
+          <a:lnRef idx="2">
+            <a:schemeClr val="accent1">
+              <a:shade val="50000"/>
+            </a:schemeClr>
+          </a:lnRef>
+          <a:fillRef idx="1">
+            <a:schemeClr val="accent1"/>
+          </a:fillRef>
+          <a:effectRef idx="0">
+            <a:schemeClr val="accent1"/>
+          </a:effectRef>
+          <a:fontRef idx="minor">
+            <a:schemeClr val="lt1"/>
+          </a:fontRef>
+        </p:style>
+        <p:txBody>
+          <a:bodyPr rtlCol="0" anchor="ctr"/>
+          <a:lstStyle/>
+          <a:p>
+            <a:pPr algn="ctr"/>
+            <a:r>
+              <a:rPr lang="en-US" sz="1000" dirty="0" smtClean="0"/>
+              <a:t>Detail</a:t>
+            </a:r>
+            <a:endParaRPr lang="en-US" sz="1000" dirty="0"/>
+          </a:p>
+        </p:txBody>
+      </p:sp>
+      <p:sp>
+        <p:nvSpPr>
+          <p:cNvPr id="52" name="Rectangle 51"/>
+          <p:cNvSpPr/>
+          <p:nvPr/>
+        </p:nvSpPr>
+        <p:spPr>
+          <a:xfrm>
+            <a:off x="4283676" y="823784"/>
+            <a:ext cx="2479589" cy="267516"/>
+          </a:xfrm>
+          <a:prstGeom prst="rect">
+            <a:avLst/>
+          </a:prstGeom>
+        </p:spPr>
+        <p:style>
+          <a:lnRef idx="2">
+            <a:schemeClr val="accent1">
+              <a:shade val="50000"/>
+            </a:schemeClr>
+          </a:lnRef>
+          <a:fillRef idx="1">
+            <a:schemeClr val="accent1"/>
+          </a:fillRef>
+          <a:effectRef idx="0">
+            <a:schemeClr val="accent1"/>
+          </a:effectRef>
+          <a:fontRef idx="minor">
+            <a:schemeClr val="lt1"/>
+          </a:fontRef>
+        </p:style>
+        <p:txBody>
+          <a:bodyPr rtlCol="0" anchor="ctr"/>
+          <a:lstStyle/>
+          <a:p>
+            <a:r>
+              <a:rPr lang="en-US" sz="1000" dirty="0" smtClean="0"/>
+              <a:t>Complete Makeover</a:t>
+            </a:r>
+            <a:endParaRPr lang="en-US" sz="1000" dirty="0"/>
+          </a:p>
+        </p:txBody>
+      </p:sp>
+    </p:spTree>
+    <p:extLst>
+      <p:ext uri="{BB962C8B-B14F-4D97-AF65-F5344CB8AC3E}">
+        <p14:creationId xmlns:p14="http://schemas.microsoft.com/office/powerpoint/2010/main" val="1648397938"/>
+      </p:ext>
+    </p:extLst>
+  </p:cSld>
+  <p:clrMapOvr>
+    <a:masterClrMapping/>
+  </p:clrMapOvr>
+</p:sld>
+</file>
+
+<file path=ppt/slides/slide7.xml><?xml version="1.0" encoding="utf-8"?>
+<p:sld xmlns:a="http://schemas.openxmlformats.org/drawingml/2006/main" xmlns:r="http://schemas.openxmlformats.org/officeDocument/2006/relationships" xmlns:p="http://schemas.openxmlformats.org/presentationml/2006/main">
+  <p:cSld>
+    <p:spTree>
+      <p:nvGrpSpPr>
+        <p:cNvPr id="1" name=""/>
+        <p:cNvGrpSpPr/>
+        <p:nvPr/>
+      </p:nvGrpSpPr>
+      <p:grpSpPr>
+        <a:xfrm>
+          <a:off x="0" y="0"/>
+          <a:ext cx="0" cy="0"/>
+          <a:chOff x="0" y="0"/>
+          <a:chExt cx="0" cy="0"/>
+        </a:xfrm>
+      </p:grpSpPr>
+      <p:sp>
+        <p:nvSpPr>
+          <p:cNvPr id="4" name="Rectangle 3"/>
+          <p:cNvSpPr/>
+          <p:nvPr/>
+        </p:nvSpPr>
+        <p:spPr>
+          <a:xfrm>
+            <a:off x="329514" y="296562"/>
+            <a:ext cx="8128002" cy="5717060"/>
+          </a:xfrm>
+          <a:prstGeom prst="rect">
+            <a:avLst/>
+          </a:prstGeom>
+        </p:spPr>
+        <p:style>
+          <a:lnRef idx="2">
+            <a:schemeClr val="accent1">
+              <a:shade val="50000"/>
+            </a:schemeClr>
+          </a:lnRef>
+          <a:fillRef idx="1">
+            <a:schemeClr val="accent1"/>
+          </a:fillRef>
+          <a:effectRef idx="0">
+            <a:schemeClr val="accent1"/>
+          </a:effectRef>
+          <a:fontRef idx="minor">
+            <a:schemeClr val="lt1"/>
+          </a:fontRef>
+        </p:style>
+        <p:txBody>
+          <a:bodyPr rtlCol="0" anchor="ctr"/>
+          <a:lstStyle/>
+          <a:p>
+            <a:pPr algn="ctr"/>
+            <a:endParaRPr lang="en-US" dirty="0"/>
+          </a:p>
+        </p:txBody>
+      </p:sp>
+      <p:graphicFrame>
+        <p:nvGraphicFramePr>
+          <p:cNvPr id="5" name="Table 4"/>
+          <p:cNvGraphicFramePr>
+            <a:graphicFrameLocks noGrp="1"/>
+          </p:cNvGraphicFramePr>
+          <p:nvPr>
+            <p:extLst>
+              <p:ext uri="{D42A27DB-BD31-4B8C-83A1-F6EECF244321}">
+                <p14:modId xmlns:p14="http://schemas.microsoft.com/office/powerpoint/2010/main" val="722439741"/>
+              </p:ext>
+            </p:extLst>
+          </p:nvPr>
+        </p:nvGraphicFramePr>
+        <p:xfrm>
+          <a:off x="329514" y="296562"/>
+          <a:ext cx="8128002" cy="418592"/>
+        </p:xfrm>
+        <a:graphic>
+          <a:graphicData uri="http://schemas.openxmlformats.org/drawingml/2006/table">
+            <a:tbl>
+              <a:tblPr firstRow="1" bandRow="1">
+                <a:tableStyleId>{5C22544A-7EE6-4342-B048-85BDC9FD1C3A}</a:tableStyleId>
+              </a:tblPr>
+              <a:tblGrid>
+                <a:gridCol w="1354667"/>
+                <a:gridCol w="1354667"/>
+                <a:gridCol w="1354667"/>
+                <a:gridCol w="1354667"/>
+                <a:gridCol w="1354667"/>
+                <a:gridCol w="1354667"/>
+              </a:tblGrid>
+              <a:tr h="418592">
+                <a:tc>
+                  <a:txBody>
+                    <a:bodyPr/>
+                    <a:lstStyle/>
+                    <a:p>
+                      <a:endParaRPr lang="en-US" dirty="0"/>
+                    </a:p>
+                  </a:txBody>
+                  <a:tcPr/>
+                </a:tc>
+                <a:tc>
+                  <a:txBody>
+                    <a:bodyPr/>
+                    <a:lstStyle/>
+                    <a:p>
+                      <a:r>
+                        <a:rPr lang="en-US" dirty="0" smtClean="0">
+                          <a:solidFill>
+                            <a:schemeClr val="accent5">
+                              <a:lumMod val="20000"/>
+                              <a:lumOff val="80000"/>
+                            </a:schemeClr>
+                          </a:solidFill>
+                        </a:rPr>
+                        <a:t>Exercises</a:t>
+                      </a:r>
+                      <a:endParaRPr lang="en-US" dirty="0">
+                        <a:solidFill>
+                          <a:schemeClr val="accent5">
+                            <a:lumMod val="20000"/>
+                            <a:lumOff val="80000"/>
+                          </a:schemeClr>
+                        </a:solidFill>
+                      </a:endParaRPr>
+                    </a:p>
+                  </a:txBody>
+                  <a:tcPr/>
+                </a:tc>
+                <a:tc>
+                  <a:txBody>
+                    <a:bodyPr/>
+                    <a:lstStyle/>
+                    <a:p>
+                      <a:r>
+                        <a:rPr lang="en-US" dirty="0" smtClean="0">
+                          <a:solidFill>
+                            <a:schemeClr val="bg1"/>
+                          </a:solidFill>
+                        </a:rPr>
+                        <a:t>Workout</a:t>
+                      </a:r>
+                      <a:endParaRPr lang="en-US" dirty="0">
+                        <a:solidFill>
+                          <a:schemeClr val="bg1"/>
+                        </a:solidFill>
+                      </a:endParaRPr>
+                    </a:p>
+                  </a:txBody>
+                  <a:tcPr/>
+                </a:tc>
+                <a:tc>
+                  <a:txBody>
+                    <a:bodyPr/>
+                    <a:lstStyle/>
+                    <a:p>
+                      <a:pPr marL="0" marR="0" indent="0" algn="l" defTabSz="914400" rtl="0" eaLnBrk="1" fontAlgn="auto" latinLnBrk="0" hangingPunct="1">
+                        <a:lnSpc>
+                          <a:spcPct val="100000"/>
+                        </a:lnSpc>
+                        <a:spcBef>
+                          <a:spcPts val="0"/>
+                        </a:spcBef>
+                        <a:spcAft>
+                          <a:spcPts val="0"/>
+                        </a:spcAft>
+                        <a:buClrTx/>
+                        <a:buSzTx/>
+                        <a:buFontTx/>
+                        <a:buNone/>
+                        <a:tabLst/>
+                        <a:defRPr/>
+                      </a:pPr>
+                      <a:r>
+                        <a:rPr lang="en-US" dirty="0" smtClean="0">
+                          <a:solidFill>
+                            <a:schemeClr val="accent5">
+                              <a:lumMod val="20000"/>
+                              <a:lumOff val="80000"/>
+                            </a:schemeClr>
+                          </a:solidFill>
+                        </a:rPr>
+                        <a:t>Progress</a:t>
+                      </a:r>
+                    </a:p>
+                  </a:txBody>
+                  <a:tcPr/>
+                </a:tc>
+                <a:tc>
+                  <a:txBody>
+                    <a:bodyPr/>
+                    <a:lstStyle/>
+                    <a:p>
+                      <a:r>
+                        <a:rPr lang="en-US" dirty="0" smtClean="0">
+                          <a:solidFill>
+                            <a:schemeClr val="accent5">
+                              <a:lumMod val="20000"/>
+                              <a:lumOff val="80000"/>
+                            </a:schemeClr>
+                          </a:solidFill>
+                        </a:rPr>
+                        <a:t>Resources</a:t>
+                      </a:r>
+                      <a:endParaRPr lang="en-US" dirty="0">
+                        <a:solidFill>
+                          <a:schemeClr val="accent5">
+                            <a:lumMod val="20000"/>
+                            <a:lumOff val="80000"/>
+                          </a:schemeClr>
+                        </a:solidFill>
+                      </a:endParaRPr>
+                    </a:p>
+                  </a:txBody>
+                  <a:tcPr/>
+                </a:tc>
+                <a:tc>
+                  <a:txBody>
+                    <a:bodyPr/>
+                    <a:lstStyle/>
+                    <a:p>
+                      <a:r>
+                        <a:rPr lang="en-US" dirty="0" smtClean="0">
+                          <a:solidFill>
+                            <a:schemeClr val="accent5">
+                              <a:lumMod val="20000"/>
+                              <a:lumOff val="80000"/>
+                            </a:schemeClr>
+                          </a:solidFill>
+                        </a:rPr>
+                        <a:t>About</a:t>
+                      </a:r>
+                      <a:endParaRPr lang="en-US" dirty="0">
+                        <a:solidFill>
+                          <a:schemeClr val="accent5">
+                            <a:lumMod val="20000"/>
+                            <a:lumOff val="80000"/>
+                          </a:schemeClr>
+                        </a:solidFill>
+                      </a:endParaRPr>
+                    </a:p>
+                  </a:txBody>
+                  <a:tcPr/>
+                </a:tc>
+              </a:tr>
+            </a:tbl>
+          </a:graphicData>
+        </a:graphic>
+      </p:graphicFrame>
+      <p:pic>
+        <p:nvPicPr>
+          <p:cNvPr id="6" name="Picture 5"/>
+          <p:cNvPicPr>
+            <a:picLocks noChangeAspect="1"/>
+          </p:cNvPicPr>
+          <p:nvPr/>
+        </p:nvPicPr>
+        <p:blipFill>
+          <a:blip r:embed="rId2" cstate="print">
+            <a:extLst>
+              <a:ext uri="{28A0092B-C50C-407E-A947-70E740481C1C}">
+                <a14:useLocalDpi xmlns:a14="http://schemas.microsoft.com/office/drawing/2010/main" val="0"/>
+              </a:ext>
+            </a:extLst>
+          </a:blip>
+          <a:stretch>
+            <a:fillRect/>
+          </a:stretch>
+        </p:blipFill>
+        <p:spPr>
+          <a:xfrm>
+            <a:off x="389238" y="317225"/>
+            <a:ext cx="369869" cy="377266"/>
+          </a:xfrm>
+          <a:prstGeom prst="rect">
+            <a:avLst/>
+          </a:prstGeom>
+        </p:spPr>
+      </p:pic>
+      <p:sp>
+        <p:nvSpPr>
+          <p:cNvPr id="7" name="Rounded Rectangle 6"/>
+          <p:cNvSpPr/>
+          <p:nvPr/>
+        </p:nvSpPr>
+        <p:spPr>
+          <a:xfrm>
+            <a:off x="759107" y="404210"/>
+            <a:ext cx="873210" cy="214184"/>
+          </a:xfrm>
+          <a:prstGeom prst="roundRect">
+            <a:avLst/>
+          </a:prstGeom>
+        </p:spPr>
+        <p:style>
+          <a:lnRef idx="2">
+            <a:schemeClr val="accent1">
+              <a:shade val="50000"/>
+            </a:schemeClr>
+          </a:lnRef>
+          <a:fillRef idx="1">
+            <a:schemeClr val="accent1"/>
+          </a:fillRef>
+          <a:effectRef idx="0">
+            <a:schemeClr val="accent1"/>
+          </a:effectRef>
+          <a:fontRef idx="minor">
+            <a:schemeClr val="lt1"/>
+          </a:fontRef>
+        </p:style>
+        <p:txBody>
+          <a:bodyPr rtlCol="0" anchor="ctr"/>
+          <a:lstStyle/>
+          <a:p>
+            <a:pPr algn="ctr"/>
+            <a:r>
+              <a:rPr lang="en-US" dirty="0" err="1" smtClean="0"/>
+              <a:t>Kachok</a:t>
+            </a:r>
+            <a:endParaRPr lang="en-US" dirty="0"/>
+          </a:p>
+        </p:txBody>
+      </p:sp>
+      <p:sp>
+        <p:nvSpPr>
+          <p:cNvPr id="8" name="Rectangle 7"/>
+          <p:cNvSpPr/>
+          <p:nvPr/>
+        </p:nvSpPr>
+        <p:spPr>
+          <a:xfrm>
+            <a:off x="329514" y="756344"/>
+            <a:ext cx="2018270" cy="5150186"/>
+          </a:xfrm>
+          <a:prstGeom prst="rect">
+            <a:avLst/>
+          </a:prstGeom>
+        </p:spPr>
+        <p:style>
+          <a:lnRef idx="2">
+            <a:schemeClr val="accent1">
+              <a:shade val="50000"/>
+            </a:schemeClr>
+          </a:lnRef>
+          <a:fillRef idx="1">
+            <a:schemeClr val="accent1"/>
+          </a:fillRef>
+          <a:effectRef idx="0">
+            <a:schemeClr val="accent1"/>
+          </a:effectRef>
+          <a:fontRef idx="minor">
+            <a:schemeClr val="lt1"/>
+          </a:fontRef>
+        </p:style>
+        <p:txBody>
+          <a:bodyPr rtlCol="0" anchor="ctr"/>
+          <a:lstStyle/>
+          <a:p>
+            <a:pPr algn="ctr"/>
+            <a:endParaRPr lang="en-US" dirty="0"/>
+          </a:p>
+        </p:txBody>
+      </p:sp>
+      <p:sp>
+        <p:nvSpPr>
+          <p:cNvPr id="9" name="Rectangle 8"/>
+          <p:cNvSpPr/>
+          <p:nvPr/>
+        </p:nvSpPr>
+        <p:spPr>
+          <a:xfrm>
+            <a:off x="423415" y="1230900"/>
+            <a:ext cx="1466336" cy="1331068"/>
+          </a:xfrm>
+          <a:prstGeom prst="rect">
+            <a:avLst/>
+          </a:prstGeom>
+        </p:spPr>
+        <p:style>
+          <a:lnRef idx="2">
+            <a:schemeClr val="accent1">
+              <a:shade val="50000"/>
+            </a:schemeClr>
+          </a:lnRef>
+          <a:fillRef idx="1">
+            <a:schemeClr val="accent1"/>
+          </a:fillRef>
+          <a:effectRef idx="0">
+            <a:schemeClr val="accent1"/>
+          </a:effectRef>
+          <a:fontRef idx="minor">
+            <a:schemeClr val="lt1"/>
+          </a:fontRef>
+        </p:style>
+        <p:txBody>
+          <a:bodyPr rtlCol="0" anchor="ctr"/>
+          <a:lstStyle/>
+          <a:p>
+            <a:r>
+              <a:rPr lang="en-US" dirty="0" smtClean="0"/>
+              <a:t>#of Days</a:t>
+            </a:r>
+            <a:endParaRPr lang="en-US" dirty="0" smtClean="0"/>
+          </a:p>
+          <a:p>
+            <a:endParaRPr lang="en-US" sz="1000" dirty="0" smtClean="0"/>
+          </a:p>
+          <a:p>
+            <a:pPr marL="342900" indent="-342900">
+              <a:buFont typeface="Wingdings" panose="05000000000000000000" pitchFamily="2" charset="2"/>
+              <a:buChar char="q"/>
+            </a:pPr>
+            <a:r>
+              <a:rPr lang="en-US" sz="1000" dirty="0" smtClean="0"/>
+              <a:t>3 days</a:t>
+            </a:r>
+            <a:endParaRPr lang="en-US" sz="1000" dirty="0" smtClean="0"/>
+          </a:p>
+          <a:p>
+            <a:pPr marL="342900" indent="-342900">
+              <a:buFont typeface="Wingdings" panose="05000000000000000000" pitchFamily="2" charset="2"/>
+              <a:buChar char="q"/>
+            </a:pPr>
+            <a:r>
+              <a:rPr lang="en-US" sz="1000" dirty="0" smtClean="0"/>
+              <a:t>4 days</a:t>
+            </a:r>
+          </a:p>
+          <a:p>
+            <a:pPr marL="342900" indent="-342900">
+              <a:buFont typeface="Wingdings" panose="05000000000000000000" pitchFamily="2" charset="2"/>
+              <a:buChar char="q"/>
+            </a:pPr>
+            <a:r>
+              <a:rPr lang="en-US" sz="1000" dirty="0" smtClean="0"/>
+              <a:t>5 days</a:t>
+            </a:r>
+          </a:p>
+          <a:p>
+            <a:pPr marL="342900" indent="-342900">
+              <a:buFont typeface="Wingdings" panose="05000000000000000000" pitchFamily="2" charset="2"/>
+              <a:buChar char="q"/>
+            </a:pPr>
+            <a:r>
+              <a:rPr lang="en-US" sz="1000" dirty="0" smtClean="0"/>
+              <a:t>6 days</a:t>
+            </a:r>
+          </a:p>
+          <a:p>
+            <a:pPr marL="342900" indent="-342900">
+              <a:buFont typeface="Wingdings" panose="05000000000000000000" pitchFamily="2" charset="2"/>
+              <a:buChar char="q"/>
+            </a:pPr>
+            <a:r>
+              <a:rPr lang="en-US" sz="1000" dirty="0" smtClean="0"/>
+              <a:t>7 days</a:t>
+            </a:r>
+            <a:endParaRPr lang="en-US" sz="1000" dirty="0"/>
+          </a:p>
+        </p:txBody>
+      </p:sp>
+      <p:sp>
+        <p:nvSpPr>
+          <p:cNvPr id="10" name="Rectangle 9"/>
+          <p:cNvSpPr/>
+          <p:nvPr/>
+        </p:nvSpPr>
+        <p:spPr>
+          <a:xfrm>
+            <a:off x="2413688" y="823784"/>
+            <a:ext cx="782594" cy="267516"/>
+          </a:xfrm>
+          <a:prstGeom prst="rect">
+            <a:avLst/>
+          </a:prstGeom>
+        </p:spPr>
+        <p:style>
+          <a:lnRef idx="2">
+            <a:schemeClr val="accent1">
+              <a:shade val="50000"/>
+            </a:schemeClr>
+          </a:lnRef>
+          <a:fillRef idx="1">
+            <a:schemeClr val="accent1"/>
+          </a:fillRef>
+          <a:effectRef idx="0">
+            <a:schemeClr val="accent1"/>
+          </a:effectRef>
+          <a:fontRef idx="minor">
+            <a:schemeClr val="lt1"/>
+          </a:fontRef>
+        </p:style>
+        <p:txBody>
+          <a:bodyPr rtlCol="0" anchor="ctr"/>
+          <a:lstStyle/>
+          <a:p>
+            <a:pPr algn="ctr"/>
+            <a:r>
+              <a:rPr lang="en-US" sz="1100" dirty="0" smtClean="0"/>
+              <a:t>Plans</a:t>
+            </a:r>
+            <a:endParaRPr lang="en-US" sz="1100" dirty="0"/>
+          </a:p>
+        </p:txBody>
+      </p:sp>
+      <p:sp>
+        <p:nvSpPr>
+          <p:cNvPr id="11" name="Rectangle 10"/>
+          <p:cNvSpPr/>
+          <p:nvPr/>
+        </p:nvSpPr>
+        <p:spPr>
+          <a:xfrm>
+            <a:off x="3273854" y="823784"/>
+            <a:ext cx="919205" cy="267516"/>
+          </a:xfrm>
+          <a:prstGeom prst="rect">
+            <a:avLst/>
+          </a:prstGeom>
+        </p:spPr>
+        <p:style>
+          <a:lnRef idx="2">
+            <a:schemeClr val="accent1">
+              <a:shade val="50000"/>
+            </a:schemeClr>
+          </a:lnRef>
+          <a:fillRef idx="1">
+            <a:schemeClr val="accent1"/>
+          </a:fillRef>
+          <a:effectRef idx="0">
+            <a:schemeClr val="accent1"/>
+          </a:effectRef>
+          <a:fontRef idx="minor">
+            <a:schemeClr val="lt1"/>
+          </a:fontRef>
+        </p:style>
+        <p:txBody>
+          <a:bodyPr rtlCol="0" anchor="ctr"/>
+          <a:lstStyle/>
+          <a:p>
+            <a:pPr algn="ctr"/>
+            <a:r>
+              <a:rPr lang="en-US" sz="1100" dirty="0" smtClean="0"/>
+              <a:t>4 Days</a:t>
+            </a:r>
+            <a:endParaRPr lang="en-US" sz="1100" dirty="0"/>
+          </a:p>
+        </p:txBody>
+      </p:sp>
+      <p:sp>
+        <p:nvSpPr>
+          <p:cNvPr id="12" name="Rectangle 11"/>
+          <p:cNvSpPr/>
+          <p:nvPr/>
+        </p:nvSpPr>
+        <p:spPr>
+          <a:xfrm>
+            <a:off x="3273854" y="823784"/>
+            <a:ext cx="248507" cy="267516"/>
+          </a:xfrm>
+          <a:prstGeom prst="rect">
+            <a:avLst/>
+          </a:prstGeom>
+        </p:spPr>
+        <p:style>
+          <a:lnRef idx="2">
+            <a:schemeClr val="accent1">
+              <a:shade val="50000"/>
+            </a:schemeClr>
+          </a:lnRef>
+          <a:fillRef idx="1">
+            <a:schemeClr val="accent1"/>
+          </a:fillRef>
+          <a:effectRef idx="0">
+            <a:schemeClr val="accent1"/>
+          </a:effectRef>
+          <a:fontRef idx="minor">
+            <a:schemeClr val="lt1"/>
+          </a:fontRef>
+        </p:style>
+        <p:txBody>
+          <a:bodyPr rtlCol="0" anchor="ctr"/>
+          <a:lstStyle/>
+          <a:p>
+            <a:pPr algn="ctr"/>
+            <a:r>
+              <a:rPr lang="en-US" dirty="0" smtClean="0"/>
+              <a:t>X</a:t>
+            </a:r>
+            <a:endParaRPr lang="en-US" dirty="0"/>
+          </a:p>
+        </p:txBody>
+      </p:sp>
+      <p:sp>
+        <p:nvSpPr>
+          <p:cNvPr id="16" name="Rectangle 15"/>
+          <p:cNvSpPr/>
+          <p:nvPr/>
+        </p:nvSpPr>
+        <p:spPr>
+          <a:xfrm>
+            <a:off x="423415" y="912353"/>
+            <a:ext cx="1141774" cy="211455"/>
+          </a:xfrm>
+          <a:prstGeom prst="rect">
+            <a:avLst/>
+          </a:prstGeom>
+        </p:spPr>
+        <p:style>
+          <a:lnRef idx="2">
+            <a:schemeClr val="accent1">
+              <a:shade val="50000"/>
+            </a:schemeClr>
+          </a:lnRef>
+          <a:fillRef idx="1">
+            <a:schemeClr val="accent1"/>
+          </a:fillRef>
+          <a:effectRef idx="0">
+            <a:schemeClr val="accent1"/>
+          </a:effectRef>
+          <a:fontRef idx="minor">
+            <a:schemeClr val="lt1"/>
+          </a:fontRef>
+        </p:style>
+        <p:txBody>
+          <a:bodyPr rtlCol="0" anchor="ctr"/>
+          <a:lstStyle/>
+          <a:p>
+            <a:r>
+              <a:rPr lang="en-US" sz="1000" dirty="0" smtClean="0"/>
+              <a:t>Filter</a:t>
+            </a:r>
+            <a:endParaRPr lang="en-US" sz="1000" dirty="0"/>
+          </a:p>
+        </p:txBody>
+      </p:sp>
+      <p:sp>
+        <p:nvSpPr>
+          <p:cNvPr id="17" name="Rectangle 16"/>
+          <p:cNvSpPr/>
+          <p:nvPr/>
+        </p:nvSpPr>
+        <p:spPr>
+          <a:xfrm>
+            <a:off x="1631093" y="923229"/>
+            <a:ext cx="258658" cy="200579"/>
+          </a:xfrm>
+          <a:prstGeom prst="rect">
+            <a:avLst/>
+          </a:prstGeom>
+        </p:spPr>
+        <p:style>
+          <a:lnRef idx="2">
+            <a:schemeClr val="accent1">
+              <a:shade val="50000"/>
+            </a:schemeClr>
+          </a:lnRef>
+          <a:fillRef idx="1">
+            <a:schemeClr val="accent1"/>
+          </a:fillRef>
+          <a:effectRef idx="0">
+            <a:schemeClr val="accent1"/>
+          </a:effectRef>
+          <a:fontRef idx="minor">
+            <a:schemeClr val="lt1"/>
+          </a:fontRef>
+        </p:style>
+        <p:txBody>
+          <a:bodyPr rtlCol="0" anchor="ctr"/>
+          <a:lstStyle/>
+          <a:p>
+            <a:pPr algn="ctr"/>
+            <a:endParaRPr lang="en-US"/>
+          </a:p>
+        </p:txBody>
+      </p:sp>
+      <p:sp>
+        <p:nvSpPr>
+          <p:cNvPr id="18" name="Rectangle 17"/>
+          <p:cNvSpPr/>
+          <p:nvPr/>
+        </p:nvSpPr>
+        <p:spPr>
+          <a:xfrm>
+            <a:off x="2850292" y="1524000"/>
+            <a:ext cx="5074508" cy="4003589"/>
+          </a:xfrm>
+          <a:prstGeom prst="rect">
+            <a:avLst/>
+          </a:prstGeom>
+        </p:spPr>
+        <p:style>
+          <a:lnRef idx="2">
+            <a:schemeClr val="accent1">
+              <a:shade val="50000"/>
+            </a:schemeClr>
+          </a:lnRef>
+          <a:fillRef idx="1">
+            <a:schemeClr val="accent1"/>
+          </a:fillRef>
+          <a:effectRef idx="0">
+            <a:schemeClr val="accent1"/>
+          </a:effectRef>
+          <a:fontRef idx="minor">
+            <a:schemeClr val="lt1"/>
+          </a:fontRef>
+        </p:style>
+        <p:txBody>
+          <a:bodyPr rtlCol="0" anchor="ctr"/>
+          <a:lstStyle/>
+          <a:p>
+            <a:pPr algn="ctr"/>
+            <a:endParaRPr lang="en-US" dirty="0"/>
+          </a:p>
+        </p:txBody>
+      </p:sp>
+      <p:sp>
+        <p:nvSpPr>
+          <p:cNvPr id="20" name="Rectangle 19"/>
+          <p:cNvSpPr/>
+          <p:nvPr/>
+        </p:nvSpPr>
+        <p:spPr>
+          <a:xfrm>
+            <a:off x="3031525" y="1738183"/>
+            <a:ext cx="2405448" cy="230660"/>
+          </a:xfrm>
+          <a:prstGeom prst="rect">
+            <a:avLst/>
+          </a:prstGeom>
+        </p:spPr>
+        <p:style>
+          <a:lnRef idx="2">
+            <a:schemeClr val="accent1">
+              <a:shade val="50000"/>
+            </a:schemeClr>
+          </a:lnRef>
+          <a:fillRef idx="1">
+            <a:schemeClr val="accent1"/>
+          </a:fillRef>
+          <a:effectRef idx="0">
+            <a:schemeClr val="accent1"/>
+          </a:effectRef>
+          <a:fontRef idx="minor">
+            <a:schemeClr val="lt1"/>
+          </a:fontRef>
+        </p:style>
+        <p:txBody>
+          <a:bodyPr rtlCol="0" anchor="ctr"/>
+          <a:lstStyle/>
+          <a:p>
+            <a:r>
+              <a:rPr lang="en-US" dirty="0" smtClean="0"/>
+              <a:t>Name</a:t>
+            </a:r>
+            <a:endParaRPr lang="en-US" dirty="0"/>
+          </a:p>
+        </p:txBody>
+      </p:sp>
+      <p:sp>
+        <p:nvSpPr>
+          <p:cNvPr id="21" name="Rectangle 20"/>
+          <p:cNvSpPr/>
+          <p:nvPr/>
+        </p:nvSpPr>
+        <p:spPr>
+          <a:xfrm>
+            <a:off x="3031525" y="2132061"/>
+            <a:ext cx="4464908" cy="601364"/>
+          </a:xfrm>
+          <a:prstGeom prst="rect">
+            <a:avLst/>
+          </a:prstGeom>
+        </p:spPr>
+        <p:style>
+          <a:lnRef idx="2">
+            <a:schemeClr val="accent1">
+              <a:shade val="50000"/>
+            </a:schemeClr>
+          </a:lnRef>
+          <a:fillRef idx="1">
+            <a:schemeClr val="accent1"/>
+          </a:fillRef>
+          <a:effectRef idx="0">
+            <a:schemeClr val="accent1"/>
+          </a:effectRef>
+          <a:fontRef idx="minor">
+            <a:schemeClr val="lt1"/>
+          </a:fontRef>
+        </p:style>
+        <p:txBody>
+          <a:bodyPr rtlCol="0" anchor="t"/>
+          <a:lstStyle/>
+          <a:p>
+            <a:r>
+              <a:rPr lang="en-US" dirty="0" smtClean="0"/>
+              <a:t>Description</a:t>
+            </a:r>
+            <a:endParaRPr lang="en-US" dirty="0"/>
+          </a:p>
+        </p:txBody>
+      </p:sp>
+      <p:sp>
+        <p:nvSpPr>
+          <p:cNvPr id="22" name="Rectangle 21"/>
+          <p:cNvSpPr/>
+          <p:nvPr/>
+        </p:nvSpPr>
+        <p:spPr>
+          <a:xfrm>
+            <a:off x="5688228" y="1738183"/>
+            <a:ext cx="1075037" cy="230660"/>
+          </a:xfrm>
+          <a:prstGeom prst="rect">
+            <a:avLst/>
+          </a:prstGeom>
+        </p:spPr>
+        <p:style>
+          <a:lnRef idx="2">
+            <a:schemeClr val="accent1">
+              <a:shade val="50000"/>
+            </a:schemeClr>
+          </a:lnRef>
+          <a:fillRef idx="1">
+            <a:schemeClr val="accent1"/>
+          </a:fillRef>
+          <a:effectRef idx="0">
+            <a:schemeClr val="accent1"/>
+          </a:effectRef>
+          <a:fontRef idx="minor">
+            <a:schemeClr val="lt1"/>
+          </a:fontRef>
+        </p:style>
+        <p:txBody>
+          <a:bodyPr rtlCol="0" anchor="ctr"/>
+          <a:lstStyle/>
+          <a:p>
+            <a:r>
+              <a:rPr lang="en-US" dirty="0" smtClean="0"/>
+              <a:t># of days</a:t>
+            </a:r>
+            <a:endParaRPr lang="en-US" dirty="0"/>
+          </a:p>
+        </p:txBody>
+      </p:sp>
+      <p:graphicFrame>
+        <p:nvGraphicFramePr>
+          <p:cNvPr id="24" name="Table 23"/>
+          <p:cNvGraphicFramePr>
+            <a:graphicFrameLocks noGrp="1"/>
+          </p:cNvGraphicFramePr>
+          <p:nvPr>
+            <p:extLst>
+              <p:ext uri="{D42A27DB-BD31-4B8C-83A1-F6EECF244321}">
+                <p14:modId xmlns:p14="http://schemas.microsoft.com/office/powerpoint/2010/main" val="2906194330"/>
+              </p:ext>
+            </p:extLst>
+          </p:nvPr>
+        </p:nvGraphicFramePr>
+        <p:xfrm>
+          <a:off x="3031526" y="2862153"/>
+          <a:ext cx="4761468" cy="370840"/>
+        </p:xfrm>
+        <a:graphic>
+          <a:graphicData uri="http://schemas.openxmlformats.org/drawingml/2006/table">
+            <a:tbl>
+              <a:tblPr firstRow="1" bandRow="1">
+                <a:tableStyleId>{5C22544A-7EE6-4342-B048-85BDC9FD1C3A}</a:tableStyleId>
+              </a:tblPr>
+              <a:tblGrid>
+                <a:gridCol w="1190367"/>
+                <a:gridCol w="1190367"/>
+                <a:gridCol w="1190367"/>
+                <a:gridCol w="1190367"/>
+              </a:tblGrid>
+              <a:tr h="370840">
+                <a:tc>
+                  <a:txBody>
+                    <a:bodyPr/>
+                    <a:lstStyle/>
+                    <a:p>
+                      <a:r>
+                        <a:rPr lang="en-US" dirty="0" smtClean="0">
+                          <a:solidFill>
+                            <a:schemeClr val="accent5">
+                              <a:lumMod val="20000"/>
+                              <a:lumOff val="80000"/>
+                            </a:schemeClr>
+                          </a:solidFill>
+                        </a:rPr>
+                        <a:t>Schedule</a:t>
+                      </a:r>
+                      <a:endParaRPr lang="en-US" dirty="0">
+                        <a:solidFill>
+                          <a:schemeClr val="accent5">
+                            <a:lumMod val="20000"/>
+                            <a:lumOff val="80000"/>
+                          </a:schemeClr>
+                        </a:solidFill>
+                      </a:endParaRPr>
+                    </a:p>
+                  </a:txBody>
+                  <a:tcPr/>
+                </a:tc>
+                <a:tc>
+                  <a:txBody>
+                    <a:bodyPr/>
+                    <a:lstStyle/>
+                    <a:p>
+                      <a:r>
+                        <a:rPr lang="en-US" dirty="0" smtClean="0"/>
+                        <a:t>Workouts</a:t>
+                      </a:r>
+                      <a:endParaRPr lang="en-US" dirty="0"/>
+                    </a:p>
+                  </a:txBody>
+                  <a:tcPr/>
+                </a:tc>
+                <a:tc>
+                  <a:txBody>
+                    <a:bodyPr/>
+                    <a:lstStyle/>
+                    <a:p>
+                      <a:r>
+                        <a:rPr lang="en-US" dirty="0" smtClean="0">
+                          <a:solidFill>
+                            <a:schemeClr val="accent5">
+                              <a:lumMod val="20000"/>
+                              <a:lumOff val="80000"/>
+                            </a:schemeClr>
+                          </a:solidFill>
+                        </a:rPr>
+                        <a:t>Tags</a:t>
+                      </a:r>
+                      <a:endParaRPr lang="en-US" dirty="0">
+                        <a:solidFill>
+                          <a:schemeClr val="accent5">
+                            <a:lumMod val="20000"/>
+                            <a:lumOff val="80000"/>
+                          </a:schemeClr>
+                        </a:solidFill>
+                      </a:endParaRPr>
+                    </a:p>
+                  </a:txBody>
+                  <a:tcPr/>
+                </a:tc>
+                <a:tc>
+                  <a:txBody>
+                    <a:bodyPr/>
+                    <a:lstStyle/>
+                    <a:p>
+                      <a:r>
+                        <a:rPr lang="en-US" dirty="0" smtClean="0">
+                          <a:solidFill>
+                            <a:schemeClr val="accent5">
+                              <a:lumMod val="20000"/>
+                              <a:lumOff val="80000"/>
+                            </a:schemeClr>
+                          </a:solidFill>
+                        </a:rPr>
+                        <a:t>Log</a:t>
+                      </a:r>
+                      <a:endParaRPr lang="en-US" dirty="0">
+                        <a:solidFill>
+                          <a:schemeClr val="accent5">
+                            <a:lumMod val="20000"/>
+                            <a:lumOff val="80000"/>
+                          </a:schemeClr>
+                        </a:solidFill>
+                      </a:endParaRPr>
+                    </a:p>
+                  </a:txBody>
+                  <a:tcPr/>
+                </a:tc>
+              </a:tr>
+            </a:tbl>
+          </a:graphicData>
+        </a:graphic>
+      </p:graphicFrame>
+      <p:sp>
+        <p:nvSpPr>
+          <p:cNvPr id="25" name="Rectangle 24"/>
+          <p:cNvSpPr/>
+          <p:nvPr/>
+        </p:nvSpPr>
+        <p:spPr>
+          <a:xfrm>
+            <a:off x="414638" y="2669060"/>
+            <a:ext cx="1466336" cy="783509"/>
+          </a:xfrm>
+          <a:prstGeom prst="rect">
+            <a:avLst/>
+          </a:prstGeom>
+        </p:spPr>
+        <p:style>
+          <a:lnRef idx="2">
+            <a:schemeClr val="accent1">
+              <a:shade val="50000"/>
+            </a:schemeClr>
+          </a:lnRef>
+          <a:fillRef idx="1">
+            <a:schemeClr val="accent1"/>
+          </a:fillRef>
+          <a:effectRef idx="0">
+            <a:schemeClr val="accent1"/>
+          </a:effectRef>
+          <a:fontRef idx="minor">
+            <a:schemeClr val="lt1"/>
+          </a:fontRef>
+        </p:style>
+        <p:txBody>
+          <a:bodyPr rtlCol="0" anchor="ctr"/>
+          <a:lstStyle/>
+          <a:p>
+            <a:r>
+              <a:rPr lang="en-US" dirty="0" smtClean="0"/>
+              <a:t>Tags</a:t>
+            </a:r>
+          </a:p>
+          <a:p>
+            <a:endParaRPr lang="en-US" sz="1000" dirty="0" smtClean="0"/>
+          </a:p>
+          <a:p>
+            <a:pPr marL="342900" indent="-342900">
+              <a:buFont typeface="Wingdings" panose="05000000000000000000" pitchFamily="2" charset="2"/>
+              <a:buChar char="q"/>
+            </a:pPr>
+            <a:r>
+              <a:rPr lang="en-US" sz="1000" dirty="0" smtClean="0"/>
+              <a:t>Steve</a:t>
+            </a:r>
+          </a:p>
+          <a:p>
+            <a:pPr marL="342900" indent="-342900">
+              <a:buFont typeface="Wingdings" panose="05000000000000000000" pitchFamily="2" charset="2"/>
+              <a:buChar char="q"/>
+            </a:pPr>
+            <a:r>
+              <a:rPr lang="en-US" sz="1000" dirty="0" smtClean="0"/>
+              <a:t>New</a:t>
+            </a:r>
+            <a:endParaRPr lang="en-US" sz="1000" dirty="0"/>
+          </a:p>
+        </p:txBody>
+      </p:sp>
+      <p:sp>
+        <p:nvSpPr>
+          <p:cNvPr id="27" name="Rounded Rectangle 26"/>
+          <p:cNvSpPr/>
+          <p:nvPr/>
+        </p:nvSpPr>
+        <p:spPr>
+          <a:xfrm>
+            <a:off x="3113900" y="3509245"/>
+            <a:ext cx="3328089" cy="387252"/>
+          </a:xfrm>
+          <a:prstGeom prst="roundRect">
+            <a:avLst/>
+          </a:prstGeom>
+        </p:spPr>
+        <p:style>
+          <a:lnRef idx="2">
+            <a:schemeClr val="accent1">
+              <a:shade val="50000"/>
+            </a:schemeClr>
+          </a:lnRef>
+          <a:fillRef idx="1">
+            <a:schemeClr val="accent1"/>
+          </a:fillRef>
+          <a:effectRef idx="0">
+            <a:schemeClr val="accent1"/>
+          </a:effectRef>
+          <a:fontRef idx="minor">
+            <a:schemeClr val="lt1"/>
+          </a:fontRef>
+        </p:style>
+        <p:txBody>
+          <a:bodyPr rtlCol="0" anchor="ctr"/>
+          <a:lstStyle/>
+          <a:p>
+            <a:r>
+              <a:rPr lang="en-US" sz="1000" dirty="0" smtClean="0"/>
+              <a:t>Chest Day: 10 Exercises  Last Modified: June 30 2016   … </a:t>
+            </a:r>
+            <a:endParaRPr lang="en-US" sz="1000" dirty="0"/>
+          </a:p>
+        </p:txBody>
+      </p:sp>
+      <p:sp>
+        <p:nvSpPr>
+          <p:cNvPr id="30" name="Rounded Rectangle 29"/>
+          <p:cNvSpPr/>
+          <p:nvPr/>
+        </p:nvSpPr>
+        <p:spPr>
+          <a:xfrm>
+            <a:off x="3113900" y="3993039"/>
+            <a:ext cx="3323284" cy="387252"/>
+          </a:xfrm>
+          <a:prstGeom prst="roundRect">
+            <a:avLst/>
+          </a:prstGeom>
+        </p:spPr>
+        <p:style>
+          <a:lnRef idx="2">
+            <a:schemeClr val="accent1">
+              <a:shade val="50000"/>
+            </a:schemeClr>
+          </a:lnRef>
+          <a:fillRef idx="1">
+            <a:schemeClr val="accent1"/>
+          </a:fillRef>
+          <a:effectRef idx="0">
+            <a:schemeClr val="accent1"/>
+          </a:effectRef>
+          <a:fontRef idx="minor">
+            <a:schemeClr val="lt1"/>
+          </a:fontRef>
+        </p:style>
+        <p:txBody>
+          <a:bodyPr rtlCol="0" anchor="ctr"/>
+          <a:lstStyle/>
+          <a:p>
+            <a:r>
+              <a:rPr lang="en-US" sz="1000" dirty="0" smtClean="0"/>
+              <a:t>Leg Day: 6 Exercises </a:t>
+            </a:r>
+            <a:r>
+              <a:rPr lang="en-US" sz="1000" dirty="0"/>
+              <a:t>Last Modified: June 30 </a:t>
+            </a:r>
+            <a:r>
+              <a:rPr lang="en-US" sz="1000" dirty="0" smtClean="0"/>
+              <a:t>2016          …</a:t>
+            </a:r>
+            <a:endParaRPr lang="en-US" sz="1000" dirty="0"/>
+          </a:p>
+        </p:txBody>
+      </p:sp>
+      <p:sp>
+        <p:nvSpPr>
+          <p:cNvPr id="33" name="Rounded Rectangle 32"/>
+          <p:cNvSpPr/>
+          <p:nvPr/>
+        </p:nvSpPr>
+        <p:spPr>
+          <a:xfrm>
+            <a:off x="3113901" y="4490959"/>
+            <a:ext cx="3328087" cy="387252"/>
+          </a:xfrm>
+          <a:prstGeom prst="roundRect">
+            <a:avLst/>
+          </a:prstGeom>
+        </p:spPr>
+        <p:style>
+          <a:lnRef idx="2">
+            <a:schemeClr val="accent1">
+              <a:shade val="50000"/>
+            </a:schemeClr>
+          </a:lnRef>
+          <a:fillRef idx="1">
+            <a:schemeClr val="accent1"/>
+          </a:fillRef>
+          <a:effectRef idx="0">
+            <a:schemeClr val="accent1"/>
+          </a:effectRef>
+          <a:fontRef idx="minor">
+            <a:schemeClr val="lt1"/>
+          </a:fontRef>
+        </p:style>
+        <p:txBody>
+          <a:bodyPr rtlCol="0" anchor="ctr"/>
+          <a:lstStyle/>
+          <a:p>
+            <a:r>
+              <a:rPr lang="en-US" sz="1000" dirty="0" smtClean="0"/>
+              <a:t>Back Day: 5 Exercises </a:t>
+            </a:r>
+            <a:r>
+              <a:rPr lang="en-US" sz="1000" dirty="0"/>
+              <a:t>Last Modified: June 30 2016 </a:t>
+            </a:r>
+            <a:r>
+              <a:rPr lang="en-US" sz="1000" dirty="0" smtClean="0"/>
+              <a:t> </a:t>
+            </a:r>
+            <a:endParaRPr lang="en-US" sz="1000" dirty="0"/>
+          </a:p>
+        </p:txBody>
+      </p:sp>
+      <p:sp>
+        <p:nvSpPr>
+          <p:cNvPr id="46" name="Rectangle 45"/>
+          <p:cNvSpPr/>
+          <p:nvPr/>
+        </p:nvSpPr>
+        <p:spPr>
+          <a:xfrm>
+            <a:off x="4283676" y="823784"/>
+            <a:ext cx="2479589" cy="267516"/>
+          </a:xfrm>
+          <a:prstGeom prst="rect">
+            <a:avLst/>
+          </a:prstGeom>
+        </p:spPr>
+        <p:style>
+          <a:lnRef idx="2">
+            <a:schemeClr val="accent1">
+              <a:shade val="50000"/>
+            </a:schemeClr>
+          </a:lnRef>
+          <a:fillRef idx="1">
+            <a:schemeClr val="accent1"/>
+          </a:fillRef>
+          <a:effectRef idx="0">
+            <a:schemeClr val="accent1"/>
+          </a:effectRef>
+          <a:fontRef idx="minor">
+            <a:schemeClr val="lt1"/>
+          </a:fontRef>
+        </p:style>
+        <p:txBody>
+          <a:bodyPr rtlCol="0" anchor="ctr"/>
+          <a:lstStyle/>
+          <a:p>
+            <a:r>
+              <a:rPr lang="en-US" sz="1000" dirty="0" smtClean="0"/>
+              <a:t>Complete Makeover</a:t>
+            </a:r>
+            <a:endParaRPr lang="en-US" sz="1000" dirty="0"/>
+          </a:p>
+        </p:txBody>
+      </p:sp>
+    </p:spTree>
+    <p:extLst>
+      <p:ext uri="{BB962C8B-B14F-4D97-AF65-F5344CB8AC3E}">
+        <p14:creationId xmlns:p14="http://schemas.microsoft.com/office/powerpoint/2010/main" val="2510450427"/>
+      </p:ext>
+    </p:extLst>
+  </p:cSld>
+  <p:clrMapOvr>
+    <a:masterClrMapping/>
+  </p:clrMapOvr>
+</p:sld>
+</file>
+
+<file path=ppt/slides/slide8.xml><?xml version="1.0" encoding="utf-8"?>
+<p:sld xmlns:a="http://schemas.openxmlformats.org/drawingml/2006/main" xmlns:r="http://schemas.openxmlformats.org/officeDocument/2006/relationships" xmlns:p="http://schemas.openxmlformats.org/presentationml/2006/main">
+  <p:cSld>
+    <p:spTree>
+      <p:nvGrpSpPr>
+        <p:cNvPr id="1" name=""/>
+        <p:cNvGrpSpPr/>
+        <p:nvPr/>
+      </p:nvGrpSpPr>
+      <p:grpSpPr>
+        <a:xfrm>
+          <a:off x="0" y="0"/>
+          <a:ext cx="0" cy="0"/>
+          <a:chOff x="0" y="0"/>
+          <a:chExt cx="0" cy="0"/>
+        </a:xfrm>
+      </p:grpSpPr>
+      <p:sp>
+        <p:nvSpPr>
+          <p:cNvPr id="4" name="Rectangle 3"/>
+          <p:cNvSpPr/>
+          <p:nvPr/>
+        </p:nvSpPr>
+        <p:spPr>
+          <a:xfrm>
+            <a:off x="329514" y="296562"/>
+            <a:ext cx="8128002" cy="5717060"/>
+          </a:xfrm>
+          <a:prstGeom prst="rect">
+            <a:avLst/>
+          </a:prstGeom>
+        </p:spPr>
+        <p:style>
+          <a:lnRef idx="2">
+            <a:schemeClr val="accent1">
+              <a:shade val="50000"/>
+            </a:schemeClr>
+          </a:lnRef>
+          <a:fillRef idx="1">
+            <a:schemeClr val="accent1"/>
+          </a:fillRef>
+          <a:effectRef idx="0">
+            <a:schemeClr val="accent1"/>
+          </a:effectRef>
+          <a:fontRef idx="minor">
+            <a:schemeClr val="lt1"/>
+          </a:fontRef>
+        </p:style>
+        <p:txBody>
+          <a:bodyPr rtlCol="0" anchor="ctr"/>
+          <a:lstStyle/>
+          <a:p>
+            <a:pPr algn="ctr"/>
+            <a:endParaRPr lang="en-US" dirty="0"/>
+          </a:p>
+        </p:txBody>
+      </p:sp>
+      <p:graphicFrame>
+        <p:nvGraphicFramePr>
+          <p:cNvPr id="5" name="Table 4"/>
+          <p:cNvGraphicFramePr>
+            <a:graphicFrameLocks noGrp="1"/>
+          </p:cNvGraphicFramePr>
+          <p:nvPr>
+            <p:extLst>
+              <p:ext uri="{D42A27DB-BD31-4B8C-83A1-F6EECF244321}">
+                <p14:modId xmlns:p14="http://schemas.microsoft.com/office/powerpoint/2010/main" val="1229952322"/>
+              </p:ext>
+            </p:extLst>
+          </p:nvPr>
+        </p:nvGraphicFramePr>
+        <p:xfrm>
+          <a:off x="329514" y="296562"/>
+          <a:ext cx="8128002" cy="418592"/>
+        </p:xfrm>
+        <a:graphic>
+          <a:graphicData uri="http://schemas.openxmlformats.org/drawingml/2006/table">
+            <a:tbl>
+              <a:tblPr firstRow="1" bandRow="1">
+                <a:tableStyleId>{5C22544A-7EE6-4342-B048-85BDC9FD1C3A}</a:tableStyleId>
+              </a:tblPr>
+              <a:tblGrid>
+                <a:gridCol w="1354667"/>
+                <a:gridCol w="1354667"/>
+                <a:gridCol w="1354667"/>
+                <a:gridCol w="1354667"/>
+                <a:gridCol w="1354667"/>
+                <a:gridCol w="1354667"/>
+              </a:tblGrid>
+              <a:tr h="418592">
+                <a:tc>
+                  <a:txBody>
+                    <a:bodyPr/>
+                    <a:lstStyle/>
+                    <a:p>
+                      <a:endParaRPr lang="en-US" dirty="0"/>
+                    </a:p>
+                  </a:txBody>
+                  <a:tcPr/>
+                </a:tc>
+                <a:tc>
+                  <a:txBody>
+                    <a:bodyPr/>
+                    <a:lstStyle/>
+                    <a:p>
+                      <a:r>
+                        <a:rPr lang="en-US" dirty="0" smtClean="0">
+                          <a:solidFill>
+                            <a:schemeClr val="accent5">
+                              <a:lumMod val="20000"/>
+                              <a:lumOff val="80000"/>
+                            </a:schemeClr>
+                          </a:solidFill>
+                        </a:rPr>
+                        <a:t>Exercises</a:t>
+                      </a:r>
+                      <a:endParaRPr lang="en-US" dirty="0">
+                        <a:solidFill>
+                          <a:schemeClr val="accent5">
+                            <a:lumMod val="20000"/>
+                            <a:lumOff val="80000"/>
+                          </a:schemeClr>
+                        </a:solidFill>
+                      </a:endParaRPr>
+                    </a:p>
+                  </a:txBody>
+                  <a:tcPr/>
+                </a:tc>
+                <a:tc>
+                  <a:txBody>
+                    <a:bodyPr/>
+                    <a:lstStyle/>
+                    <a:p>
+                      <a:r>
+                        <a:rPr lang="en-US" dirty="0" smtClean="0">
+                          <a:solidFill>
+                            <a:schemeClr val="bg1"/>
+                          </a:solidFill>
+                        </a:rPr>
+                        <a:t>Workout</a:t>
+                      </a:r>
+                      <a:endParaRPr lang="en-US" dirty="0">
+                        <a:solidFill>
+                          <a:schemeClr val="bg1"/>
+                        </a:solidFill>
+                      </a:endParaRPr>
+                    </a:p>
+                  </a:txBody>
+                  <a:tcPr/>
+                </a:tc>
+                <a:tc>
+                  <a:txBody>
+                    <a:bodyPr/>
+                    <a:lstStyle/>
+                    <a:p>
+                      <a:pPr marL="0" marR="0" indent="0" algn="l" defTabSz="914400" rtl="0" eaLnBrk="1" fontAlgn="auto" latinLnBrk="0" hangingPunct="1">
+                        <a:lnSpc>
+                          <a:spcPct val="100000"/>
+                        </a:lnSpc>
+                        <a:spcBef>
+                          <a:spcPts val="0"/>
+                        </a:spcBef>
+                        <a:spcAft>
+                          <a:spcPts val="0"/>
+                        </a:spcAft>
+                        <a:buClrTx/>
+                        <a:buSzTx/>
+                        <a:buFontTx/>
+                        <a:buNone/>
+                        <a:tabLst/>
+                        <a:defRPr/>
+                      </a:pPr>
+                      <a:r>
+                        <a:rPr lang="en-US" dirty="0" smtClean="0">
+                          <a:solidFill>
+                            <a:schemeClr val="accent5">
+                              <a:lumMod val="20000"/>
+                              <a:lumOff val="80000"/>
+                            </a:schemeClr>
+                          </a:solidFill>
+                        </a:rPr>
+                        <a:t>Progress</a:t>
+                      </a:r>
+                    </a:p>
+                  </a:txBody>
+                  <a:tcPr/>
+                </a:tc>
+                <a:tc>
+                  <a:txBody>
+                    <a:bodyPr/>
+                    <a:lstStyle/>
+                    <a:p>
+                      <a:r>
+                        <a:rPr lang="en-US" dirty="0" smtClean="0">
+                          <a:solidFill>
+                            <a:schemeClr val="accent5">
+                              <a:lumMod val="20000"/>
+                              <a:lumOff val="80000"/>
+                            </a:schemeClr>
+                          </a:solidFill>
+                        </a:rPr>
+                        <a:t>Resources</a:t>
+                      </a:r>
+                      <a:endParaRPr lang="en-US" dirty="0">
+                        <a:solidFill>
+                          <a:schemeClr val="accent5">
+                            <a:lumMod val="20000"/>
+                            <a:lumOff val="80000"/>
+                          </a:schemeClr>
+                        </a:solidFill>
+                      </a:endParaRPr>
+                    </a:p>
+                  </a:txBody>
+                  <a:tcPr/>
+                </a:tc>
+                <a:tc>
+                  <a:txBody>
+                    <a:bodyPr/>
+                    <a:lstStyle/>
+                    <a:p>
+                      <a:r>
+                        <a:rPr lang="en-US" dirty="0" smtClean="0">
+                          <a:solidFill>
+                            <a:schemeClr val="accent5">
+                              <a:lumMod val="20000"/>
+                              <a:lumOff val="80000"/>
+                            </a:schemeClr>
+                          </a:solidFill>
+                        </a:rPr>
+                        <a:t>About</a:t>
+                      </a:r>
+                      <a:endParaRPr lang="en-US" dirty="0">
+                        <a:solidFill>
+                          <a:schemeClr val="accent5">
+                            <a:lumMod val="20000"/>
+                            <a:lumOff val="80000"/>
+                          </a:schemeClr>
+                        </a:solidFill>
+                      </a:endParaRPr>
+                    </a:p>
+                  </a:txBody>
+                  <a:tcPr/>
+                </a:tc>
+              </a:tr>
+            </a:tbl>
+          </a:graphicData>
+        </a:graphic>
+      </p:graphicFrame>
+      <p:pic>
+        <p:nvPicPr>
+          <p:cNvPr id="6" name="Picture 5"/>
+          <p:cNvPicPr>
+            <a:picLocks noChangeAspect="1"/>
+          </p:cNvPicPr>
+          <p:nvPr/>
+        </p:nvPicPr>
+        <p:blipFill>
+          <a:blip r:embed="rId2" cstate="print">
+            <a:extLst>
+              <a:ext uri="{28A0092B-C50C-407E-A947-70E740481C1C}">
+                <a14:useLocalDpi xmlns:a14="http://schemas.microsoft.com/office/drawing/2010/main" val="0"/>
+              </a:ext>
+            </a:extLst>
+          </a:blip>
+          <a:stretch>
+            <a:fillRect/>
+          </a:stretch>
+        </p:blipFill>
+        <p:spPr>
+          <a:xfrm>
+            <a:off x="389238" y="317225"/>
+            <a:ext cx="369869" cy="377266"/>
+          </a:xfrm>
+          <a:prstGeom prst="rect">
+            <a:avLst/>
+          </a:prstGeom>
+        </p:spPr>
+      </p:pic>
+      <p:sp>
+        <p:nvSpPr>
+          <p:cNvPr id="7" name="Rounded Rectangle 6"/>
+          <p:cNvSpPr/>
+          <p:nvPr/>
+        </p:nvSpPr>
+        <p:spPr>
+          <a:xfrm>
+            <a:off x="759107" y="404210"/>
+            <a:ext cx="873210" cy="214184"/>
+          </a:xfrm>
+          <a:prstGeom prst="roundRect">
+            <a:avLst/>
+          </a:prstGeom>
+        </p:spPr>
+        <p:style>
+          <a:lnRef idx="2">
+            <a:schemeClr val="accent1">
+              <a:shade val="50000"/>
+            </a:schemeClr>
+          </a:lnRef>
+          <a:fillRef idx="1">
+            <a:schemeClr val="accent1"/>
+          </a:fillRef>
+          <a:effectRef idx="0">
+            <a:schemeClr val="accent1"/>
+          </a:effectRef>
+          <a:fontRef idx="minor">
+            <a:schemeClr val="lt1"/>
+          </a:fontRef>
+        </p:style>
+        <p:txBody>
+          <a:bodyPr rtlCol="0" anchor="ctr"/>
+          <a:lstStyle/>
+          <a:p>
+            <a:pPr algn="ctr"/>
+            <a:r>
+              <a:rPr lang="en-US" dirty="0" err="1" smtClean="0"/>
+              <a:t>Kachok</a:t>
+            </a:r>
+            <a:endParaRPr lang="en-US" dirty="0"/>
+          </a:p>
+        </p:txBody>
+      </p:sp>
+      <p:sp>
+        <p:nvSpPr>
+          <p:cNvPr id="8" name="Rectangle 7"/>
+          <p:cNvSpPr/>
+          <p:nvPr/>
+        </p:nvSpPr>
+        <p:spPr>
+          <a:xfrm>
+            <a:off x="329514" y="756344"/>
+            <a:ext cx="2018270" cy="5150186"/>
+          </a:xfrm>
+          <a:prstGeom prst="rect">
+            <a:avLst/>
+          </a:prstGeom>
+        </p:spPr>
+        <p:style>
+          <a:lnRef idx="2">
+            <a:schemeClr val="accent1">
+              <a:shade val="50000"/>
+            </a:schemeClr>
+          </a:lnRef>
+          <a:fillRef idx="1">
+            <a:schemeClr val="accent1"/>
+          </a:fillRef>
+          <a:effectRef idx="0">
+            <a:schemeClr val="accent1"/>
+          </a:effectRef>
+          <a:fontRef idx="minor">
+            <a:schemeClr val="lt1"/>
+          </a:fontRef>
+        </p:style>
+        <p:txBody>
+          <a:bodyPr rtlCol="0" anchor="ctr"/>
+          <a:lstStyle/>
+          <a:p>
+            <a:pPr algn="ctr"/>
+            <a:endParaRPr lang="en-US" dirty="0"/>
+          </a:p>
+        </p:txBody>
+      </p:sp>
+      <p:sp>
+        <p:nvSpPr>
+          <p:cNvPr id="9" name="Rectangle 8"/>
+          <p:cNvSpPr/>
+          <p:nvPr/>
+        </p:nvSpPr>
+        <p:spPr>
+          <a:xfrm>
+            <a:off x="464751" y="1129458"/>
+            <a:ext cx="1466336" cy="1331068"/>
+          </a:xfrm>
+          <a:prstGeom prst="rect">
+            <a:avLst/>
+          </a:prstGeom>
+        </p:spPr>
+        <p:style>
+          <a:lnRef idx="2">
+            <a:schemeClr val="accent1">
+              <a:shade val="50000"/>
+            </a:schemeClr>
+          </a:lnRef>
+          <a:fillRef idx="1">
+            <a:schemeClr val="accent1"/>
+          </a:fillRef>
+          <a:effectRef idx="0">
+            <a:schemeClr val="accent1"/>
+          </a:effectRef>
+          <a:fontRef idx="minor">
+            <a:schemeClr val="lt1"/>
+          </a:fontRef>
+        </p:style>
+        <p:txBody>
+          <a:bodyPr rtlCol="0" anchor="ctr"/>
+          <a:lstStyle/>
+          <a:p>
+            <a:r>
+              <a:rPr lang="en-US" sz="1000" dirty="0" smtClean="0"/>
+              <a:t>Complete Makeover</a:t>
+            </a:r>
+            <a:endParaRPr lang="en-US" sz="1000" dirty="0" smtClean="0"/>
+          </a:p>
+          <a:p>
+            <a:endParaRPr lang="en-US" sz="1000" dirty="0" smtClean="0"/>
+          </a:p>
+          <a:p>
+            <a:r>
+              <a:rPr lang="en-US" sz="1000" dirty="0" smtClean="0"/>
+              <a:t>Back Day</a:t>
+            </a:r>
+            <a:endParaRPr lang="en-US" sz="1000" dirty="0" smtClean="0"/>
+          </a:p>
+          <a:p>
+            <a:r>
+              <a:rPr lang="en-US" sz="1000" dirty="0" smtClean="0"/>
+              <a:t>Leg Day</a:t>
+            </a:r>
+            <a:endParaRPr lang="en-US" sz="1000" dirty="0" smtClean="0"/>
+          </a:p>
+          <a:p>
+            <a:r>
+              <a:rPr lang="en-US" sz="1000" dirty="0" smtClean="0"/>
+              <a:t>Shoulder Day</a:t>
+            </a:r>
+          </a:p>
+          <a:p>
+            <a:r>
+              <a:rPr lang="en-US" sz="1000" dirty="0" err="1" smtClean="0"/>
+              <a:t>Carido</a:t>
+            </a:r>
+            <a:endParaRPr lang="en-US" sz="1000" dirty="0" smtClean="0"/>
+          </a:p>
+          <a:p>
+            <a:r>
+              <a:rPr lang="en-US" sz="1000" dirty="0" smtClean="0"/>
+              <a:t>Cardio 2</a:t>
+            </a:r>
+            <a:endParaRPr lang="en-US" sz="1000" dirty="0"/>
+          </a:p>
+        </p:txBody>
+      </p:sp>
+      <p:sp>
+        <p:nvSpPr>
+          <p:cNvPr id="10" name="Rectangle 9"/>
+          <p:cNvSpPr/>
+          <p:nvPr/>
+        </p:nvSpPr>
+        <p:spPr>
+          <a:xfrm>
+            <a:off x="2413688" y="823784"/>
+            <a:ext cx="782594" cy="267516"/>
+          </a:xfrm>
+          <a:prstGeom prst="rect">
+            <a:avLst/>
+          </a:prstGeom>
+        </p:spPr>
+        <p:style>
+          <a:lnRef idx="2">
+            <a:schemeClr val="accent1">
+              <a:shade val="50000"/>
+            </a:schemeClr>
+          </a:lnRef>
+          <a:fillRef idx="1">
+            <a:schemeClr val="accent1"/>
+          </a:fillRef>
+          <a:effectRef idx="0">
+            <a:schemeClr val="accent1"/>
+          </a:effectRef>
+          <a:fontRef idx="minor">
+            <a:schemeClr val="lt1"/>
+          </a:fontRef>
+        </p:style>
+        <p:txBody>
+          <a:bodyPr rtlCol="0" anchor="ctr"/>
+          <a:lstStyle/>
+          <a:p>
+            <a:pPr algn="ctr"/>
+            <a:r>
+              <a:rPr lang="en-US" sz="1100" dirty="0" smtClean="0"/>
+              <a:t>Plans</a:t>
+            </a:r>
+            <a:endParaRPr lang="en-US" sz="1100" dirty="0"/>
+          </a:p>
+        </p:txBody>
+      </p:sp>
+      <p:sp>
+        <p:nvSpPr>
+          <p:cNvPr id="18" name="Rectangle 17"/>
+          <p:cNvSpPr/>
+          <p:nvPr/>
+        </p:nvSpPr>
+        <p:spPr>
+          <a:xfrm>
+            <a:off x="5279621" y="1445083"/>
+            <a:ext cx="1075037" cy="230660"/>
+          </a:xfrm>
+          <a:prstGeom prst="rect">
+            <a:avLst/>
+          </a:prstGeom>
+        </p:spPr>
+        <p:style>
+          <a:lnRef idx="2">
+            <a:schemeClr val="accent1">
+              <a:shade val="50000"/>
+            </a:schemeClr>
+          </a:lnRef>
+          <a:fillRef idx="1">
+            <a:schemeClr val="accent1"/>
+          </a:fillRef>
+          <a:effectRef idx="0">
+            <a:schemeClr val="accent1"/>
+          </a:effectRef>
+          <a:fontRef idx="minor">
+            <a:schemeClr val="lt1"/>
+          </a:fontRef>
+        </p:style>
+        <p:txBody>
+          <a:bodyPr rtlCol="0" anchor="ctr"/>
+          <a:lstStyle/>
+          <a:p>
+            <a:r>
+              <a:rPr lang="en-US" dirty="0" smtClean="0"/>
+              <a:t># of days</a:t>
+            </a:r>
+            <a:endParaRPr lang="en-US" dirty="0"/>
+          </a:p>
+        </p:txBody>
+      </p:sp>
+      <p:sp>
+        <p:nvSpPr>
+          <p:cNvPr id="24" name="Rectangle 23"/>
+          <p:cNvSpPr/>
+          <p:nvPr/>
+        </p:nvSpPr>
+        <p:spPr>
+          <a:xfrm>
+            <a:off x="3288960" y="834841"/>
+            <a:ext cx="1318054" cy="267516"/>
+          </a:xfrm>
+          <a:prstGeom prst="rect">
+            <a:avLst/>
+          </a:prstGeom>
+        </p:spPr>
+        <p:style>
+          <a:lnRef idx="2">
+            <a:schemeClr val="accent1">
+              <a:shade val="50000"/>
+            </a:schemeClr>
+          </a:lnRef>
+          <a:fillRef idx="1">
+            <a:schemeClr val="accent1"/>
+          </a:fillRef>
+          <a:effectRef idx="0">
+            <a:schemeClr val="accent1"/>
+          </a:effectRef>
+          <a:fontRef idx="minor">
+            <a:schemeClr val="lt1"/>
+          </a:fontRef>
+        </p:style>
+        <p:txBody>
+          <a:bodyPr rtlCol="0" anchor="ctr"/>
+          <a:lstStyle/>
+          <a:p>
+            <a:r>
+              <a:rPr lang="en-US" sz="1000" dirty="0" smtClean="0"/>
+              <a:t>Complete Makeover</a:t>
+            </a:r>
+            <a:endParaRPr lang="en-US" sz="1000" dirty="0"/>
+          </a:p>
+        </p:txBody>
+      </p:sp>
+      <p:sp>
+        <p:nvSpPr>
+          <p:cNvPr id="25" name="Rectangle 24"/>
+          <p:cNvSpPr/>
+          <p:nvPr/>
+        </p:nvSpPr>
+        <p:spPr>
+          <a:xfrm>
+            <a:off x="2447597" y="1199930"/>
+            <a:ext cx="4983892" cy="4585014"/>
+          </a:xfrm>
+          <a:prstGeom prst="rect">
+            <a:avLst/>
+          </a:prstGeom>
+        </p:spPr>
+        <p:style>
+          <a:lnRef idx="2">
+            <a:schemeClr val="accent1">
+              <a:shade val="50000"/>
+            </a:schemeClr>
+          </a:lnRef>
+          <a:fillRef idx="1">
+            <a:schemeClr val="accent1"/>
+          </a:fillRef>
+          <a:effectRef idx="0">
+            <a:schemeClr val="accent1"/>
+          </a:effectRef>
+          <a:fontRef idx="minor">
+            <a:schemeClr val="lt1"/>
+          </a:fontRef>
+        </p:style>
+        <p:txBody>
+          <a:bodyPr rtlCol="0" anchor="ctr"/>
+          <a:lstStyle/>
+          <a:p>
+            <a:pPr algn="ctr"/>
+            <a:endParaRPr lang="en-US"/>
+          </a:p>
+        </p:txBody>
+      </p:sp>
+      <p:sp>
+        <p:nvSpPr>
+          <p:cNvPr id="26" name="Rectangle 25"/>
+          <p:cNvSpPr/>
+          <p:nvPr/>
+        </p:nvSpPr>
+        <p:spPr>
+          <a:xfrm>
+            <a:off x="2598354" y="1303966"/>
+            <a:ext cx="2479589" cy="267516"/>
+          </a:xfrm>
+          <a:prstGeom prst="rect">
+            <a:avLst/>
+          </a:prstGeom>
+        </p:spPr>
+        <p:style>
+          <a:lnRef idx="2">
+            <a:schemeClr val="accent1">
+              <a:shade val="50000"/>
+            </a:schemeClr>
+          </a:lnRef>
+          <a:fillRef idx="1">
+            <a:schemeClr val="accent1"/>
+          </a:fillRef>
+          <a:effectRef idx="0">
+            <a:schemeClr val="accent1"/>
+          </a:effectRef>
+          <a:fontRef idx="minor">
+            <a:schemeClr val="lt1"/>
+          </a:fontRef>
+        </p:style>
+        <p:txBody>
+          <a:bodyPr rtlCol="0" anchor="ctr"/>
+          <a:lstStyle/>
+          <a:p>
+            <a:r>
+              <a:rPr lang="en-US" sz="1000" dirty="0" smtClean="0"/>
+              <a:t>Name</a:t>
+            </a:r>
+            <a:endParaRPr lang="en-US" sz="1000" dirty="0"/>
+          </a:p>
+        </p:txBody>
+      </p:sp>
+      <p:sp>
+        <p:nvSpPr>
+          <p:cNvPr id="27" name="Rectangle 26"/>
+          <p:cNvSpPr/>
+          <p:nvPr/>
+        </p:nvSpPr>
+        <p:spPr>
+          <a:xfrm>
+            <a:off x="2598355" y="1659649"/>
+            <a:ext cx="4464908" cy="601364"/>
+          </a:xfrm>
+          <a:prstGeom prst="rect">
+            <a:avLst/>
+          </a:prstGeom>
+        </p:spPr>
+        <p:style>
+          <a:lnRef idx="2">
+            <a:schemeClr val="accent1">
+              <a:shade val="50000"/>
+            </a:schemeClr>
+          </a:lnRef>
+          <a:fillRef idx="1">
+            <a:schemeClr val="accent1"/>
+          </a:fillRef>
+          <a:effectRef idx="0">
+            <a:schemeClr val="accent1"/>
+          </a:effectRef>
+          <a:fontRef idx="minor">
+            <a:schemeClr val="lt1"/>
+          </a:fontRef>
+        </p:style>
+        <p:txBody>
+          <a:bodyPr rtlCol="0" anchor="t"/>
+          <a:lstStyle/>
+          <a:p>
+            <a:r>
+              <a:rPr lang="en-US" sz="1000" dirty="0" smtClean="0"/>
+              <a:t>Description</a:t>
+            </a:r>
+            <a:endParaRPr lang="en-US" sz="1000" dirty="0"/>
+          </a:p>
+        </p:txBody>
+      </p:sp>
+      <p:sp>
+        <p:nvSpPr>
+          <p:cNvPr id="28" name="Rectangle 27"/>
+          <p:cNvSpPr/>
+          <p:nvPr/>
+        </p:nvSpPr>
+        <p:spPr>
+          <a:xfrm>
+            <a:off x="5261773" y="1371336"/>
+            <a:ext cx="181383" cy="133758"/>
+          </a:xfrm>
+          <a:prstGeom prst="rect">
+            <a:avLst/>
+          </a:prstGeom>
+        </p:spPr>
+        <p:style>
+          <a:lnRef idx="2">
+            <a:schemeClr val="accent1">
+              <a:shade val="50000"/>
+            </a:schemeClr>
+          </a:lnRef>
+          <a:fillRef idx="1">
+            <a:schemeClr val="accent1"/>
+          </a:fillRef>
+          <a:effectRef idx="0">
+            <a:schemeClr val="accent1"/>
+          </a:effectRef>
+          <a:fontRef idx="minor">
+            <a:schemeClr val="lt1"/>
+          </a:fontRef>
+        </p:style>
+        <p:txBody>
+          <a:bodyPr rtlCol="0" anchor="ctr"/>
+          <a:lstStyle/>
+          <a:p>
+            <a:pPr algn="ctr"/>
+            <a:endParaRPr lang="en-US"/>
+          </a:p>
+        </p:txBody>
+      </p:sp>
+      <p:sp>
+        <p:nvSpPr>
+          <p:cNvPr id="29" name="Rectangle 28"/>
+          <p:cNvSpPr/>
+          <p:nvPr/>
+        </p:nvSpPr>
+        <p:spPr>
+          <a:xfrm>
+            <a:off x="5492972" y="1328036"/>
+            <a:ext cx="1379004" cy="219375"/>
+          </a:xfrm>
+          <a:prstGeom prst="rect">
+            <a:avLst/>
+          </a:prstGeom>
+        </p:spPr>
+        <p:style>
+          <a:lnRef idx="2">
+            <a:schemeClr val="accent1">
+              <a:shade val="50000"/>
+            </a:schemeClr>
+          </a:lnRef>
+          <a:fillRef idx="1">
+            <a:schemeClr val="accent1"/>
+          </a:fillRef>
+          <a:effectRef idx="0">
+            <a:schemeClr val="accent1"/>
+          </a:effectRef>
+          <a:fontRef idx="minor">
+            <a:schemeClr val="lt1"/>
+          </a:fontRef>
+        </p:style>
+        <p:txBody>
+          <a:bodyPr rtlCol="0" anchor="ctr"/>
+          <a:lstStyle/>
+          <a:p>
+            <a:pPr algn="ctr"/>
+            <a:r>
+              <a:rPr lang="en-US" sz="1000" dirty="0" smtClean="0"/>
+              <a:t>Is rest day?</a:t>
+            </a:r>
+            <a:endParaRPr lang="en-US" sz="1000" dirty="0"/>
+          </a:p>
+        </p:txBody>
+      </p:sp>
+      <p:sp>
+        <p:nvSpPr>
+          <p:cNvPr id="30" name="Rounded Rectangle 29"/>
+          <p:cNvSpPr/>
+          <p:nvPr/>
+        </p:nvSpPr>
+        <p:spPr>
+          <a:xfrm>
+            <a:off x="2640916" y="2576084"/>
+            <a:ext cx="4501144" cy="941858"/>
+          </a:xfrm>
+          <a:prstGeom prst="roundRect">
+            <a:avLst/>
+          </a:prstGeom>
+        </p:spPr>
+        <p:style>
+          <a:lnRef idx="2">
+            <a:schemeClr val="accent1">
+              <a:shade val="50000"/>
+            </a:schemeClr>
+          </a:lnRef>
+          <a:fillRef idx="1">
+            <a:schemeClr val="accent1"/>
+          </a:fillRef>
+          <a:effectRef idx="0">
+            <a:schemeClr val="accent1"/>
+          </a:effectRef>
+          <a:fontRef idx="minor">
+            <a:schemeClr val="lt1"/>
+          </a:fontRef>
+        </p:style>
+        <p:txBody>
+          <a:bodyPr rtlCol="0" anchor="t"/>
+          <a:lstStyle/>
+          <a:p>
+            <a:endParaRPr lang="en-US" sz="1000" dirty="0" smtClean="0"/>
+          </a:p>
+          <a:p>
+            <a:r>
+              <a:rPr lang="en-US" sz="1000" dirty="0" smtClean="0"/>
+              <a:t>Wide Should Pull down   </a:t>
+            </a:r>
+          </a:p>
+          <a:p>
+            <a:r>
+              <a:rPr lang="en-US" sz="1000" dirty="0"/>
+              <a:t> </a:t>
+            </a:r>
+            <a:r>
+              <a:rPr lang="en-US" sz="1000" dirty="0" smtClean="0"/>
+              <a:t>    8-10 reps | 8-10 reps | 7 reps</a:t>
+            </a:r>
+          </a:p>
+          <a:p>
+            <a:r>
+              <a:rPr lang="en-US" sz="1000" dirty="0" smtClean="0"/>
+              <a:t>Narrow Pull-down </a:t>
+            </a:r>
+          </a:p>
+          <a:p>
+            <a:r>
+              <a:rPr lang="en-US" sz="1000" dirty="0" smtClean="0"/>
+              <a:t>     8-10 reps | 8-10 reps | 7 reps</a:t>
+            </a:r>
+            <a:endParaRPr lang="en-US" sz="1000" dirty="0"/>
+          </a:p>
+        </p:txBody>
+      </p:sp>
+      <p:sp>
+        <p:nvSpPr>
+          <p:cNvPr id="31" name="Rounded Rectangle 30"/>
+          <p:cNvSpPr/>
+          <p:nvPr/>
+        </p:nvSpPr>
+        <p:spPr>
+          <a:xfrm>
+            <a:off x="2640916" y="2576084"/>
+            <a:ext cx="4489621" cy="200675"/>
+          </a:xfrm>
+          <a:prstGeom prst="roundRect">
+            <a:avLst/>
+          </a:prstGeom>
+        </p:spPr>
+        <p:style>
+          <a:lnRef idx="2">
+            <a:schemeClr val="accent1">
+              <a:shade val="50000"/>
+            </a:schemeClr>
+          </a:lnRef>
+          <a:fillRef idx="1">
+            <a:schemeClr val="accent1"/>
+          </a:fillRef>
+          <a:effectRef idx="0">
+            <a:schemeClr val="accent1"/>
+          </a:effectRef>
+          <a:fontRef idx="minor">
+            <a:schemeClr val="lt1"/>
+          </a:fontRef>
+        </p:style>
+        <p:txBody>
+          <a:bodyPr rtlCol="0" anchor="ctr"/>
+          <a:lstStyle/>
+          <a:p>
+            <a:r>
+              <a:rPr lang="en-US" sz="1000" dirty="0" smtClean="0"/>
+              <a:t>1 Exercise: Superset. Special Instructions</a:t>
+            </a:r>
+            <a:endParaRPr lang="en-US" sz="1000" dirty="0"/>
+          </a:p>
+        </p:txBody>
+      </p:sp>
+      <p:sp>
+        <p:nvSpPr>
+          <p:cNvPr id="32" name="Rounded Rectangle 31"/>
+          <p:cNvSpPr/>
+          <p:nvPr/>
+        </p:nvSpPr>
+        <p:spPr>
+          <a:xfrm>
+            <a:off x="2640916" y="3653644"/>
+            <a:ext cx="4501144" cy="642551"/>
+          </a:xfrm>
+          <a:prstGeom prst="roundRect">
+            <a:avLst/>
+          </a:prstGeom>
+        </p:spPr>
+        <p:style>
+          <a:lnRef idx="2">
+            <a:schemeClr val="accent1">
+              <a:shade val="50000"/>
+            </a:schemeClr>
+          </a:lnRef>
+          <a:fillRef idx="1">
+            <a:schemeClr val="accent1"/>
+          </a:fillRef>
+          <a:effectRef idx="0">
+            <a:schemeClr val="accent1"/>
+          </a:effectRef>
+          <a:fontRef idx="minor">
+            <a:schemeClr val="lt1"/>
+          </a:fontRef>
+        </p:style>
+        <p:txBody>
+          <a:bodyPr rtlCol="0" anchor="t"/>
+          <a:lstStyle/>
+          <a:p>
+            <a:endParaRPr lang="en-US" sz="1000" dirty="0" smtClean="0"/>
+          </a:p>
+          <a:p>
+            <a:r>
+              <a:rPr lang="en-US" sz="1000" dirty="0" smtClean="0"/>
+              <a:t>Pushups </a:t>
+            </a:r>
+          </a:p>
+          <a:p>
+            <a:r>
+              <a:rPr lang="en-US" sz="1000" dirty="0" smtClean="0"/>
+              <a:t>     warmup 10 reps | warmup 10 reps | 8-10 reps | 8-10 reps | 7 reps</a:t>
+            </a:r>
+          </a:p>
+        </p:txBody>
+      </p:sp>
+      <p:sp>
+        <p:nvSpPr>
+          <p:cNvPr id="33" name="Rounded Rectangle 32"/>
+          <p:cNvSpPr/>
+          <p:nvPr/>
+        </p:nvSpPr>
+        <p:spPr>
+          <a:xfrm>
+            <a:off x="2640916" y="3653644"/>
+            <a:ext cx="4489621" cy="200675"/>
+          </a:xfrm>
+          <a:prstGeom prst="roundRect">
+            <a:avLst/>
+          </a:prstGeom>
+        </p:spPr>
+        <p:style>
+          <a:lnRef idx="2">
+            <a:schemeClr val="accent1">
+              <a:shade val="50000"/>
+            </a:schemeClr>
+          </a:lnRef>
+          <a:fillRef idx="1">
+            <a:schemeClr val="accent1"/>
+          </a:fillRef>
+          <a:effectRef idx="0">
+            <a:schemeClr val="accent1"/>
+          </a:effectRef>
+          <a:fontRef idx="minor">
+            <a:schemeClr val="lt1"/>
+          </a:fontRef>
+        </p:style>
+        <p:txBody>
+          <a:bodyPr rtlCol="0" anchor="ctr"/>
+          <a:lstStyle/>
+          <a:p>
+            <a:r>
+              <a:rPr lang="en-US" sz="1000" dirty="0"/>
+              <a:t>2</a:t>
+            </a:r>
+            <a:r>
+              <a:rPr lang="en-US" sz="1000" dirty="0" smtClean="0"/>
+              <a:t> Exercise:  Special Instructions</a:t>
+            </a:r>
+            <a:endParaRPr lang="en-US" sz="1000" dirty="0"/>
+          </a:p>
+        </p:txBody>
+      </p:sp>
+      <p:sp>
+        <p:nvSpPr>
+          <p:cNvPr id="35" name="Rectangle 34"/>
+          <p:cNvSpPr/>
+          <p:nvPr/>
+        </p:nvSpPr>
+        <p:spPr>
+          <a:xfrm>
+            <a:off x="4693437" y="827392"/>
+            <a:ext cx="1318054" cy="267516"/>
+          </a:xfrm>
+          <a:prstGeom prst="rect">
+            <a:avLst/>
+          </a:prstGeom>
+        </p:spPr>
+        <p:style>
+          <a:lnRef idx="2">
+            <a:schemeClr val="accent1">
+              <a:shade val="50000"/>
+            </a:schemeClr>
+          </a:lnRef>
+          <a:fillRef idx="1">
+            <a:schemeClr val="accent1"/>
+          </a:fillRef>
+          <a:effectRef idx="0">
+            <a:schemeClr val="accent1"/>
+          </a:effectRef>
+          <a:fontRef idx="minor">
+            <a:schemeClr val="lt1"/>
+          </a:fontRef>
+        </p:style>
+        <p:txBody>
+          <a:bodyPr rtlCol="0" anchor="ctr"/>
+          <a:lstStyle/>
+          <a:p>
+            <a:r>
+              <a:rPr lang="en-US" sz="1000" dirty="0" smtClean="0"/>
+              <a:t>Chest Day</a:t>
+            </a:r>
+            <a:endParaRPr lang="en-US" sz="1000" dirty="0"/>
+          </a:p>
+        </p:txBody>
+      </p:sp>
+      <p:sp>
+        <p:nvSpPr>
+          <p:cNvPr id="37" name="Up Arrow 36"/>
+          <p:cNvSpPr/>
+          <p:nvPr/>
+        </p:nvSpPr>
+        <p:spPr>
+          <a:xfrm>
+            <a:off x="6614984" y="3709552"/>
+            <a:ext cx="156518" cy="106103"/>
+          </a:xfrm>
+          <a:prstGeom prst="upArrow">
+            <a:avLst/>
+          </a:prstGeom>
+        </p:spPr>
+        <p:style>
+          <a:lnRef idx="2">
+            <a:schemeClr val="accent1">
+              <a:shade val="50000"/>
+            </a:schemeClr>
+          </a:lnRef>
+          <a:fillRef idx="1">
+            <a:schemeClr val="accent1"/>
+          </a:fillRef>
+          <a:effectRef idx="0">
+            <a:schemeClr val="accent1"/>
+          </a:effectRef>
+          <a:fontRef idx="minor">
+            <a:schemeClr val="lt1"/>
+          </a:fontRef>
+        </p:style>
+        <p:txBody>
+          <a:bodyPr rtlCol="0" anchor="ctr"/>
+          <a:lstStyle/>
+          <a:p>
+            <a:pPr algn="ctr"/>
+            <a:endParaRPr lang="en-US"/>
+          </a:p>
+        </p:txBody>
+      </p:sp>
+      <p:sp>
+        <p:nvSpPr>
+          <p:cNvPr id="38" name="Up Arrow 37"/>
+          <p:cNvSpPr/>
+          <p:nvPr/>
+        </p:nvSpPr>
+        <p:spPr>
+          <a:xfrm>
+            <a:off x="6715458" y="2636937"/>
+            <a:ext cx="156518" cy="106103"/>
+          </a:xfrm>
+          <a:prstGeom prst="upArrow">
+            <a:avLst/>
+          </a:prstGeom>
+        </p:spPr>
+        <p:style>
+          <a:lnRef idx="2">
+            <a:schemeClr val="accent1">
+              <a:shade val="50000"/>
+            </a:schemeClr>
+          </a:lnRef>
+          <a:fillRef idx="1">
+            <a:schemeClr val="accent1"/>
+          </a:fillRef>
+          <a:effectRef idx="0">
+            <a:schemeClr val="accent1"/>
+          </a:effectRef>
+          <a:fontRef idx="minor">
+            <a:schemeClr val="lt1"/>
+          </a:fontRef>
+        </p:style>
+        <p:txBody>
+          <a:bodyPr rtlCol="0" anchor="ctr"/>
+          <a:lstStyle/>
+          <a:p>
+            <a:pPr algn="ctr"/>
+            <a:endParaRPr lang="en-US"/>
+          </a:p>
+        </p:txBody>
+      </p:sp>
+      <p:sp>
+        <p:nvSpPr>
+          <p:cNvPr id="39" name="Down Arrow 38"/>
+          <p:cNvSpPr/>
+          <p:nvPr/>
+        </p:nvSpPr>
+        <p:spPr>
+          <a:xfrm>
+            <a:off x="6964300" y="2627903"/>
+            <a:ext cx="133304" cy="115137"/>
+          </a:xfrm>
+          <a:prstGeom prst="downArrow">
+            <a:avLst/>
+          </a:prstGeom>
+        </p:spPr>
+        <p:style>
+          <a:lnRef idx="2">
+            <a:schemeClr val="accent1">
+              <a:shade val="50000"/>
+            </a:schemeClr>
+          </a:lnRef>
+          <a:fillRef idx="1">
+            <a:schemeClr val="accent1"/>
+          </a:fillRef>
+          <a:effectRef idx="0">
+            <a:schemeClr val="accent1"/>
+          </a:effectRef>
+          <a:fontRef idx="minor">
+            <a:schemeClr val="lt1"/>
+          </a:fontRef>
+        </p:style>
+        <p:txBody>
+          <a:bodyPr rtlCol="0" anchor="ctr"/>
+          <a:lstStyle/>
+          <a:p>
+            <a:pPr algn="ctr"/>
+            <a:endParaRPr lang="en-US"/>
+          </a:p>
+        </p:txBody>
+      </p:sp>
+      <p:sp>
+        <p:nvSpPr>
+          <p:cNvPr id="40" name="Down Arrow 39"/>
+          <p:cNvSpPr/>
+          <p:nvPr/>
+        </p:nvSpPr>
+        <p:spPr>
+          <a:xfrm>
+            <a:off x="6897648" y="3696412"/>
+            <a:ext cx="133304" cy="115137"/>
+          </a:xfrm>
+          <a:prstGeom prst="downArrow">
+            <a:avLst/>
+          </a:prstGeom>
+        </p:spPr>
+        <p:style>
+          <a:lnRef idx="2">
+            <a:schemeClr val="accent1">
+              <a:shade val="50000"/>
+            </a:schemeClr>
+          </a:lnRef>
+          <a:fillRef idx="1">
+            <a:schemeClr val="accent1"/>
+          </a:fillRef>
+          <a:effectRef idx="0">
+            <a:schemeClr val="accent1"/>
+          </a:effectRef>
+          <a:fontRef idx="minor">
+            <a:schemeClr val="lt1"/>
+          </a:fontRef>
+        </p:style>
+        <p:txBody>
+          <a:bodyPr rtlCol="0" anchor="ctr"/>
+          <a:lstStyle/>
+          <a:p>
+            <a:pPr algn="ctr"/>
+            <a:endParaRPr lang="en-US"/>
+          </a:p>
+        </p:txBody>
+      </p:sp>
+    </p:spTree>
+    <p:extLst>
+      <p:ext uri="{BB962C8B-B14F-4D97-AF65-F5344CB8AC3E}">
+        <p14:creationId xmlns:p14="http://schemas.microsoft.com/office/powerpoint/2010/main" val="2698416927"/>
+      </p:ext>
+    </p:extLst>
+  </p:cSld>
+  <p:clrMapOvr>
+    <a:masterClrMapping/>
+  </p:clrMapOvr>
+</p:sld>
+</file>
+
+<file path=ppt/slides/slide9.xml><?xml version="1.0" encoding="utf-8"?>
+<p:sld xmlns:a="http://schemas.openxmlformats.org/drawingml/2006/main" xmlns:r="http://schemas.openxmlformats.org/officeDocument/2006/relationships" xmlns:p="http://schemas.openxmlformats.org/presentationml/2006/main">
+  <p:cSld>
+    <p:spTree>
+      <p:nvGrpSpPr>
+        <p:cNvPr id="1" name=""/>
+        <p:cNvGrpSpPr/>
+        <p:nvPr/>
+      </p:nvGrpSpPr>
+      <p:grpSpPr>
+        <a:xfrm>
+          <a:off x="0" y="0"/>
+          <a:ext cx="0" cy="0"/>
+          <a:chOff x="0" y="0"/>
+          <a:chExt cx="0" cy="0"/>
+        </a:xfrm>
+      </p:grpSpPr>
+      <p:sp>
+        <p:nvSpPr>
+          <p:cNvPr id="39" name="Rectangle 38"/>
+          <p:cNvSpPr/>
+          <p:nvPr/>
+        </p:nvSpPr>
+        <p:spPr>
+          <a:xfrm>
+            <a:off x="329514" y="296562"/>
+            <a:ext cx="8128002" cy="5717060"/>
+          </a:xfrm>
+          <a:prstGeom prst="rect">
+            <a:avLst/>
+          </a:prstGeom>
+        </p:spPr>
+        <p:style>
+          <a:lnRef idx="2">
+            <a:schemeClr val="accent1">
+              <a:shade val="50000"/>
+            </a:schemeClr>
+          </a:lnRef>
+          <a:fillRef idx="1">
+            <a:schemeClr val="accent1"/>
+          </a:fillRef>
+          <a:effectRef idx="0">
+            <a:schemeClr val="accent1"/>
+          </a:effectRef>
+          <a:fontRef idx="minor">
+            <a:schemeClr val="lt1"/>
+          </a:fontRef>
+        </p:style>
+        <p:txBody>
+          <a:bodyPr rtlCol="0" anchor="ctr"/>
+          <a:lstStyle/>
+          <a:p>
+            <a:pPr algn="ctr"/>
+            <a:endParaRPr lang="en-US" dirty="0"/>
+          </a:p>
+        </p:txBody>
+      </p:sp>
+      <p:graphicFrame>
+        <p:nvGraphicFramePr>
+          <p:cNvPr id="40" name="Table 39"/>
+          <p:cNvGraphicFramePr>
+            <a:graphicFrameLocks noGrp="1"/>
+          </p:cNvGraphicFramePr>
+          <p:nvPr>
+            <p:extLst>
+              <p:ext uri="{D42A27DB-BD31-4B8C-83A1-F6EECF244321}">
+                <p14:modId xmlns:p14="http://schemas.microsoft.com/office/powerpoint/2010/main" val="33747671"/>
+              </p:ext>
+            </p:extLst>
+          </p:nvPr>
+        </p:nvGraphicFramePr>
+        <p:xfrm>
+          <a:off x="329514" y="296562"/>
+          <a:ext cx="8128002" cy="418592"/>
+        </p:xfrm>
+        <a:graphic>
+          <a:graphicData uri="http://schemas.openxmlformats.org/drawingml/2006/table">
+            <a:tbl>
+              <a:tblPr firstRow="1" bandRow="1">
+                <a:tableStyleId>{5C22544A-7EE6-4342-B048-85BDC9FD1C3A}</a:tableStyleId>
+              </a:tblPr>
+              <a:tblGrid>
+                <a:gridCol w="1354667"/>
+                <a:gridCol w="1354667"/>
+                <a:gridCol w="1354667"/>
+                <a:gridCol w="1354667"/>
+                <a:gridCol w="1354667"/>
+                <a:gridCol w="1354667"/>
+              </a:tblGrid>
+              <a:tr h="418592">
+                <a:tc>
+                  <a:txBody>
+                    <a:bodyPr/>
+                    <a:lstStyle/>
+                    <a:p>
+                      <a:endParaRPr lang="en-US" dirty="0"/>
+                    </a:p>
+                  </a:txBody>
+                  <a:tcPr/>
+                </a:tc>
+                <a:tc>
+                  <a:txBody>
+                    <a:bodyPr/>
+                    <a:lstStyle/>
+                    <a:p>
+                      <a:r>
+                        <a:rPr lang="en-US" dirty="0" smtClean="0">
+                          <a:solidFill>
+                            <a:schemeClr val="accent5">
+                              <a:lumMod val="20000"/>
+                              <a:lumOff val="80000"/>
+                            </a:schemeClr>
+                          </a:solidFill>
+                        </a:rPr>
+                        <a:t>Exercises</a:t>
+                      </a:r>
+                      <a:endParaRPr lang="en-US" dirty="0">
+                        <a:solidFill>
+                          <a:schemeClr val="accent5">
+                            <a:lumMod val="20000"/>
+                            <a:lumOff val="80000"/>
+                          </a:schemeClr>
+                        </a:solidFill>
+                      </a:endParaRPr>
+                    </a:p>
+                  </a:txBody>
+                  <a:tcPr/>
+                </a:tc>
+                <a:tc>
+                  <a:txBody>
+                    <a:bodyPr/>
+                    <a:lstStyle/>
+                    <a:p>
+                      <a:r>
+                        <a:rPr lang="en-US" dirty="0" smtClean="0">
+                          <a:solidFill>
+                            <a:schemeClr val="bg1"/>
+                          </a:solidFill>
+                        </a:rPr>
+                        <a:t>Workout</a:t>
+                      </a:r>
+                      <a:endParaRPr lang="en-US" dirty="0">
+                        <a:solidFill>
+                          <a:schemeClr val="bg1"/>
+                        </a:solidFill>
+                      </a:endParaRPr>
+                    </a:p>
+                  </a:txBody>
+                  <a:tcPr/>
+                </a:tc>
+                <a:tc>
+                  <a:txBody>
+                    <a:bodyPr/>
+                    <a:lstStyle/>
+                    <a:p>
+                      <a:pPr marL="0" marR="0" indent="0" algn="l" defTabSz="914400" rtl="0" eaLnBrk="1" fontAlgn="auto" latinLnBrk="0" hangingPunct="1">
+                        <a:lnSpc>
+                          <a:spcPct val="100000"/>
+                        </a:lnSpc>
+                        <a:spcBef>
+                          <a:spcPts val="0"/>
+                        </a:spcBef>
+                        <a:spcAft>
+                          <a:spcPts val="0"/>
+                        </a:spcAft>
+                        <a:buClrTx/>
+                        <a:buSzTx/>
+                        <a:buFontTx/>
+                        <a:buNone/>
+                        <a:tabLst/>
+                        <a:defRPr/>
+                      </a:pPr>
+                      <a:r>
+                        <a:rPr lang="en-US" dirty="0" smtClean="0">
+                          <a:solidFill>
+                            <a:schemeClr val="accent5">
+                              <a:lumMod val="20000"/>
+                              <a:lumOff val="80000"/>
+                            </a:schemeClr>
+                          </a:solidFill>
+                        </a:rPr>
+                        <a:t>Progress</a:t>
+                      </a:r>
+                    </a:p>
+                  </a:txBody>
+                  <a:tcPr/>
+                </a:tc>
+                <a:tc>
+                  <a:txBody>
+                    <a:bodyPr/>
+                    <a:lstStyle/>
+                    <a:p>
+                      <a:r>
+                        <a:rPr lang="en-US" dirty="0" smtClean="0">
+                          <a:solidFill>
+                            <a:schemeClr val="accent5">
+                              <a:lumMod val="20000"/>
+                              <a:lumOff val="80000"/>
+                            </a:schemeClr>
+                          </a:solidFill>
+                        </a:rPr>
+                        <a:t>Resources</a:t>
+                      </a:r>
+                      <a:endParaRPr lang="en-US" dirty="0">
+                        <a:solidFill>
+                          <a:schemeClr val="accent5">
+                            <a:lumMod val="20000"/>
+                            <a:lumOff val="80000"/>
+                          </a:schemeClr>
+                        </a:solidFill>
+                      </a:endParaRPr>
+                    </a:p>
+                  </a:txBody>
+                  <a:tcPr/>
+                </a:tc>
+                <a:tc>
+                  <a:txBody>
+                    <a:bodyPr/>
+                    <a:lstStyle/>
+                    <a:p>
+                      <a:r>
+                        <a:rPr lang="en-US" dirty="0" smtClean="0">
+                          <a:solidFill>
+                            <a:schemeClr val="accent5">
+                              <a:lumMod val="20000"/>
+                              <a:lumOff val="80000"/>
+                            </a:schemeClr>
+                          </a:solidFill>
+                        </a:rPr>
+                        <a:t>About</a:t>
+                      </a:r>
+                      <a:endParaRPr lang="en-US" dirty="0">
+                        <a:solidFill>
+                          <a:schemeClr val="accent5">
+                            <a:lumMod val="20000"/>
+                            <a:lumOff val="80000"/>
+                          </a:schemeClr>
+                        </a:solidFill>
+                      </a:endParaRPr>
+                    </a:p>
+                  </a:txBody>
+                  <a:tcPr/>
+                </a:tc>
+              </a:tr>
+            </a:tbl>
+          </a:graphicData>
+        </a:graphic>
+      </p:graphicFrame>
+      <p:pic>
+        <p:nvPicPr>
+          <p:cNvPr id="41" name="Picture 40"/>
+          <p:cNvPicPr>
+            <a:picLocks noChangeAspect="1"/>
+          </p:cNvPicPr>
+          <p:nvPr/>
+        </p:nvPicPr>
+        <p:blipFill>
+          <a:blip r:embed="rId2" cstate="print">
+            <a:extLst>
+              <a:ext uri="{28A0092B-C50C-407E-A947-70E740481C1C}">
+                <a14:useLocalDpi xmlns:a14="http://schemas.microsoft.com/office/drawing/2010/main" val="0"/>
+              </a:ext>
+            </a:extLst>
+          </a:blip>
+          <a:stretch>
+            <a:fillRect/>
+          </a:stretch>
+        </p:blipFill>
+        <p:spPr>
+          <a:xfrm>
+            <a:off x="389238" y="317225"/>
+            <a:ext cx="369869" cy="377266"/>
+          </a:xfrm>
+          <a:prstGeom prst="rect">
+            <a:avLst/>
+          </a:prstGeom>
+        </p:spPr>
+      </p:pic>
+      <p:sp>
+        <p:nvSpPr>
+          <p:cNvPr id="42" name="Rounded Rectangle 41"/>
+          <p:cNvSpPr/>
+          <p:nvPr/>
+        </p:nvSpPr>
+        <p:spPr>
+          <a:xfrm>
+            <a:off x="759107" y="404210"/>
+            <a:ext cx="873210" cy="214184"/>
+          </a:xfrm>
+          <a:prstGeom prst="roundRect">
+            <a:avLst/>
+          </a:prstGeom>
+        </p:spPr>
+        <p:style>
+          <a:lnRef idx="2">
+            <a:schemeClr val="accent1">
+              <a:shade val="50000"/>
+            </a:schemeClr>
+          </a:lnRef>
+          <a:fillRef idx="1">
+            <a:schemeClr val="accent1"/>
+          </a:fillRef>
+          <a:effectRef idx="0">
+            <a:schemeClr val="accent1"/>
+          </a:effectRef>
+          <a:fontRef idx="minor">
+            <a:schemeClr val="lt1"/>
+          </a:fontRef>
+        </p:style>
+        <p:txBody>
+          <a:bodyPr rtlCol="0" anchor="ctr"/>
+          <a:lstStyle/>
+          <a:p>
+            <a:pPr algn="ctr"/>
+            <a:r>
+              <a:rPr lang="en-US" dirty="0" err="1" smtClean="0"/>
+              <a:t>Kachok</a:t>
+            </a:r>
+            <a:endParaRPr lang="en-US" dirty="0"/>
+          </a:p>
+        </p:txBody>
+      </p:sp>
+      <p:sp>
+        <p:nvSpPr>
+          <p:cNvPr id="43" name="Rectangle 42"/>
+          <p:cNvSpPr/>
+          <p:nvPr/>
+        </p:nvSpPr>
+        <p:spPr>
+          <a:xfrm>
+            <a:off x="329514" y="756344"/>
+            <a:ext cx="2018270" cy="5150186"/>
+          </a:xfrm>
+          <a:prstGeom prst="rect">
+            <a:avLst/>
+          </a:prstGeom>
+        </p:spPr>
+        <p:style>
+          <a:lnRef idx="2">
+            <a:schemeClr val="accent1">
+              <a:shade val="50000"/>
+            </a:schemeClr>
+          </a:lnRef>
+          <a:fillRef idx="1">
+            <a:schemeClr val="accent1"/>
+          </a:fillRef>
+          <a:effectRef idx="0">
+            <a:schemeClr val="accent1"/>
+          </a:effectRef>
+          <a:fontRef idx="minor">
+            <a:schemeClr val="lt1"/>
+          </a:fontRef>
+        </p:style>
+        <p:txBody>
+          <a:bodyPr rtlCol="0" anchor="ctr"/>
+          <a:lstStyle/>
+          <a:p>
+            <a:pPr algn="ctr"/>
+            <a:endParaRPr lang="en-US" dirty="0"/>
+          </a:p>
+        </p:txBody>
+      </p:sp>
+      <p:sp>
+        <p:nvSpPr>
+          <p:cNvPr id="44" name="Rectangle 43"/>
+          <p:cNvSpPr/>
+          <p:nvPr/>
+        </p:nvSpPr>
+        <p:spPr>
+          <a:xfrm>
+            <a:off x="464751" y="1129458"/>
+            <a:ext cx="1466336" cy="1331068"/>
+          </a:xfrm>
+          <a:prstGeom prst="rect">
+            <a:avLst/>
+          </a:prstGeom>
+        </p:spPr>
+        <p:style>
+          <a:lnRef idx="2">
+            <a:schemeClr val="accent1">
+              <a:shade val="50000"/>
+            </a:schemeClr>
+          </a:lnRef>
+          <a:fillRef idx="1">
+            <a:schemeClr val="accent1"/>
+          </a:fillRef>
+          <a:effectRef idx="0">
+            <a:schemeClr val="accent1"/>
+          </a:effectRef>
+          <a:fontRef idx="minor">
+            <a:schemeClr val="lt1"/>
+          </a:fontRef>
+        </p:style>
+        <p:txBody>
+          <a:bodyPr rtlCol="0" anchor="ctr"/>
+          <a:lstStyle/>
+          <a:p>
+            <a:r>
+              <a:rPr lang="en-US" sz="1000" dirty="0" smtClean="0"/>
+              <a:t>Chest Day</a:t>
+            </a:r>
+            <a:endParaRPr lang="en-US" sz="1000" dirty="0" smtClean="0"/>
+          </a:p>
+          <a:p>
+            <a:endParaRPr lang="en-US" sz="1000" dirty="0" smtClean="0"/>
+          </a:p>
+          <a:p>
+            <a:r>
+              <a:rPr lang="en-US" sz="1000" dirty="0" smtClean="0"/>
+              <a:t>1 Exercise</a:t>
+            </a:r>
+          </a:p>
+          <a:p>
+            <a:r>
+              <a:rPr lang="en-US" sz="1000" dirty="0" smtClean="0"/>
+              <a:t>2 Exercise</a:t>
+            </a:r>
+          </a:p>
+          <a:p>
+            <a:r>
+              <a:rPr lang="en-US" sz="1000" dirty="0" smtClean="0"/>
+              <a:t>3 Exercise</a:t>
+            </a:r>
+          </a:p>
+          <a:p>
+            <a:r>
+              <a:rPr lang="en-US" sz="1000" dirty="0" smtClean="0"/>
+              <a:t>4 Exercise</a:t>
+            </a:r>
+          </a:p>
+          <a:p>
+            <a:r>
+              <a:rPr lang="en-US" sz="1000" dirty="0" smtClean="0"/>
+              <a:t>5 Exercise</a:t>
+            </a:r>
+          </a:p>
+          <a:p>
+            <a:r>
+              <a:rPr lang="en-US" sz="1000" dirty="0" smtClean="0"/>
+              <a:t>6 Exercise</a:t>
+            </a:r>
+            <a:endParaRPr lang="en-US" sz="1000" dirty="0"/>
+          </a:p>
+        </p:txBody>
+      </p:sp>
+      <p:sp>
+        <p:nvSpPr>
+          <p:cNvPr id="45" name="Rectangle 44"/>
+          <p:cNvSpPr/>
+          <p:nvPr/>
+        </p:nvSpPr>
+        <p:spPr>
+          <a:xfrm>
+            <a:off x="2413688" y="823784"/>
+            <a:ext cx="782594" cy="267516"/>
+          </a:xfrm>
+          <a:prstGeom prst="rect">
+            <a:avLst/>
+          </a:prstGeom>
+        </p:spPr>
+        <p:style>
+          <a:lnRef idx="2">
+            <a:schemeClr val="accent1">
+              <a:shade val="50000"/>
+            </a:schemeClr>
+          </a:lnRef>
+          <a:fillRef idx="1">
+            <a:schemeClr val="accent1"/>
+          </a:fillRef>
+          <a:effectRef idx="0">
+            <a:schemeClr val="accent1"/>
+          </a:effectRef>
+          <a:fontRef idx="minor">
+            <a:schemeClr val="lt1"/>
+          </a:fontRef>
+        </p:style>
+        <p:txBody>
+          <a:bodyPr rtlCol="0" anchor="ctr"/>
+          <a:lstStyle/>
+          <a:p>
+            <a:pPr algn="ctr"/>
+            <a:r>
+              <a:rPr lang="en-US" sz="1100" dirty="0" smtClean="0"/>
+              <a:t>Plans</a:t>
+            </a:r>
+            <a:endParaRPr lang="en-US" sz="1100" dirty="0"/>
+          </a:p>
+        </p:txBody>
+      </p:sp>
+      <p:sp>
+        <p:nvSpPr>
+          <p:cNvPr id="46" name="Rectangle 45"/>
+          <p:cNvSpPr/>
+          <p:nvPr/>
+        </p:nvSpPr>
+        <p:spPr>
+          <a:xfrm>
+            <a:off x="5279621" y="1445083"/>
+            <a:ext cx="1075037" cy="230660"/>
+          </a:xfrm>
+          <a:prstGeom prst="rect">
+            <a:avLst/>
+          </a:prstGeom>
+        </p:spPr>
+        <p:style>
+          <a:lnRef idx="2">
+            <a:schemeClr val="accent1">
+              <a:shade val="50000"/>
+            </a:schemeClr>
+          </a:lnRef>
+          <a:fillRef idx="1">
+            <a:schemeClr val="accent1"/>
+          </a:fillRef>
+          <a:effectRef idx="0">
+            <a:schemeClr val="accent1"/>
+          </a:effectRef>
+          <a:fontRef idx="minor">
+            <a:schemeClr val="lt1"/>
+          </a:fontRef>
+        </p:style>
+        <p:txBody>
+          <a:bodyPr rtlCol="0" anchor="ctr"/>
+          <a:lstStyle/>
+          <a:p>
+            <a:r>
+              <a:rPr lang="en-US" dirty="0" smtClean="0"/>
+              <a:t># of days</a:t>
+            </a:r>
+            <a:endParaRPr lang="en-US" dirty="0"/>
+          </a:p>
+        </p:txBody>
+      </p:sp>
+      <p:sp>
+        <p:nvSpPr>
+          <p:cNvPr id="47" name="Rectangle 46"/>
+          <p:cNvSpPr/>
+          <p:nvPr/>
+        </p:nvSpPr>
+        <p:spPr>
+          <a:xfrm>
+            <a:off x="3288960" y="834841"/>
+            <a:ext cx="1318054" cy="267516"/>
+          </a:xfrm>
+          <a:prstGeom prst="rect">
+            <a:avLst/>
+          </a:prstGeom>
+        </p:spPr>
+        <p:style>
+          <a:lnRef idx="2">
+            <a:schemeClr val="accent1">
+              <a:shade val="50000"/>
+            </a:schemeClr>
+          </a:lnRef>
+          <a:fillRef idx="1">
+            <a:schemeClr val="accent1"/>
+          </a:fillRef>
+          <a:effectRef idx="0">
+            <a:schemeClr val="accent1"/>
+          </a:effectRef>
+          <a:fontRef idx="minor">
+            <a:schemeClr val="lt1"/>
+          </a:fontRef>
+        </p:style>
+        <p:txBody>
+          <a:bodyPr rtlCol="0" anchor="ctr"/>
+          <a:lstStyle/>
+          <a:p>
+            <a:r>
+              <a:rPr lang="en-US" sz="1000" dirty="0" smtClean="0"/>
+              <a:t>Complete Makeover</a:t>
+            </a:r>
+            <a:endParaRPr lang="en-US" sz="1000" dirty="0"/>
+          </a:p>
+        </p:txBody>
+      </p:sp>
+      <p:sp>
+        <p:nvSpPr>
+          <p:cNvPr id="48" name="Rectangle 47"/>
+          <p:cNvSpPr/>
+          <p:nvPr/>
+        </p:nvSpPr>
+        <p:spPr>
+          <a:xfrm>
+            <a:off x="2447597" y="1199930"/>
+            <a:ext cx="4983892" cy="4585014"/>
+          </a:xfrm>
+          <a:prstGeom prst="rect">
+            <a:avLst/>
+          </a:prstGeom>
+        </p:spPr>
+        <p:style>
+          <a:lnRef idx="2">
+            <a:schemeClr val="accent1">
+              <a:shade val="50000"/>
+            </a:schemeClr>
+          </a:lnRef>
+          <a:fillRef idx="1">
+            <a:schemeClr val="accent1"/>
+          </a:fillRef>
+          <a:effectRef idx="0">
+            <a:schemeClr val="accent1"/>
+          </a:effectRef>
+          <a:fontRef idx="minor">
+            <a:schemeClr val="lt1"/>
+          </a:fontRef>
+        </p:style>
+        <p:txBody>
+          <a:bodyPr rtlCol="0" anchor="ctr"/>
+          <a:lstStyle/>
+          <a:p>
+            <a:pPr algn="ctr"/>
+            <a:endParaRPr lang="en-US"/>
+          </a:p>
+        </p:txBody>
+      </p:sp>
+      <p:sp>
+        <p:nvSpPr>
+          <p:cNvPr id="57" name="Rectangle 56"/>
+          <p:cNvSpPr/>
+          <p:nvPr/>
+        </p:nvSpPr>
+        <p:spPr>
+          <a:xfrm>
+            <a:off x="4693437" y="827392"/>
+            <a:ext cx="1318054" cy="267516"/>
+          </a:xfrm>
+          <a:prstGeom prst="rect">
+            <a:avLst/>
+          </a:prstGeom>
+        </p:spPr>
+        <p:style>
+          <a:lnRef idx="2">
+            <a:schemeClr val="accent1">
+              <a:shade val="50000"/>
+            </a:schemeClr>
+          </a:lnRef>
+          <a:fillRef idx="1">
+            <a:schemeClr val="accent1"/>
+          </a:fillRef>
+          <a:effectRef idx="0">
+            <a:schemeClr val="accent1"/>
+          </a:effectRef>
+          <a:fontRef idx="minor">
+            <a:schemeClr val="lt1"/>
+          </a:fontRef>
+        </p:style>
+        <p:txBody>
+          <a:bodyPr rtlCol="0" anchor="ctr"/>
+          <a:lstStyle/>
+          <a:p>
+            <a:r>
+              <a:rPr lang="en-US" sz="1000" dirty="0" smtClean="0"/>
+              <a:t>Chest Day</a:t>
+            </a:r>
+            <a:endParaRPr lang="en-US" sz="1000" dirty="0"/>
+          </a:p>
+        </p:txBody>
+      </p:sp>
+      <p:sp>
+        <p:nvSpPr>
+          <p:cNvPr id="58" name="Rectangle 57"/>
+          <p:cNvSpPr/>
+          <p:nvPr/>
+        </p:nvSpPr>
+        <p:spPr>
+          <a:xfrm>
+            <a:off x="6097914" y="823784"/>
+            <a:ext cx="1318054" cy="267516"/>
+          </a:xfrm>
+          <a:prstGeom prst="rect">
+            <a:avLst/>
+          </a:prstGeom>
+        </p:spPr>
+        <p:style>
+          <a:lnRef idx="2">
+            <a:schemeClr val="accent1">
+              <a:shade val="50000"/>
+            </a:schemeClr>
+          </a:lnRef>
+          <a:fillRef idx="1">
+            <a:schemeClr val="accent1"/>
+          </a:fillRef>
+          <a:effectRef idx="0">
+            <a:schemeClr val="accent1"/>
+          </a:effectRef>
+          <a:fontRef idx="minor">
+            <a:schemeClr val="lt1"/>
+          </a:fontRef>
+        </p:style>
+        <p:txBody>
+          <a:bodyPr rtlCol="0" anchor="ctr"/>
+          <a:lstStyle/>
+          <a:p>
+            <a:r>
+              <a:rPr lang="en-US" sz="1000" dirty="0" smtClean="0"/>
+              <a:t>1 Exercise</a:t>
+            </a:r>
+            <a:endParaRPr lang="en-US" sz="1000" dirty="0"/>
+          </a:p>
+        </p:txBody>
+      </p:sp>
+      <p:sp>
+        <p:nvSpPr>
+          <p:cNvPr id="59" name="Rounded Rectangle 58"/>
+          <p:cNvSpPr/>
+          <p:nvPr/>
+        </p:nvSpPr>
+        <p:spPr>
+          <a:xfrm>
+            <a:off x="2629933" y="3331437"/>
+            <a:ext cx="4501144" cy="642551"/>
+          </a:xfrm>
+          <a:prstGeom prst="roundRect">
+            <a:avLst/>
+          </a:prstGeom>
+        </p:spPr>
+        <p:style>
+          <a:lnRef idx="2">
+            <a:schemeClr val="accent1">
+              <a:shade val="50000"/>
+            </a:schemeClr>
+          </a:lnRef>
+          <a:fillRef idx="1">
+            <a:schemeClr val="accent1"/>
+          </a:fillRef>
+          <a:effectRef idx="0">
+            <a:schemeClr val="accent1"/>
+          </a:effectRef>
+          <a:fontRef idx="minor">
+            <a:schemeClr val="lt1"/>
+          </a:fontRef>
+        </p:style>
+        <p:txBody>
+          <a:bodyPr rtlCol="0" anchor="t"/>
+          <a:lstStyle/>
+          <a:p>
+            <a:endParaRPr lang="en-US" sz="1000" dirty="0" smtClean="0"/>
+          </a:p>
+          <a:p>
+            <a:r>
+              <a:rPr lang="en-US" sz="1000" dirty="0" smtClean="0"/>
+              <a:t>Pushups </a:t>
+            </a:r>
+          </a:p>
+          <a:p>
+            <a:r>
+              <a:rPr lang="en-US" sz="1000" dirty="0" smtClean="0"/>
+              <a:t>     warmup 10 reps | warmup 10 reps | 8-10 reps | 8-10 reps | 7 reps</a:t>
+            </a:r>
+          </a:p>
+        </p:txBody>
+      </p:sp>
+      <p:sp>
+        <p:nvSpPr>
+          <p:cNvPr id="63" name="Rectangle 62"/>
+          <p:cNvSpPr/>
+          <p:nvPr/>
+        </p:nvSpPr>
+        <p:spPr>
+          <a:xfrm>
+            <a:off x="2629933" y="1408227"/>
+            <a:ext cx="1318054" cy="267516"/>
+          </a:xfrm>
+          <a:prstGeom prst="rect">
+            <a:avLst/>
+          </a:prstGeom>
+        </p:spPr>
+        <p:style>
+          <a:lnRef idx="2">
+            <a:schemeClr val="accent1">
+              <a:shade val="50000"/>
+            </a:schemeClr>
+          </a:lnRef>
+          <a:fillRef idx="1">
+            <a:schemeClr val="accent1"/>
+          </a:fillRef>
+          <a:effectRef idx="0">
+            <a:schemeClr val="accent1"/>
+          </a:effectRef>
+          <a:fontRef idx="minor">
+            <a:schemeClr val="lt1"/>
+          </a:fontRef>
+        </p:style>
+        <p:txBody>
+          <a:bodyPr rtlCol="0" anchor="ctr"/>
+          <a:lstStyle/>
+          <a:p>
+            <a:r>
+              <a:rPr lang="en-US" sz="1000" dirty="0" smtClean="0"/>
+              <a:t>Exercise</a:t>
+            </a:r>
+            <a:endParaRPr lang="en-US" sz="1000" dirty="0"/>
+          </a:p>
+        </p:txBody>
+      </p:sp>
+      <p:sp>
+        <p:nvSpPr>
+          <p:cNvPr id="64" name="Rectangle 63"/>
+          <p:cNvSpPr/>
+          <p:nvPr/>
+        </p:nvSpPr>
+        <p:spPr>
+          <a:xfrm>
+            <a:off x="2634321" y="1773316"/>
+            <a:ext cx="4464908" cy="601364"/>
+          </a:xfrm>
+          <a:prstGeom prst="rect">
+            <a:avLst/>
+          </a:prstGeom>
+        </p:spPr>
+        <p:style>
+          <a:lnRef idx="2">
+            <a:schemeClr val="accent1">
+              <a:shade val="50000"/>
+            </a:schemeClr>
+          </a:lnRef>
+          <a:fillRef idx="1">
+            <a:schemeClr val="accent1"/>
+          </a:fillRef>
+          <a:effectRef idx="0">
+            <a:schemeClr val="accent1"/>
+          </a:effectRef>
+          <a:fontRef idx="minor">
+            <a:schemeClr val="lt1"/>
+          </a:fontRef>
+        </p:style>
+        <p:txBody>
+          <a:bodyPr rtlCol="0" anchor="t"/>
+          <a:lstStyle/>
+          <a:p>
+            <a:r>
+              <a:rPr lang="en-US" sz="1000" dirty="0" smtClean="0"/>
+              <a:t>Special Instructions</a:t>
+            </a:r>
+            <a:endParaRPr lang="en-US" sz="1000" dirty="0"/>
+          </a:p>
+        </p:txBody>
+      </p:sp>
+      <p:sp>
+        <p:nvSpPr>
+          <p:cNvPr id="65" name="Oval 64"/>
+          <p:cNvSpPr/>
+          <p:nvPr/>
+        </p:nvSpPr>
+        <p:spPr>
+          <a:xfrm>
+            <a:off x="6186616" y="1347510"/>
+            <a:ext cx="1229352" cy="536530"/>
+          </a:xfrm>
+          <a:prstGeom prst="ellipse">
+            <a:avLst/>
+          </a:prstGeom>
+        </p:spPr>
+        <p:style>
+          <a:lnRef idx="2">
+            <a:schemeClr val="accent1">
+              <a:shade val="50000"/>
+            </a:schemeClr>
+          </a:lnRef>
+          <a:fillRef idx="1">
+            <a:schemeClr val="accent1"/>
+          </a:fillRef>
+          <a:effectRef idx="0">
+            <a:schemeClr val="accent1"/>
+          </a:effectRef>
+          <a:fontRef idx="minor">
+            <a:schemeClr val="lt1"/>
+          </a:fontRef>
+        </p:style>
+        <p:txBody>
+          <a:bodyPr rtlCol="0" anchor="ctr"/>
+          <a:lstStyle/>
+          <a:p>
+            <a:pPr algn="ctr"/>
+            <a:r>
+              <a:rPr lang="en-US" sz="1000" dirty="0" smtClean="0"/>
+              <a:t>Add Step</a:t>
+            </a:r>
+          </a:p>
+          <a:p>
+            <a:pPr algn="ctr"/>
+            <a:r>
+              <a:rPr lang="en-US" sz="1000" dirty="0" smtClean="0"/>
+              <a:t>Add Exercise</a:t>
+            </a:r>
+            <a:endParaRPr lang="en-US" sz="1000" dirty="0"/>
+          </a:p>
+        </p:txBody>
+      </p:sp>
+      <p:cxnSp>
+        <p:nvCxnSpPr>
+          <p:cNvPr id="67" name="Straight Connector 66"/>
+          <p:cNvCxnSpPr/>
+          <p:nvPr/>
+        </p:nvCxnSpPr>
+        <p:spPr>
+          <a:xfrm>
+            <a:off x="6541382" y="1576076"/>
+            <a:ext cx="914400" cy="914400"/>
+          </a:xfrm>
+          <a:prstGeom prst="line">
+            <a:avLst/>
+          </a:prstGeom>
+        </p:spPr>
+        <p:style>
+          <a:lnRef idx="1">
+            <a:schemeClr val="accent1"/>
+          </a:lnRef>
+          <a:fillRef idx="0">
+            <a:schemeClr val="accent1"/>
+          </a:fillRef>
+          <a:effectRef idx="0">
+            <a:schemeClr val="accent1"/>
+          </a:effectRef>
+          <a:fontRef idx="minor">
+            <a:schemeClr val="tx1"/>
+          </a:fontRef>
+        </p:style>
+      </p:cxnSp>
+      <p:sp>
+        <p:nvSpPr>
+          <p:cNvPr id="68" name="Rounded Rectangle 67"/>
+          <p:cNvSpPr/>
+          <p:nvPr/>
+        </p:nvSpPr>
+        <p:spPr>
+          <a:xfrm>
+            <a:off x="2659452" y="2490476"/>
+            <a:ext cx="1259016" cy="664616"/>
+          </a:xfrm>
+          <a:prstGeom prst="roundRect">
+            <a:avLst/>
+          </a:prstGeom>
+        </p:spPr>
+        <p:style>
+          <a:lnRef idx="2">
+            <a:schemeClr val="accent1">
+              <a:shade val="50000"/>
+            </a:schemeClr>
+          </a:lnRef>
+          <a:fillRef idx="1">
+            <a:schemeClr val="accent1"/>
+          </a:fillRef>
+          <a:effectRef idx="0">
+            <a:schemeClr val="accent1"/>
+          </a:effectRef>
+          <a:fontRef idx="minor">
+            <a:schemeClr val="lt1"/>
+          </a:fontRef>
+        </p:style>
+        <p:txBody>
+          <a:bodyPr rtlCol="0" anchor="t"/>
+          <a:lstStyle/>
+          <a:p>
+            <a:r>
+              <a:rPr lang="en-US" sz="1000" dirty="0" smtClean="0"/>
+              <a:t>Set 1: Warmup  </a:t>
+            </a:r>
+          </a:p>
+          <a:p>
+            <a:r>
+              <a:rPr lang="en-US" sz="1000" dirty="0" smtClean="0"/>
+              <a:t>#of Reps: (Range) </a:t>
+            </a:r>
+          </a:p>
+          <a:p>
+            <a:r>
+              <a:rPr lang="en-US" sz="1000" dirty="0" smtClean="0"/>
+              <a:t>Rest Interval</a:t>
+            </a:r>
+            <a:endParaRPr lang="en-US" sz="1000" dirty="0"/>
+          </a:p>
+        </p:txBody>
+      </p:sp>
+      <p:sp>
+        <p:nvSpPr>
+          <p:cNvPr id="69" name="Rounded Rectangle 68"/>
+          <p:cNvSpPr/>
+          <p:nvPr/>
+        </p:nvSpPr>
+        <p:spPr>
+          <a:xfrm>
+            <a:off x="4007300" y="2475181"/>
+            <a:ext cx="1259016" cy="664616"/>
+          </a:xfrm>
+          <a:prstGeom prst="roundRect">
+            <a:avLst/>
+          </a:prstGeom>
+        </p:spPr>
+        <p:style>
+          <a:lnRef idx="2">
+            <a:schemeClr val="accent1">
+              <a:shade val="50000"/>
+            </a:schemeClr>
+          </a:lnRef>
+          <a:fillRef idx="1">
+            <a:schemeClr val="accent1"/>
+          </a:fillRef>
+          <a:effectRef idx="0">
+            <a:schemeClr val="accent1"/>
+          </a:effectRef>
+          <a:fontRef idx="minor">
+            <a:schemeClr val="lt1"/>
+          </a:fontRef>
+        </p:style>
+        <p:txBody>
+          <a:bodyPr rtlCol="0" anchor="t"/>
+          <a:lstStyle/>
+          <a:p>
+            <a:r>
+              <a:rPr lang="en-US" sz="1000" dirty="0" smtClean="0"/>
+              <a:t>Set 2: Warmup  </a:t>
+            </a:r>
+          </a:p>
+          <a:p>
+            <a:r>
+              <a:rPr lang="en-US" sz="1000" dirty="0" smtClean="0"/>
+              <a:t>#of Reps: (Range) </a:t>
+            </a:r>
+          </a:p>
+          <a:p>
+            <a:r>
+              <a:rPr lang="en-US" sz="1000" dirty="0" smtClean="0"/>
+              <a:t>Rest Interval</a:t>
+            </a:r>
+            <a:endParaRPr lang="en-US" sz="1000" dirty="0"/>
+          </a:p>
+        </p:txBody>
+      </p:sp>
+      <p:sp>
+        <p:nvSpPr>
+          <p:cNvPr id="70" name="Rounded Rectangle 69"/>
+          <p:cNvSpPr/>
+          <p:nvPr/>
+        </p:nvSpPr>
+        <p:spPr>
+          <a:xfrm>
+            <a:off x="5340319" y="2470560"/>
+            <a:ext cx="1259016" cy="664616"/>
+          </a:xfrm>
+          <a:prstGeom prst="roundRect">
+            <a:avLst/>
+          </a:prstGeom>
+        </p:spPr>
+        <p:style>
+          <a:lnRef idx="2">
+            <a:schemeClr val="accent1">
+              <a:shade val="50000"/>
+            </a:schemeClr>
+          </a:lnRef>
+          <a:fillRef idx="1">
+            <a:schemeClr val="accent1"/>
+          </a:fillRef>
+          <a:effectRef idx="0">
+            <a:schemeClr val="accent1"/>
+          </a:effectRef>
+          <a:fontRef idx="minor">
+            <a:schemeClr val="lt1"/>
+          </a:fontRef>
+        </p:style>
+        <p:txBody>
+          <a:bodyPr rtlCol="0" anchor="t"/>
+          <a:lstStyle/>
+          <a:p>
+            <a:r>
+              <a:rPr lang="en-US" sz="1000" dirty="0" smtClean="0"/>
+              <a:t>Set 3: Heavy</a:t>
+            </a:r>
+          </a:p>
+          <a:p>
+            <a:r>
+              <a:rPr lang="en-US" sz="1000" dirty="0" smtClean="0"/>
+              <a:t>#of Reps: (Range) </a:t>
+            </a:r>
+          </a:p>
+          <a:p>
+            <a:r>
+              <a:rPr lang="en-US" sz="1000" dirty="0" smtClean="0"/>
+              <a:t>Rest Interval</a:t>
+            </a:r>
+            <a:endParaRPr lang="en-US" sz="1000" dirty="0"/>
+          </a:p>
+        </p:txBody>
+      </p:sp>
+      <p:sp>
+        <p:nvSpPr>
+          <p:cNvPr id="71" name="Up Arrow 70"/>
+          <p:cNvSpPr/>
+          <p:nvPr/>
+        </p:nvSpPr>
+        <p:spPr>
+          <a:xfrm>
+            <a:off x="2685537" y="3368869"/>
+            <a:ext cx="164756" cy="173401"/>
+          </a:xfrm>
+          <a:prstGeom prst="upArrow">
+            <a:avLst/>
+          </a:prstGeom>
+        </p:spPr>
+        <p:style>
+          <a:lnRef idx="2">
+            <a:schemeClr val="accent1">
+              <a:shade val="50000"/>
+            </a:schemeClr>
+          </a:lnRef>
+          <a:fillRef idx="1">
+            <a:schemeClr val="accent1"/>
+          </a:fillRef>
+          <a:effectRef idx="0">
+            <a:schemeClr val="accent1"/>
+          </a:effectRef>
+          <a:fontRef idx="minor">
+            <a:schemeClr val="lt1"/>
+          </a:fontRef>
+        </p:style>
+        <p:txBody>
+          <a:bodyPr rtlCol="0" anchor="ctr"/>
+          <a:lstStyle/>
+          <a:p>
+            <a:pPr algn="ctr"/>
+            <a:endParaRPr lang="en-US"/>
+          </a:p>
+        </p:txBody>
+      </p:sp>
+      <p:pic>
+        <p:nvPicPr>
+          <p:cNvPr id="72" name="Picture 71"/>
+          <p:cNvPicPr>
+            <a:picLocks noChangeAspect="1"/>
+          </p:cNvPicPr>
+          <p:nvPr/>
+        </p:nvPicPr>
+        <p:blipFill>
+          <a:blip r:embed="rId3" cstate="print">
+            <a:extLst>
+              <a:ext uri="{28A0092B-C50C-407E-A947-70E740481C1C}">
+                <a14:useLocalDpi xmlns:a14="http://schemas.microsoft.com/office/drawing/2010/main" val="0"/>
+              </a:ext>
+            </a:extLst>
+          </a:blip>
+          <a:stretch>
+            <a:fillRect/>
+          </a:stretch>
+        </p:blipFill>
+        <p:spPr>
+          <a:xfrm flipV="1">
+            <a:off x="3717494" y="1480995"/>
+            <a:ext cx="158836" cy="158836"/>
+          </a:xfrm>
+          <a:prstGeom prst="rect">
+            <a:avLst/>
+          </a:prstGeom>
+        </p:spPr>
+      </p:pic>
+    </p:spTree>
+    <p:extLst>
+      <p:ext uri="{BB962C8B-B14F-4D97-AF65-F5344CB8AC3E}">
+        <p14:creationId xmlns:p14="http://schemas.microsoft.com/office/powerpoint/2010/main" val="35723149"/>
+      </p:ext>
+    </p:extLst>
+  </p:cSld>
+  <p:clrMapOvr>
+    <a:masterClrMapping/>
+  </p:clrMapOvr>
 </p:sld>
 </file>
 
